--- a/Bien_Debuter_SQL/Jour1/Bases_SQL_Guide_Pour_Bien_Démarrer.pptx
+++ b/Bien_Debuter_SQL/Jour1/Bases_SQL_Guide_Pour_Bien_Démarrer.pptx
@@ -6,26 +6,28 @@
   </p:sldMasterIdLst>
   <p:sldIdLst>
     <p:sldId id="256" r:id="rId2"/>
-    <p:sldId id="257" r:id="rId3"/>
-    <p:sldId id="263" r:id="rId4"/>
-    <p:sldId id="262" r:id="rId5"/>
-    <p:sldId id="264" r:id="rId6"/>
-    <p:sldId id="258" r:id="rId7"/>
-    <p:sldId id="265" r:id="rId8"/>
-    <p:sldId id="266" r:id="rId9"/>
-    <p:sldId id="267" r:id="rId10"/>
-    <p:sldId id="268" r:id="rId11"/>
-    <p:sldId id="272" r:id="rId12"/>
-    <p:sldId id="274" r:id="rId13"/>
-    <p:sldId id="275" r:id="rId14"/>
-    <p:sldId id="276" r:id="rId15"/>
-    <p:sldId id="277" r:id="rId16"/>
-    <p:sldId id="259" r:id="rId17"/>
-    <p:sldId id="278" r:id="rId18"/>
-    <p:sldId id="281" r:id="rId19"/>
-    <p:sldId id="282" r:id="rId20"/>
-    <p:sldId id="260" r:id="rId21"/>
-    <p:sldId id="261" r:id="rId22"/>
+    <p:sldId id="263" r:id="rId3"/>
+    <p:sldId id="262" r:id="rId4"/>
+    <p:sldId id="264" r:id="rId5"/>
+    <p:sldId id="258" r:id="rId6"/>
+    <p:sldId id="265" r:id="rId7"/>
+    <p:sldId id="266" r:id="rId8"/>
+    <p:sldId id="267" r:id="rId9"/>
+    <p:sldId id="268" r:id="rId10"/>
+    <p:sldId id="272" r:id="rId11"/>
+    <p:sldId id="274" r:id="rId12"/>
+    <p:sldId id="275" r:id="rId13"/>
+    <p:sldId id="276" r:id="rId14"/>
+    <p:sldId id="277" r:id="rId15"/>
+    <p:sldId id="259" r:id="rId16"/>
+    <p:sldId id="278" r:id="rId17"/>
+    <p:sldId id="281" r:id="rId18"/>
+    <p:sldId id="282" r:id="rId19"/>
+    <p:sldId id="260" r:id="rId20"/>
+    <p:sldId id="283" r:id="rId21"/>
+    <p:sldId id="284" r:id="rId22"/>
+    <p:sldId id="261" r:id="rId23"/>
+    <p:sldId id="285" r:id="rId24"/>
   </p:sldIdLst>
   <p:sldSz cx="12192000" cy="6858000"/>
   <p:notesSz cx="6858000" cy="9144000"/>
@@ -130,7 +132,6 @@
         <p14:section name="Section par défaut" id="{B0AED38F-F26F-264B-8435-66846B1F0552}">
           <p14:sldIdLst>
             <p14:sldId id="256"/>
-            <p14:sldId id="257"/>
           </p14:sldIdLst>
         </p14:section>
         <p14:section name="Section récapitulative" id="{2454DF9B-EE63-1148-9DEF-48C794F76C73}">
@@ -169,11 +170,14 @@
         <p14:section name="Comprendre SQL " id="{46D0137B-2D2C-4A47-87EF-1D9D4C4E051B}">
           <p14:sldIdLst>
             <p14:sldId id="260"/>
+            <p14:sldId id="283"/>
+            <p14:sldId id="284"/>
           </p14:sldIdLst>
         </p14:section>
         <p14:section name="Bien démarrer avec MySQL " id="{6682E266-2E7E-784F-8715-DA920308305F}">
           <p14:sldIdLst>
             <p14:sldId id="261"/>
+            <p14:sldId id="285"/>
           </p14:sldIdLst>
         </p14:section>
       </p14:sectionLst>
@@ -5577,6 +5581,755 @@
   <dgm:styleLbl name="revTx">
     <dgm:fillClrLst meth="repeat">
       <a:schemeClr val="lt2">
+        <a:alpha val="0"/>
+      </a:schemeClr>
+    </dgm:fillClrLst>
+    <dgm:linClrLst meth="repeat">
+      <a:schemeClr val="dk1">
+        <a:alpha val="0"/>
+      </a:schemeClr>
+    </dgm:linClrLst>
+    <dgm:effectClrLst/>
+    <dgm:txLinClrLst/>
+    <dgm:txFillClrLst meth="repeat">
+      <a:schemeClr val="tx1"/>
+    </dgm:txFillClrLst>
+    <dgm:txEffectClrLst/>
+  </dgm:styleLbl>
+</dgm:colorsDef>
+</file>
+
+<file path=ppt/diagrams/colors8.xml><?xml version="1.0" encoding="utf-8"?>
+<dgm:colorsDef xmlns:dgm="http://schemas.openxmlformats.org/drawingml/2006/diagram" xmlns:a="http://schemas.openxmlformats.org/drawingml/2006/main" uniqueId="urn:microsoft.com/office/officeart/2018/5/colors/Iconchunking_neutralbg_accent3_2">
+  <dgm:title val=""/>
+  <dgm:desc val=""/>
+  <dgm:catLst>
+    <dgm:cat type="accent3" pri="13200"/>
+  </dgm:catLst>
+  <dgm:styleLbl name="node0">
+    <dgm:fillClrLst meth="repeat">
+      <a:schemeClr val="accent3"/>
+    </dgm:fillClrLst>
+    <dgm:linClrLst meth="repeat">
+      <a:schemeClr val="lt1"/>
+    </dgm:linClrLst>
+    <dgm:effectClrLst/>
+    <dgm:txLinClrLst/>
+    <dgm:txFillClrLst/>
+    <dgm:txEffectClrLst/>
+  </dgm:styleLbl>
+  <dgm:styleLbl name="node1">
+    <dgm:fillClrLst meth="repeat">
+      <a:schemeClr val="accent3"/>
+    </dgm:fillClrLst>
+    <dgm:linClrLst meth="repeat">
+      <a:schemeClr val="lt1">
+        <a:alpha val="0"/>
+      </a:schemeClr>
+    </dgm:linClrLst>
+    <dgm:effectClrLst/>
+    <dgm:txLinClrLst/>
+    <dgm:txFillClrLst/>
+    <dgm:txEffectClrLst/>
+  </dgm:styleLbl>
+  <dgm:styleLbl name="alignNode1">
+    <dgm:fillClrLst meth="repeat">
+      <a:schemeClr val="accent3"/>
+    </dgm:fillClrLst>
+    <dgm:linClrLst meth="repeat">
+      <a:schemeClr val="accent3"/>
+    </dgm:linClrLst>
+    <dgm:effectClrLst/>
+    <dgm:txLinClrLst/>
+    <dgm:txFillClrLst/>
+    <dgm:txEffectClrLst/>
+  </dgm:styleLbl>
+  <dgm:styleLbl name="lnNode1">
+    <dgm:fillClrLst meth="repeat">
+      <a:schemeClr val="accent3"/>
+    </dgm:fillClrLst>
+    <dgm:linClrLst meth="repeat">
+      <a:schemeClr val="lt1"/>
+    </dgm:linClrLst>
+    <dgm:effectClrLst/>
+    <dgm:txLinClrLst/>
+    <dgm:txFillClrLst/>
+    <dgm:txEffectClrLst/>
+  </dgm:styleLbl>
+  <dgm:styleLbl name="vennNode1">
+    <dgm:fillClrLst meth="repeat">
+      <a:schemeClr val="accent3">
+        <a:alpha val="50000"/>
+      </a:schemeClr>
+    </dgm:fillClrLst>
+    <dgm:linClrLst meth="repeat">
+      <a:schemeClr val="lt1"/>
+    </dgm:linClrLst>
+    <dgm:effectClrLst/>
+    <dgm:txLinClrLst/>
+    <dgm:txFillClrLst/>
+    <dgm:txEffectClrLst/>
+  </dgm:styleLbl>
+  <dgm:styleLbl name="node2">
+    <dgm:fillClrLst meth="repeat">
+      <a:schemeClr val="accent3"/>
+    </dgm:fillClrLst>
+    <dgm:linClrLst meth="repeat">
+      <a:schemeClr val="lt1"/>
+    </dgm:linClrLst>
+    <dgm:effectClrLst/>
+    <dgm:txLinClrLst/>
+    <dgm:txFillClrLst/>
+    <dgm:txEffectClrLst/>
+  </dgm:styleLbl>
+  <dgm:styleLbl name="node3">
+    <dgm:fillClrLst meth="repeat">
+      <a:schemeClr val="accent3"/>
+    </dgm:fillClrLst>
+    <dgm:linClrLst meth="repeat">
+      <a:schemeClr val="lt1"/>
+    </dgm:linClrLst>
+    <dgm:effectClrLst/>
+    <dgm:txLinClrLst/>
+    <dgm:txFillClrLst/>
+    <dgm:txEffectClrLst/>
+  </dgm:styleLbl>
+  <dgm:styleLbl name="node4">
+    <dgm:fillClrLst meth="repeat">
+      <a:schemeClr val="accent3"/>
+    </dgm:fillClrLst>
+    <dgm:linClrLst meth="repeat">
+      <a:schemeClr val="lt1"/>
+    </dgm:linClrLst>
+    <dgm:effectClrLst/>
+    <dgm:txLinClrLst/>
+    <dgm:txFillClrLst/>
+    <dgm:txEffectClrLst/>
+  </dgm:styleLbl>
+  <dgm:styleLbl name="fgImgPlace1">
+    <dgm:fillClrLst meth="repeat">
+      <a:schemeClr val="accent3">
+        <a:tint val="50000"/>
+      </a:schemeClr>
+    </dgm:fillClrLst>
+    <dgm:linClrLst meth="repeat">
+      <a:schemeClr val="lt1"/>
+    </dgm:linClrLst>
+    <dgm:effectClrLst/>
+    <dgm:txLinClrLst/>
+    <dgm:txFillClrLst meth="repeat">
+      <a:schemeClr val="lt1"/>
+    </dgm:txFillClrLst>
+    <dgm:txEffectClrLst/>
+  </dgm:styleLbl>
+  <dgm:styleLbl name="alignImgPlace1">
+    <dgm:fillClrLst meth="repeat">
+      <a:schemeClr val="accent3">
+        <a:tint val="50000"/>
+      </a:schemeClr>
+    </dgm:fillClrLst>
+    <dgm:linClrLst meth="repeat">
+      <a:schemeClr val="lt1"/>
+    </dgm:linClrLst>
+    <dgm:effectClrLst/>
+    <dgm:txLinClrLst/>
+    <dgm:txFillClrLst meth="repeat">
+      <a:schemeClr val="lt1"/>
+    </dgm:txFillClrLst>
+    <dgm:txEffectClrLst/>
+  </dgm:styleLbl>
+  <dgm:styleLbl name="bgImgPlace1">
+    <dgm:fillClrLst meth="repeat">
+      <a:schemeClr val="accent3">
+        <a:tint val="50000"/>
+      </a:schemeClr>
+    </dgm:fillClrLst>
+    <dgm:linClrLst meth="repeat">
+      <a:schemeClr val="lt1"/>
+    </dgm:linClrLst>
+    <dgm:effectClrLst/>
+    <dgm:txLinClrLst/>
+    <dgm:txFillClrLst meth="repeat">
+      <a:schemeClr val="lt1"/>
+    </dgm:txFillClrLst>
+    <dgm:txEffectClrLst/>
+  </dgm:styleLbl>
+  <dgm:styleLbl name="sibTrans2D1">
+    <dgm:fillClrLst meth="repeat">
+      <a:schemeClr val="accent3">
+        <a:tint val="60000"/>
+      </a:schemeClr>
+    </dgm:fillClrLst>
+    <dgm:linClrLst meth="repeat">
+      <a:schemeClr val="accent3">
+        <a:tint val="60000"/>
+      </a:schemeClr>
+    </dgm:linClrLst>
+    <dgm:effectClrLst/>
+    <dgm:txLinClrLst/>
+    <dgm:txFillClrLst/>
+    <dgm:txEffectClrLst/>
+  </dgm:styleLbl>
+  <dgm:styleLbl name="fgSibTrans2D1">
+    <dgm:fillClrLst meth="repeat">
+      <a:schemeClr val="accent3">
+        <a:tint val="60000"/>
+      </a:schemeClr>
+    </dgm:fillClrLst>
+    <dgm:linClrLst meth="repeat">
+      <a:schemeClr val="accent3">
+        <a:tint val="60000"/>
+      </a:schemeClr>
+    </dgm:linClrLst>
+    <dgm:effectClrLst/>
+    <dgm:txLinClrLst/>
+    <dgm:txFillClrLst/>
+    <dgm:txEffectClrLst/>
+  </dgm:styleLbl>
+  <dgm:styleLbl name="bgSibTrans2D1">
+    <dgm:fillClrLst meth="repeat">
+      <a:schemeClr val="accent3">
+        <a:tint val="60000"/>
+      </a:schemeClr>
+    </dgm:fillClrLst>
+    <dgm:linClrLst meth="repeat">
+      <a:schemeClr val="accent3">
+        <a:tint val="60000"/>
+      </a:schemeClr>
+    </dgm:linClrLst>
+    <dgm:effectClrLst/>
+    <dgm:txLinClrLst/>
+    <dgm:txFillClrLst/>
+    <dgm:txEffectClrLst/>
+  </dgm:styleLbl>
+  <dgm:styleLbl name="sibTrans1D1">
+    <dgm:fillClrLst meth="repeat">
+      <a:schemeClr val="accent3"/>
+    </dgm:fillClrLst>
+    <dgm:linClrLst meth="repeat">
+      <a:schemeClr val="accent3"/>
+    </dgm:linClrLst>
+    <dgm:effectClrLst/>
+    <dgm:txLinClrLst/>
+    <dgm:txFillClrLst meth="repeat">
+      <a:schemeClr val="tx1"/>
+    </dgm:txFillClrLst>
+    <dgm:txEffectClrLst/>
+  </dgm:styleLbl>
+  <dgm:styleLbl name="callout">
+    <dgm:fillClrLst meth="repeat">
+      <a:schemeClr val="accent3"/>
+    </dgm:fillClrLst>
+    <dgm:linClrLst meth="repeat">
+      <a:schemeClr val="accent3">
+        <a:tint val="50000"/>
+      </a:schemeClr>
+    </dgm:linClrLst>
+    <dgm:effectClrLst/>
+    <dgm:txLinClrLst/>
+    <dgm:txFillClrLst meth="repeat">
+      <a:schemeClr val="tx1"/>
+    </dgm:txFillClrLst>
+    <dgm:txEffectClrLst/>
+  </dgm:styleLbl>
+  <dgm:styleLbl name="asst0">
+    <dgm:fillClrLst meth="repeat">
+      <a:schemeClr val="accent3"/>
+    </dgm:fillClrLst>
+    <dgm:linClrLst meth="repeat">
+      <a:schemeClr val="lt1"/>
+    </dgm:linClrLst>
+    <dgm:effectClrLst/>
+    <dgm:txLinClrLst/>
+    <dgm:txFillClrLst/>
+    <dgm:txEffectClrLst/>
+  </dgm:styleLbl>
+  <dgm:styleLbl name="asst1">
+    <dgm:fillClrLst meth="repeat">
+      <a:schemeClr val="accent3"/>
+    </dgm:fillClrLst>
+    <dgm:linClrLst meth="repeat">
+      <a:schemeClr val="lt1"/>
+    </dgm:linClrLst>
+    <dgm:effectClrLst/>
+    <dgm:txLinClrLst/>
+    <dgm:txFillClrLst/>
+    <dgm:txEffectClrLst/>
+  </dgm:styleLbl>
+  <dgm:styleLbl name="asst2">
+    <dgm:fillClrLst meth="repeat">
+      <a:schemeClr val="accent3"/>
+    </dgm:fillClrLst>
+    <dgm:linClrLst meth="repeat">
+      <a:schemeClr val="lt1"/>
+    </dgm:linClrLst>
+    <dgm:effectClrLst/>
+    <dgm:txLinClrLst/>
+    <dgm:txFillClrLst/>
+    <dgm:txEffectClrLst/>
+  </dgm:styleLbl>
+  <dgm:styleLbl name="asst3">
+    <dgm:fillClrLst meth="repeat">
+      <a:schemeClr val="accent3"/>
+    </dgm:fillClrLst>
+    <dgm:linClrLst meth="repeat">
+      <a:schemeClr val="lt1"/>
+    </dgm:linClrLst>
+    <dgm:effectClrLst/>
+    <dgm:txLinClrLst/>
+    <dgm:txFillClrLst/>
+    <dgm:txEffectClrLst/>
+  </dgm:styleLbl>
+  <dgm:styleLbl name="asst4">
+    <dgm:fillClrLst meth="repeat">
+      <a:schemeClr val="accent3"/>
+    </dgm:fillClrLst>
+    <dgm:linClrLst meth="repeat">
+      <a:schemeClr val="lt1"/>
+    </dgm:linClrLst>
+    <dgm:effectClrLst/>
+    <dgm:txLinClrLst/>
+    <dgm:txFillClrLst/>
+    <dgm:txEffectClrLst/>
+  </dgm:styleLbl>
+  <dgm:styleLbl name="parChTrans2D1">
+    <dgm:fillClrLst meth="repeat">
+      <a:schemeClr val="accent3">
+        <a:tint val="60000"/>
+      </a:schemeClr>
+    </dgm:fillClrLst>
+    <dgm:linClrLst meth="repeat">
+      <a:schemeClr val="accent3">
+        <a:tint val="60000"/>
+      </a:schemeClr>
+    </dgm:linClrLst>
+    <dgm:effectClrLst/>
+    <dgm:txLinClrLst/>
+    <dgm:txFillClrLst meth="repeat">
+      <a:schemeClr val="lt1"/>
+    </dgm:txFillClrLst>
+    <dgm:txEffectClrLst/>
+  </dgm:styleLbl>
+  <dgm:styleLbl name="parChTrans2D2">
+    <dgm:fillClrLst meth="repeat">
+      <a:schemeClr val="accent3"/>
+    </dgm:fillClrLst>
+    <dgm:linClrLst meth="repeat">
+      <a:schemeClr val="accent3"/>
+    </dgm:linClrLst>
+    <dgm:effectClrLst/>
+    <dgm:txLinClrLst/>
+    <dgm:txFillClrLst meth="repeat">
+      <a:schemeClr val="lt1"/>
+    </dgm:txFillClrLst>
+    <dgm:txEffectClrLst/>
+  </dgm:styleLbl>
+  <dgm:styleLbl name="parChTrans2D3">
+    <dgm:fillClrLst meth="repeat">
+      <a:schemeClr val="accent3"/>
+    </dgm:fillClrLst>
+    <dgm:linClrLst meth="repeat">
+      <a:schemeClr val="accent3"/>
+    </dgm:linClrLst>
+    <dgm:effectClrLst/>
+    <dgm:txLinClrLst/>
+    <dgm:txFillClrLst meth="repeat">
+      <a:schemeClr val="lt1"/>
+    </dgm:txFillClrLst>
+    <dgm:txEffectClrLst/>
+  </dgm:styleLbl>
+  <dgm:styleLbl name="parChTrans2D4">
+    <dgm:fillClrLst meth="repeat">
+      <a:schemeClr val="accent3"/>
+    </dgm:fillClrLst>
+    <dgm:linClrLst meth="repeat">
+      <a:schemeClr val="accent3"/>
+    </dgm:linClrLst>
+    <dgm:effectClrLst/>
+    <dgm:txLinClrLst/>
+    <dgm:txFillClrLst meth="repeat">
+      <a:schemeClr val="lt1"/>
+    </dgm:txFillClrLst>
+    <dgm:txEffectClrLst/>
+  </dgm:styleLbl>
+  <dgm:styleLbl name="parChTrans1D1">
+    <dgm:fillClrLst meth="repeat">
+      <a:schemeClr val="accent3"/>
+    </dgm:fillClrLst>
+    <dgm:linClrLst meth="repeat">
+      <a:schemeClr val="accent3">
+        <a:shade val="60000"/>
+      </a:schemeClr>
+    </dgm:linClrLst>
+    <dgm:effectClrLst/>
+    <dgm:txLinClrLst/>
+    <dgm:txFillClrLst meth="repeat">
+      <a:schemeClr val="tx1"/>
+    </dgm:txFillClrLst>
+    <dgm:txEffectClrLst/>
+  </dgm:styleLbl>
+  <dgm:styleLbl name="parChTrans1D2">
+    <dgm:fillClrLst meth="repeat">
+      <a:schemeClr val="accent3"/>
+    </dgm:fillClrLst>
+    <dgm:linClrLst meth="repeat">
+      <a:schemeClr val="accent3">
+        <a:shade val="60000"/>
+      </a:schemeClr>
+    </dgm:linClrLst>
+    <dgm:effectClrLst/>
+    <dgm:txLinClrLst/>
+    <dgm:txFillClrLst meth="repeat">
+      <a:schemeClr val="tx1"/>
+    </dgm:txFillClrLst>
+    <dgm:txEffectClrLst/>
+  </dgm:styleLbl>
+  <dgm:styleLbl name="parChTrans1D3">
+    <dgm:fillClrLst meth="repeat">
+      <a:schemeClr val="accent3"/>
+    </dgm:fillClrLst>
+    <dgm:linClrLst meth="repeat">
+      <a:schemeClr val="accent3">
+        <a:shade val="80000"/>
+      </a:schemeClr>
+    </dgm:linClrLst>
+    <dgm:effectClrLst/>
+    <dgm:txLinClrLst/>
+    <dgm:txFillClrLst meth="repeat">
+      <a:schemeClr val="tx1"/>
+    </dgm:txFillClrLst>
+    <dgm:txEffectClrLst/>
+  </dgm:styleLbl>
+  <dgm:styleLbl name="parChTrans1D4">
+    <dgm:fillClrLst meth="repeat">
+      <a:schemeClr val="accent3"/>
+    </dgm:fillClrLst>
+    <dgm:linClrLst meth="repeat">
+      <a:schemeClr val="accent3">
+        <a:shade val="80000"/>
+      </a:schemeClr>
+    </dgm:linClrLst>
+    <dgm:effectClrLst/>
+    <dgm:txLinClrLst/>
+    <dgm:txFillClrLst meth="repeat">
+      <a:schemeClr val="tx1"/>
+    </dgm:txFillClrLst>
+    <dgm:txEffectClrLst/>
+  </dgm:styleLbl>
+  <dgm:styleLbl name="fgAcc1">
+    <dgm:fillClrLst meth="repeat">
+      <a:schemeClr val="lt1">
+        <a:alpha val="90000"/>
+      </a:schemeClr>
+    </dgm:fillClrLst>
+    <dgm:linClrLst meth="repeat">
+      <a:schemeClr val="accent3"/>
+    </dgm:linClrLst>
+    <dgm:effectClrLst/>
+    <dgm:txLinClrLst/>
+    <dgm:txFillClrLst meth="repeat">
+      <a:schemeClr val="dk1"/>
+    </dgm:txFillClrLst>
+    <dgm:txEffectClrLst/>
+  </dgm:styleLbl>
+  <dgm:styleLbl name="conFgAcc1">
+    <dgm:fillClrLst meth="repeat">
+      <a:schemeClr val="lt1">
+        <a:alpha val="90000"/>
+      </a:schemeClr>
+    </dgm:fillClrLst>
+    <dgm:linClrLst meth="repeat">
+      <a:schemeClr val="accent3"/>
+    </dgm:linClrLst>
+    <dgm:effectClrLst/>
+    <dgm:txLinClrLst/>
+    <dgm:txFillClrLst meth="repeat">
+      <a:schemeClr val="dk1"/>
+    </dgm:txFillClrLst>
+    <dgm:txEffectClrLst/>
+  </dgm:styleLbl>
+  <dgm:styleLbl name="alignAcc1">
+    <dgm:fillClrLst meth="repeat">
+      <a:schemeClr val="lt1">
+        <a:alpha val="90000"/>
+      </a:schemeClr>
+    </dgm:fillClrLst>
+    <dgm:linClrLst meth="repeat">
+      <a:schemeClr val="accent3"/>
+    </dgm:linClrLst>
+    <dgm:effectClrLst/>
+    <dgm:txLinClrLst/>
+    <dgm:txFillClrLst meth="repeat">
+      <a:schemeClr val="dk1"/>
+    </dgm:txFillClrLst>
+    <dgm:txEffectClrLst/>
+  </dgm:styleLbl>
+  <dgm:styleLbl name="trAlignAcc1">
+    <dgm:fillClrLst meth="repeat">
+      <a:schemeClr val="lt1">
+        <a:alpha val="40000"/>
+      </a:schemeClr>
+    </dgm:fillClrLst>
+    <dgm:linClrLst meth="repeat">
+      <a:schemeClr val="accent3"/>
+    </dgm:linClrLst>
+    <dgm:effectClrLst/>
+    <dgm:txLinClrLst/>
+    <dgm:txFillClrLst meth="repeat">
+      <a:schemeClr val="dk1"/>
+    </dgm:txFillClrLst>
+    <dgm:txEffectClrLst/>
+  </dgm:styleLbl>
+  <dgm:styleLbl name="bgAcc1">
+    <dgm:fillClrLst meth="repeat">
+      <a:schemeClr val="lt1">
+        <a:alpha val="90000"/>
+      </a:schemeClr>
+    </dgm:fillClrLst>
+    <dgm:linClrLst meth="repeat">
+      <a:schemeClr val="accent3"/>
+    </dgm:linClrLst>
+    <dgm:effectClrLst/>
+    <dgm:txLinClrLst/>
+    <dgm:txFillClrLst meth="repeat">
+      <a:schemeClr val="dk1"/>
+    </dgm:txFillClrLst>
+    <dgm:txEffectClrLst/>
+  </dgm:styleLbl>
+  <dgm:styleLbl name="solidFgAcc1">
+    <dgm:fillClrLst meth="repeat">
+      <a:schemeClr val="lt1"/>
+    </dgm:fillClrLst>
+    <dgm:linClrLst meth="repeat">
+      <a:schemeClr val="accent3"/>
+    </dgm:linClrLst>
+    <dgm:effectClrLst/>
+    <dgm:txLinClrLst/>
+    <dgm:txFillClrLst meth="repeat">
+      <a:schemeClr val="dk1"/>
+    </dgm:txFillClrLst>
+    <dgm:txEffectClrLst/>
+  </dgm:styleLbl>
+  <dgm:styleLbl name="solidAlignAcc1">
+    <dgm:fillClrLst meth="repeat">
+      <a:schemeClr val="lt1"/>
+    </dgm:fillClrLst>
+    <dgm:linClrLst meth="repeat">
+      <a:schemeClr val="accent3"/>
+    </dgm:linClrLst>
+    <dgm:effectClrLst/>
+    <dgm:txLinClrLst/>
+    <dgm:txFillClrLst meth="repeat">
+      <a:schemeClr val="dk1"/>
+    </dgm:txFillClrLst>
+    <dgm:txEffectClrLst/>
+  </dgm:styleLbl>
+  <dgm:styleLbl name="solidBgAcc1">
+    <dgm:fillClrLst meth="repeat">
+      <a:schemeClr val="lt1"/>
+    </dgm:fillClrLst>
+    <dgm:linClrLst meth="repeat">
+      <a:schemeClr val="accent3"/>
+    </dgm:linClrLst>
+    <dgm:effectClrLst/>
+    <dgm:txLinClrLst/>
+    <dgm:txFillClrLst meth="repeat">
+      <a:schemeClr val="dk1"/>
+    </dgm:txFillClrLst>
+    <dgm:txEffectClrLst/>
+  </dgm:styleLbl>
+  <dgm:styleLbl name="fgAccFollowNode1">
+    <dgm:fillClrLst meth="repeat">
+      <a:schemeClr val="accent3">
+        <a:alpha val="90000"/>
+        <a:tint val="40000"/>
+      </a:schemeClr>
+    </dgm:fillClrLst>
+    <dgm:linClrLst meth="repeat">
+      <a:schemeClr val="accent3">
+        <a:alpha val="90000"/>
+        <a:tint val="40000"/>
+      </a:schemeClr>
+    </dgm:linClrLst>
+    <dgm:effectClrLst/>
+    <dgm:txLinClrLst/>
+    <dgm:txFillClrLst meth="repeat">
+      <a:schemeClr val="dk1"/>
+    </dgm:txFillClrLst>
+    <dgm:txEffectClrLst/>
+  </dgm:styleLbl>
+  <dgm:styleLbl name="alignAccFollowNode1">
+    <dgm:fillClrLst meth="repeat">
+      <a:schemeClr val="accent3">
+        <a:alpha val="90000"/>
+        <a:tint val="40000"/>
+      </a:schemeClr>
+    </dgm:fillClrLst>
+    <dgm:linClrLst meth="repeat">
+      <a:schemeClr val="accent3">
+        <a:alpha val="90000"/>
+        <a:tint val="40000"/>
+      </a:schemeClr>
+    </dgm:linClrLst>
+    <dgm:effectClrLst/>
+    <dgm:txLinClrLst/>
+    <dgm:txFillClrLst meth="repeat">
+      <a:schemeClr val="dk1"/>
+    </dgm:txFillClrLst>
+    <dgm:txEffectClrLst/>
+  </dgm:styleLbl>
+  <dgm:styleLbl name="bgAccFollowNode1">
+    <dgm:fillClrLst meth="repeat">
+      <a:schemeClr val="accent3">
+        <a:alpha val="90000"/>
+        <a:tint val="40000"/>
+      </a:schemeClr>
+    </dgm:fillClrLst>
+    <dgm:linClrLst meth="repeat">
+      <a:schemeClr val="accent3">
+        <a:alpha val="90000"/>
+        <a:tint val="40000"/>
+      </a:schemeClr>
+    </dgm:linClrLst>
+    <dgm:effectClrLst/>
+    <dgm:txLinClrLst/>
+    <dgm:txFillClrLst meth="repeat">
+      <a:schemeClr val="dk1"/>
+    </dgm:txFillClrLst>
+    <dgm:txEffectClrLst/>
+  </dgm:styleLbl>
+  <dgm:styleLbl name="fgAcc0">
+    <dgm:fillClrLst meth="repeat">
+      <a:schemeClr val="lt1">
+        <a:alpha val="90000"/>
+      </a:schemeClr>
+    </dgm:fillClrLst>
+    <dgm:linClrLst meth="repeat">
+      <a:schemeClr val="accent3"/>
+    </dgm:linClrLst>
+    <dgm:effectClrLst/>
+    <dgm:txLinClrLst/>
+    <dgm:txFillClrLst meth="repeat">
+      <a:schemeClr val="dk1"/>
+    </dgm:txFillClrLst>
+    <dgm:txEffectClrLst/>
+  </dgm:styleLbl>
+  <dgm:styleLbl name="fgAcc2">
+    <dgm:fillClrLst meth="repeat">
+      <a:schemeClr val="lt1">
+        <a:alpha val="90000"/>
+      </a:schemeClr>
+    </dgm:fillClrLst>
+    <dgm:linClrLst meth="repeat">
+      <a:schemeClr val="accent3"/>
+    </dgm:linClrLst>
+    <dgm:effectClrLst/>
+    <dgm:txLinClrLst/>
+    <dgm:txFillClrLst meth="repeat">
+      <a:schemeClr val="dk1"/>
+    </dgm:txFillClrLst>
+    <dgm:txEffectClrLst/>
+  </dgm:styleLbl>
+  <dgm:styleLbl name="fgAcc3">
+    <dgm:fillClrLst meth="repeat">
+      <a:schemeClr val="lt1">
+        <a:alpha val="90000"/>
+      </a:schemeClr>
+    </dgm:fillClrLst>
+    <dgm:linClrLst meth="repeat">
+      <a:schemeClr val="accent3"/>
+    </dgm:linClrLst>
+    <dgm:effectClrLst/>
+    <dgm:txLinClrLst/>
+    <dgm:txFillClrLst meth="repeat">
+      <a:schemeClr val="dk1"/>
+    </dgm:txFillClrLst>
+    <dgm:txEffectClrLst/>
+  </dgm:styleLbl>
+  <dgm:styleLbl name="fgAcc4">
+    <dgm:fillClrLst meth="repeat">
+      <a:schemeClr val="lt1">
+        <a:alpha val="90000"/>
+      </a:schemeClr>
+    </dgm:fillClrLst>
+    <dgm:linClrLst meth="repeat">
+      <a:schemeClr val="accent3"/>
+    </dgm:linClrLst>
+    <dgm:effectClrLst/>
+    <dgm:txLinClrLst/>
+    <dgm:txFillClrLst meth="repeat">
+      <a:schemeClr val="dk1"/>
+    </dgm:txFillClrLst>
+    <dgm:txEffectClrLst/>
+  </dgm:styleLbl>
+  <dgm:styleLbl name="bgShp">
+    <dgm:fillClrLst meth="repeat">
+      <a:schemeClr val="bg1">
+        <a:lumMod val="95000"/>
+      </a:schemeClr>
+    </dgm:fillClrLst>
+    <dgm:linClrLst meth="repeat">
+      <a:schemeClr val="accent3"/>
+    </dgm:linClrLst>
+    <dgm:effectClrLst/>
+    <dgm:txLinClrLst/>
+    <dgm:txFillClrLst meth="repeat">
+      <a:schemeClr val="dk1"/>
+    </dgm:txFillClrLst>
+    <dgm:txEffectClrLst/>
+  </dgm:styleLbl>
+  <dgm:styleLbl name="dkBgShp">
+    <dgm:fillClrLst meth="repeat">
+      <a:schemeClr val="accent3">
+        <a:shade val="80000"/>
+      </a:schemeClr>
+    </dgm:fillClrLst>
+    <dgm:linClrLst meth="repeat">
+      <a:schemeClr val="accent3"/>
+    </dgm:linClrLst>
+    <dgm:effectClrLst/>
+    <dgm:txLinClrLst/>
+    <dgm:txFillClrLst meth="repeat">
+      <a:schemeClr val="lt1"/>
+    </dgm:txFillClrLst>
+    <dgm:txEffectClrLst/>
+  </dgm:styleLbl>
+  <dgm:styleLbl name="trBgShp">
+    <dgm:fillClrLst meth="repeat">
+      <a:schemeClr val="accent3">
+        <a:tint val="50000"/>
+        <a:alpha val="40000"/>
+      </a:schemeClr>
+    </dgm:fillClrLst>
+    <dgm:linClrLst meth="repeat">
+      <a:schemeClr val="accent3"/>
+    </dgm:linClrLst>
+    <dgm:effectClrLst/>
+    <dgm:txLinClrLst/>
+    <dgm:txFillClrLst meth="repeat">
+      <a:schemeClr val="lt1"/>
+    </dgm:txFillClrLst>
+    <dgm:txEffectClrLst/>
+  </dgm:styleLbl>
+  <dgm:styleLbl name="fgShp">
+    <dgm:fillClrLst meth="repeat">
+      <a:schemeClr val="accent3">
+        <a:tint val="60000"/>
+      </a:schemeClr>
+    </dgm:fillClrLst>
+    <dgm:linClrLst meth="repeat">
+      <a:schemeClr val="lt1"/>
+    </dgm:linClrLst>
+    <dgm:effectClrLst/>
+    <dgm:txLinClrLst/>
+    <dgm:txFillClrLst meth="repeat">
+      <a:schemeClr val="dk1"/>
+    </dgm:txFillClrLst>
+    <dgm:txEffectClrLst/>
+  </dgm:styleLbl>
+  <dgm:styleLbl name="revTx">
+    <dgm:fillClrLst meth="repeat">
+      <a:schemeClr val="lt1">
         <a:alpha val="0"/>
       </a:schemeClr>
     </dgm:fillClrLst>
@@ -8411,6 +9164,676 @@
     <dgm:cxn modelId="{01909C7A-6FB0-D040-A43C-FE6D6EB2FAB3}" type="presParOf" srcId="{FE2AFECD-D4E0-C242-BC4B-7728D7138017}" destId="{B8164977-E855-F940-81A3-277390950EF4}" srcOrd="6" destOrd="0" presId="urn:microsoft.com/office/officeart/2005/8/layout/vList2"/>
     <dgm:cxn modelId="{4DC7E2B1-6674-C04A-B8A5-0081BD757E7B}" type="presParOf" srcId="{FE2AFECD-D4E0-C242-BC4B-7728D7138017}" destId="{4F7594DB-AE2C-134D-B770-6AD03CE39A53}" srcOrd="7" destOrd="0" presId="urn:microsoft.com/office/officeart/2005/8/layout/vList2"/>
     <dgm:cxn modelId="{151E809E-A04F-5E45-A94A-E99A278F723C}" type="presParOf" srcId="{FE2AFECD-D4E0-C242-BC4B-7728D7138017}" destId="{CC13BE52-D3C7-0647-ABD0-36CDD310706B}" srcOrd="8" destOrd="0" presId="urn:microsoft.com/office/officeart/2005/8/layout/vList2"/>
+  </dgm:cxnLst>
+  <dgm:bg/>
+  <dgm:whole/>
+  <dgm:extLst>
+    <a:ext uri="http://schemas.microsoft.com/office/drawing/2008/diagram">
+      <dsp:dataModelExt xmlns:dsp="http://schemas.microsoft.com/office/drawing/2008/diagram" relId="rId7" minVer="http://schemas.openxmlformats.org/drawingml/2006/diagram"/>
+    </a:ext>
+  </dgm:extLst>
+</dgm:dataModel>
+</file>
+
+<file path=ppt/diagrams/data8.xml><?xml version="1.0" encoding="utf-8"?>
+<dgm:dataModel xmlns:dgm="http://schemas.openxmlformats.org/drawingml/2006/diagram" xmlns:a="http://schemas.openxmlformats.org/drawingml/2006/main">
+  <dgm:ptLst>
+    <dgm:pt modelId="{8AFF50A7-7203-4886-A848-DA996C6C5E07}" type="doc">
+      <dgm:prSet loTypeId="urn:microsoft.com/office/officeart/2018/2/layout/IconVerticalSolidList" loCatId="icon" qsTypeId="urn:microsoft.com/office/officeart/2005/8/quickstyle/simple1" qsCatId="simple" csTypeId="urn:microsoft.com/office/officeart/2018/5/colors/Iconchunking_neutralbg_accent3_2" csCatId="accent3" phldr="1"/>
+      <dgm:spPr/>
+      <dgm:t>
+        <a:bodyPr/>
+        <a:lstStyle/>
+        <a:p>
+          <a:endParaRPr lang="en-US"/>
+        </a:p>
+      </dgm:t>
+    </dgm:pt>
+    <dgm:pt modelId="{7DB649DB-5520-41AB-B60B-870EDB836F5B}">
+      <dgm:prSet/>
+      <dgm:spPr/>
+      <dgm:t>
+        <a:bodyPr/>
+        <a:lstStyle/>
+        <a:p>
+          <a:pPr>
+            <a:lnSpc>
+              <a:spcPct val="100000"/>
+            </a:lnSpc>
+          </a:pPr>
+          <a:r>
+            <a:rPr lang="fr-FR"/>
+            <a:t>SQL = Structured Query Language</a:t>
+          </a:r>
+          <a:endParaRPr lang="en-US"/>
+        </a:p>
+      </dgm:t>
+    </dgm:pt>
+    <dgm:pt modelId="{B1D847B6-3FEE-4815-B4A9-EBA5AFE83664}" type="parTrans" cxnId="{53939D2D-344D-46CE-BA0A-6EB9A88ACD2A}">
+      <dgm:prSet/>
+      <dgm:spPr/>
+      <dgm:t>
+        <a:bodyPr/>
+        <a:lstStyle/>
+        <a:p>
+          <a:endParaRPr lang="en-US"/>
+        </a:p>
+      </dgm:t>
+    </dgm:pt>
+    <dgm:pt modelId="{FD1B93FF-DC05-47A9-9210-2F491DA9C082}" type="sibTrans" cxnId="{53939D2D-344D-46CE-BA0A-6EB9A88ACD2A}">
+      <dgm:prSet/>
+      <dgm:spPr/>
+      <dgm:t>
+        <a:bodyPr/>
+        <a:lstStyle/>
+        <a:p>
+          <a:endParaRPr lang="en-US"/>
+        </a:p>
+      </dgm:t>
+    </dgm:pt>
+    <dgm:pt modelId="{E27567C2-8041-4470-A029-61C138C4CD2D}">
+      <dgm:prSet/>
+      <dgm:spPr/>
+      <dgm:t>
+        <a:bodyPr/>
+        <a:lstStyle/>
+        <a:p>
+          <a:pPr>
+            <a:lnSpc>
+              <a:spcPct val="100000"/>
+            </a:lnSpc>
+          </a:pPr>
+          <a:r>
+            <a:rPr lang="fr-FR" b="1" i="0"/>
+            <a:t>DQL (Data Query Language)</a:t>
+          </a:r>
+          <a:r>
+            <a:rPr lang="fr-FR" b="0" i="0"/>
+            <a:t> : Récupération des données avec SELECT.</a:t>
+          </a:r>
+          <a:endParaRPr lang="en-US"/>
+        </a:p>
+      </dgm:t>
+    </dgm:pt>
+    <dgm:pt modelId="{344192D7-CFD4-4443-9224-26A87772EFBE}" type="parTrans" cxnId="{4DB2619E-D648-4C0E-A365-ADA6298FEBBE}">
+      <dgm:prSet/>
+      <dgm:spPr/>
+      <dgm:t>
+        <a:bodyPr/>
+        <a:lstStyle/>
+        <a:p>
+          <a:endParaRPr lang="en-US"/>
+        </a:p>
+      </dgm:t>
+    </dgm:pt>
+    <dgm:pt modelId="{D8FCFBA2-C91F-4022-871A-547014715A5A}" type="sibTrans" cxnId="{4DB2619E-D648-4C0E-A365-ADA6298FEBBE}">
+      <dgm:prSet/>
+      <dgm:spPr/>
+      <dgm:t>
+        <a:bodyPr/>
+        <a:lstStyle/>
+        <a:p>
+          <a:endParaRPr lang="en-US"/>
+        </a:p>
+      </dgm:t>
+    </dgm:pt>
+    <dgm:pt modelId="{EF9C53D7-0D17-4FEF-9A19-88B7000A0B91}">
+      <dgm:prSet/>
+      <dgm:spPr/>
+      <dgm:t>
+        <a:bodyPr/>
+        <a:lstStyle/>
+        <a:p>
+          <a:pPr>
+            <a:lnSpc>
+              <a:spcPct val="100000"/>
+            </a:lnSpc>
+          </a:pPr>
+          <a:r>
+            <a:rPr lang="fr-FR" b="1" i="0"/>
+            <a:t>DDL (Data Definition Language)</a:t>
+          </a:r>
+          <a:r>
+            <a:rPr lang="fr-FR" b="0" i="0"/>
+            <a:t> : Définition de la structure de la base de données avec CREATE, ALTER, DROP, etc.</a:t>
+          </a:r>
+          <a:endParaRPr lang="en-US"/>
+        </a:p>
+      </dgm:t>
+    </dgm:pt>
+    <dgm:pt modelId="{7BA5ABAC-7687-4EEF-ACA6-F271C958DD71}" type="parTrans" cxnId="{6BC4F1A7-D0A7-4F79-B758-51ED9CB44940}">
+      <dgm:prSet/>
+      <dgm:spPr/>
+      <dgm:t>
+        <a:bodyPr/>
+        <a:lstStyle/>
+        <a:p>
+          <a:endParaRPr lang="en-US"/>
+        </a:p>
+      </dgm:t>
+    </dgm:pt>
+    <dgm:pt modelId="{5AB1A439-1A12-44C7-A0CE-319356E36718}" type="sibTrans" cxnId="{6BC4F1A7-D0A7-4F79-B758-51ED9CB44940}">
+      <dgm:prSet/>
+      <dgm:spPr/>
+      <dgm:t>
+        <a:bodyPr/>
+        <a:lstStyle/>
+        <a:p>
+          <a:endParaRPr lang="en-US"/>
+        </a:p>
+      </dgm:t>
+    </dgm:pt>
+    <dgm:pt modelId="{901B40CF-FD0A-4FA9-904B-F74B1E57E12B}">
+      <dgm:prSet/>
+      <dgm:spPr/>
+      <dgm:t>
+        <a:bodyPr/>
+        <a:lstStyle/>
+        <a:p>
+          <a:pPr>
+            <a:lnSpc>
+              <a:spcPct val="100000"/>
+            </a:lnSpc>
+          </a:pPr>
+          <a:r>
+            <a:rPr lang="fr-FR" b="1" i="0"/>
+            <a:t>DCL (Data Control Language)</a:t>
+          </a:r>
+          <a:r>
+            <a:rPr lang="fr-FR" b="0" i="0"/>
+            <a:t> : Gestion des autorisations avec GRANT et REVOKE.</a:t>
+          </a:r>
+          <a:endParaRPr lang="en-US"/>
+        </a:p>
+      </dgm:t>
+    </dgm:pt>
+    <dgm:pt modelId="{288E66D1-DA04-4E18-94B7-0CE7B7943BF8}" type="parTrans" cxnId="{8D50F9D3-6944-4354-94F3-57C45B1B0E43}">
+      <dgm:prSet/>
+      <dgm:spPr/>
+      <dgm:t>
+        <a:bodyPr/>
+        <a:lstStyle/>
+        <a:p>
+          <a:endParaRPr lang="en-US"/>
+        </a:p>
+      </dgm:t>
+    </dgm:pt>
+    <dgm:pt modelId="{FCA532A9-8D93-4D81-A83D-42BDB6025B61}" type="sibTrans" cxnId="{8D50F9D3-6944-4354-94F3-57C45B1B0E43}">
+      <dgm:prSet/>
+      <dgm:spPr/>
+      <dgm:t>
+        <a:bodyPr/>
+        <a:lstStyle/>
+        <a:p>
+          <a:endParaRPr lang="en-US"/>
+        </a:p>
+      </dgm:t>
+    </dgm:pt>
+    <dgm:pt modelId="{3D2B4FC4-E56D-4127-9B38-AF0053771A4B}">
+      <dgm:prSet/>
+      <dgm:spPr/>
+      <dgm:t>
+        <a:bodyPr/>
+        <a:lstStyle/>
+        <a:p>
+          <a:pPr>
+            <a:lnSpc>
+              <a:spcPct val="100000"/>
+            </a:lnSpc>
+          </a:pPr>
+          <a:r>
+            <a:rPr lang="fr-FR" b="1" i="0"/>
+            <a:t>DML (Data Manipulation Language)</a:t>
+          </a:r>
+          <a:r>
+            <a:rPr lang="fr-FR" b="0" i="0"/>
+            <a:t> : Modification des données avec INSERT, UPDATE, DELETE.</a:t>
+          </a:r>
+          <a:endParaRPr lang="en-US"/>
+        </a:p>
+      </dgm:t>
+    </dgm:pt>
+    <dgm:pt modelId="{42E267AE-9695-43DA-9F82-3EB4091F4A32}" type="parTrans" cxnId="{E652DD0D-85C5-436F-976F-EB3E0BEBFB4F}">
+      <dgm:prSet/>
+      <dgm:spPr/>
+      <dgm:t>
+        <a:bodyPr/>
+        <a:lstStyle/>
+        <a:p>
+          <a:endParaRPr lang="en-US"/>
+        </a:p>
+      </dgm:t>
+    </dgm:pt>
+    <dgm:pt modelId="{5796530E-FCF4-4733-9185-71A4E030AEEE}" type="sibTrans" cxnId="{E652DD0D-85C5-436F-976F-EB3E0BEBFB4F}">
+      <dgm:prSet/>
+      <dgm:spPr/>
+      <dgm:t>
+        <a:bodyPr/>
+        <a:lstStyle/>
+        <a:p>
+          <a:endParaRPr lang="en-US"/>
+        </a:p>
+      </dgm:t>
+    </dgm:pt>
+    <dgm:pt modelId="{7D209C9A-3B31-4DDB-AC33-7FD9DDD0C190}">
+      <dgm:prSet/>
+      <dgm:spPr/>
+      <dgm:t>
+        <a:bodyPr/>
+        <a:lstStyle/>
+        <a:p>
+          <a:pPr>
+            <a:lnSpc>
+              <a:spcPct val="100000"/>
+            </a:lnSpc>
+          </a:pPr>
+          <a:r>
+            <a:rPr lang="fr-FR" b="1" i="0"/>
+            <a:t>TCL (Transaction Control Language)</a:t>
+          </a:r>
+          <a:r>
+            <a:rPr lang="fr-FR" b="0" i="0"/>
+            <a:t> : Gestion des transactions avec COMMIT, ROLLBACK, SAVEPOINT, etc.</a:t>
+          </a:r>
+          <a:endParaRPr lang="en-US"/>
+        </a:p>
+      </dgm:t>
+    </dgm:pt>
+    <dgm:pt modelId="{8D53A301-D1BA-47FF-9156-95E80713FE72}" type="parTrans" cxnId="{3C163944-C484-48F0-B892-6D612A891252}">
+      <dgm:prSet/>
+      <dgm:spPr/>
+      <dgm:t>
+        <a:bodyPr/>
+        <a:lstStyle/>
+        <a:p>
+          <a:endParaRPr lang="en-US"/>
+        </a:p>
+      </dgm:t>
+    </dgm:pt>
+    <dgm:pt modelId="{E9C51352-645B-4B17-9A61-FEA123EB48D8}" type="sibTrans" cxnId="{3C163944-C484-48F0-B892-6D612A891252}">
+      <dgm:prSet/>
+      <dgm:spPr/>
+      <dgm:t>
+        <a:bodyPr/>
+        <a:lstStyle/>
+        <a:p>
+          <a:endParaRPr lang="en-US"/>
+        </a:p>
+      </dgm:t>
+    </dgm:pt>
+    <dgm:pt modelId="{89726904-DB09-4357-B843-7C985F52696A}" type="pres">
+      <dgm:prSet presAssocID="{8AFF50A7-7203-4886-A848-DA996C6C5E07}" presName="root" presStyleCnt="0">
+        <dgm:presLayoutVars>
+          <dgm:dir/>
+          <dgm:resizeHandles val="exact"/>
+        </dgm:presLayoutVars>
+      </dgm:prSet>
+      <dgm:spPr/>
+    </dgm:pt>
+    <dgm:pt modelId="{212DA4C3-0BB0-472F-B160-0DECE25E390F}" type="pres">
+      <dgm:prSet presAssocID="{7DB649DB-5520-41AB-B60B-870EDB836F5B}" presName="compNode" presStyleCnt="0"/>
+      <dgm:spPr/>
+    </dgm:pt>
+    <dgm:pt modelId="{7C660A4C-AC2E-4F50-A8F2-7497FFC35A74}" type="pres">
+      <dgm:prSet presAssocID="{7DB649DB-5520-41AB-B60B-870EDB836F5B}" presName="bgRect" presStyleLbl="bgShp" presStyleIdx="0" presStyleCnt="6"/>
+      <dgm:spPr/>
+    </dgm:pt>
+    <dgm:pt modelId="{85DAB2D3-A073-47E4-B47B-44E2273B8517}" type="pres">
+      <dgm:prSet presAssocID="{7DB649DB-5520-41AB-B60B-870EDB836F5B}" presName="iconRect" presStyleLbl="node1" presStyleIdx="0" presStyleCnt="6"/>
+      <dgm:spPr>
+        <a:blipFill>
+          <a:blip xmlns:r="http://schemas.openxmlformats.org/officeDocument/2006/relationships" r:embed="rId1">
+            <a:extLst>
+              <a:ext uri="{28A0092B-C50C-407E-A947-70E740481C1C}">
+                <a14:useLocalDpi xmlns:a14="http://schemas.microsoft.com/office/drawing/2010/main" val="0"/>
+              </a:ext>
+              <a:ext uri="{96DAC541-7B7A-43D3-8B79-37D633B846F1}">
+                <asvg:svgBlip xmlns:asvg="http://schemas.microsoft.com/office/drawing/2016/SVG/main" r:embed="rId2"/>
+              </a:ext>
+            </a:extLst>
+          </a:blip>
+          <a:stretch>
+            <a:fillRect/>
+          </a:stretch>
+        </a:blipFill>
+        <a:ln>
+          <a:noFill/>
+        </a:ln>
+      </dgm:spPr>
+      <dgm:extLst>
+        <a:ext uri="{E40237B7-FDA0-4F09-8148-C483321AD2D9}">
+          <dgm14:cNvPr xmlns:dgm14="http://schemas.microsoft.com/office/drawing/2010/diagram" id="0" name="" descr="Base de données"/>
+        </a:ext>
+      </dgm:extLst>
+    </dgm:pt>
+    <dgm:pt modelId="{119E59FF-2F0A-400A-9855-E2EFF04A2739}" type="pres">
+      <dgm:prSet presAssocID="{7DB649DB-5520-41AB-B60B-870EDB836F5B}" presName="spaceRect" presStyleCnt="0"/>
+      <dgm:spPr/>
+    </dgm:pt>
+    <dgm:pt modelId="{FB28BC66-2A86-4020-B883-1083CC213551}" type="pres">
+      <dgm:prSet presAssocID="{7DB649DB-5520-41AB-B60B-870EDB836F5B}" presName="parTx" presStyleLbl="revTx" presStyleIdx="0" presStyleCnt="6">
+        <dgm:presLayoutVars>
+          <dgm:chMax val="0"/>
+          <dgm:chPref val="0"/>
+        </dgm:presLayoutVars>
+      </dgm:prSet>
+      <dgm:spPr/>
+    </dgm:pt>
+    <dgm:pt modelId="{D008329A-0BEE-4D40-A5B8-AB4344A7D9CE}" type="pres">
+      <dgm:prSet presAssocID="{FD1B93FF-DC05-47A9-9210-2F491DA9C082}" presName="sibTrans" presStyleCnt="0"/>
+      <dgm:spPr/>
+    </dgm:pt>
+    <dgm:pt modelId="{A95B60A4-0AF7-4AB8-B492-60F0CC00B34D}" type="pres">
+      <dgm:prSet presAssocID="{E27567C2-8041-4470-A029-61C138C4CD2D}" presName="compNode" presStyleCnt="0"/>
+      <dgm:spPr/>
+    </dgm:pt>
+    <dgm:pt modelId="{FE19F564-2E67-43ED-8C17-69789ED668C3}" type="pres">
+      <dgm:prSet presAssocID="{E27567C2-8041-4470-A029-61C138C4CD2D}" presName="bgRect" presStyleLbl="bgShp" presStyleIdx="1" presStyleCnt="6"/>
+      <dgm:spPr/>
+    </dgm:pt>
+    <dgm:pt modelId="{34C8A971-6F1E-40E8-83DD-CE614359EA22}" type="pres">
+      <dgm:prSet presAssocID="{E27567C2-8041-4470-A029-61C138C4CD2D}" presName="iconRect" presStyleLbl="node1" presStyleIdx="1" presStyleCnt="6"/>
+      <dgm:spPr>
+        <a:blipFill>
+          <a:blip xmlns:r="http://schemas.openxmlformats.org/officeDocument/2006/relationships" r:embed="rId3">
+            <a:extLst>
+              <a:ext uri="{28A0092B-C50C-407E-A947-70E740481C1C}">
+                <a14:useLocalDpi xmlns:a14="http://schemas.microsoft.com/office/drawing/2010/main" val="0"/>
+              </a:ext>
+              <a:ext uri="{96DAC541-7B7A-43D3-8B79-37D633B846F1}">
+                <asvg:svgBlip xmlns:asvg="http://schemas.microsoft.com/office/drawing/2016/SVG/main" r:embed="rId4"/>
+              </a:ext>
+            </a:extLst>
+          </a:blip>
+          <a:stretch>
+            <a:fillRect/>
+          </a:stretch>
+        </a:blipFill>
+        <a:ln>
+          <a:noFill/>
+        </a:ln>
+      </dgm:spPr>
+      <dgm:extLst>
+        <a:ext uri="{E40237B7-FDA0-4F09-8148-C483321AD2D9}">
+          <dgm14:cNvPr xmlns:dgm14="http://schemas.microsoft.com/office/drawing/2010/diagram" id="0" name="" descr="Filtrer"/>
+        </a:ext>
+      </dgm:extLst>
+    </dgm:pt>
+    <dgm:pt modelId="{38A2A344-7408-47FD-A296-3D0B2551C0E5}" type="pres">
+      <dgm:prSet presAssocID="{E27567C2-8041-4470-A029-61C138C4CD2D}" presName="spaceRect" presStyleCnt="0"/>
+      <dgm:spPr/>
+    </dgm:pt>
+    <dgm:pt modelId="{E4159AED-7FFD-45E4-9DA6-86491278BE43}" type="pres">
+      <dgm:prSet presAssocID="{E27567C2-8041-4470-A029-61C138C4CD2D}" presName="parTx" presStyleLbl="revTx" presStyleIdx="1" presStyleCnt="6">
+        <dgm:presLayoutVars>
+          <dgm:chMax val="0"/>
+          <dgm:chPref val="0"/>
+        </dgm:presLayoutVars>
+      </dgm:prSet>
+      <dgm:spPr/>
+    </dgm:pt>
+    <dgm:pt modelId="{70A2C651-7E15-4263-B29C-BF252F0CBC89}" type="pres">
+      <dgm:prSet presAssocID="{D8FCFBA2-C91F-4022-871A-547014715A5A}" presName="sibTrans" presStyleCnt="0"/>
+      <dgm:spPr/>
+    </dgm:pt>
+    <dgm:pt modelId="{ECFA0F9E-082E-493B-961F-8EA8B9764A1C}" type="pres">
+      <dgm:prSet presAssocID="{EF9C53D7-0D17-4FEF-9A19-88B7000A0B91}" presName="compNode" presStyleCnt="0"/>
+      <dgm:spPr/>
+    </dgm:pt>
+    <dgm:pt modelId="{F599E484-45E1-4D58-B64B-06868FAD8752}" type="pres">
+      <dgm:prSet presAssocID="{EF9C53D7-0D17-4FEF-9A19-88B7000A0B91}" presName="bgRect" presStyleLbl="bgShp" presStyleIdx="2" presStyleCnt="6"/>
+      <dgm:spPr/>
+    </dgm:pt>
+    <dgm:pt modelId="{C9F9D171-3375-4048-AF32-CB6CEFD7207E}" type="pres">
+      <dgm:prSet presAssocID="{EF9C53D7-0D17-4FEF-9A19-88B7000A0B91}" presName="iconRect" presStyleLbl="node1" presStyleIdx="2" presStyleCnt="6"/>
+      <dgm:spPr>
+        <a:blipFill>
+          <a:blip xmlns:r="http://schemas.openxmlformats.org/officeDocument/2006/relationships" r:embed="rId5">
+            <a:extLst>
+              <a:ext uri="{28A0092B-C50C-407E-A947-70E740481C1C}">
+                <a14:useLocalDpi xmlns:a14="http://schemas.microsoft.com/office/drawing/2010/main" val="0"/>
+              </a:ext>
+              <a:ext uri="{96DAC541-7B7A-43D3-8B79-37D633B846F1}">
+                <asvg:svgBlip xmlns:asvg="http://schemas.microsoft.com/office/drawing/2016/SVG/main" r:embed="rId6"/>
+              </a:ext>
+            </a:extLst>
+          </a:blip>
+          <a:stretch>
+            <a:fillRect/>
+          </a:stretch>
+        </a:blipFill>
+        <a:ln>
+          <a:noFill/>
+        </a:ln>
+      </dgm:spPr>
+      <dgm:extLst>
+        <a:ext uri="{E40237B7-FDA0-4F09-8148-C483321AD2D9}">
+          <dgm14:cNvPr xmlns:dgm14="http://schemas.microsoft.com/office/drawing/2010/diagram" id="0" name="" descr="Tableau"/>
+        </a:ext>
+      </dgm:extLst>
+    </dgm:pt>
+    <dgm:pt modelId="{0B60307F-FF90-46C3-8607-B62F4E434C4D}" type="pres">
+      <dgm:prSet presAssocID="{EF9C53D7-0D17-4FEF-9A19-88B7000A0B91}" presName="spaceRect" presStyleCnt="0"/>
+      <dgm:spPr/>
+    </dgm:pt>
+    <dgm:pt modelId="{80B94345-5FAA-4CBB-A1D6-4166521E1D4D}" type="pres">
+      <dgm:prSet presAssocID="{EF9C53D7-0D17-4FEF-9A19-88B7000A0B91}" presName="parTx" presStyleLbl="revTx" presStyleIdx="2" presStyleCnt="6">
+        <dgm:presLayoutVars>
+          <dgm:chMax val="0"/>
+          <dgm:chPref val="0"/>
+        </dgm:presLayoutVars>
+      </dgm:prSet>
+      <dgm:spPr/>
+    </dgm:pt>
+    <dgm:pt modelId="{D046ECCC-9F4B-4437-B76F-13BA728AFED7}" type="pres">
+      <dgm:prSet presAssocID="{5AB1A439-1A12-44C7-A0CE-319356E36718}" presName="sibTrans" presStyleCnt="0"/>
+      <dgm:spPr/>
+    </dgm:pt>
+    <dgm:pt modelId="{85FFF49F-BE28-4D7C-9A8E-D7C67955CC31}" type="pres">
+      <dgm:prSet presAssocID="{901B40CF-FD0A-4FA9-904B-F74B1E57E12B}" presName="compNode" presStyleCnt="0"/>
+      <dgm:spPr/>
+    </dgm:pt>
+    <dgm:pt modelId="{78BA5A86-2297-4750-9F1B-BC9193237705}" type="pres">
+      <dgm:prSet presAssocID="{901B40CF-FD0A-4FA9-904B-F74B1E57E12B}" presName="bgRect" presStyleLbl="bgShp" presStyleIdx="3" presStyleCnt="6"/>
+      <dgm:spPr/>
+    </dgm:pt>
+    <dgm:pt modelId="{8996A687-D7D1-4105-93D7-FEBCB8E8A360}" type="pres">
+      <dgm:prSet presAssocID="{901B40CF-FD0A-4FA9-904B-F74B1E57E12B}" presName="iconRect" presStyleLbl="node1" presStyleIdx="3" presStyleCnt="6"/>
+      <dgm:spPr>
+        <a:blipFill>
+          <a:blip xmlns:r="http://schemas.openxmlformats.org/officeDocument/2006/relationships" r:embed="rId7">
+            <a:extLst>
+              <a:ext uri="{28A0092B-C50C-407E-A947-70E740481C1C}">
+                <a14:useLocalDpi xmlns:a14="http://schemas.microsoft.com/office/drawing/2010/main" val="0"/>
+              </a:ext>
+              <a:ext uri="{96DAC541-7B7A-43D3-8B79-37D633B846F1}">
+                <asvg:svgBlip xmlns:asvg="http://schemas.microsoft.com/office/drawing/2016/SVG/main" r:embed="rId8"/>
+              </a:ext>
+            </a:extLst>
+          </a:blip>
+          <a:stretch>
+            <a:fillRect/>
+          </a:stretch>
+        </a:blipFill>
+        <a:ln>
+          <a:noFill/>
+        </a:ln>
+      </dgm:spPr>
+      <dgm:extLst>
+        <a:ext uri="{E40237B7-FDA0-4F09-8148-C483321AD2D9}">
+          <dgm14:cNvPr xmlns:dgm14="http://schemas.microsoft.com/office/drawing/2010/diagram" id="0" name="" descr="Programmeur"/>
+        </a:ext>
+      </dgm:extLst>
+    </dgm:pt>
+    <dgm:pt modelId="{59C83831-1CF6-4710-A133-AE95773C48D9}" type="pres">
+      <dgm:prSet presAssocID="{901B40CF-FD0A-4FA9-904B-F74B1E57E12B}" presName="spaceRect" presStyleCnt="0"/>
+      <dgm:spPr/>
+    </dgm:pt>
+    <dgm:pt modelId="{BBE2FFED-9EDA-4429-AA59-BF989A8B0DFC}" type="pres">
+      <dgm:prSet presAssocID="{901B40CF-FD0A-4FA9-904B-F74B1E57E12B}" presName="parTx" presStyleLbl="revTx" presStyleIdx="3" presStyleCnt="6">
+        <dgm:presLayoutVars>
+          <dgm:chMax val="0"/>
+          <dgm:chPref val="0"/>
+        </dgm:presLayoutVars>
+      </dgm:prSet>
+      <dgm:spPr/>
+    </dgm:pt>
+    <dgm:pt modelId="{F3E4902F-10F6-445F-B9F4-F7C3B2AC6EDA}" type="pres">
+      <dgm:prSet presAssocID="{FCA532A9-8D93-4D81-A83D-42BDB6025B61}" presName="sibTrans" presStyleCnt="0"/>
+      <dgm:spPr/>
+    </dgm:pt>
+    <dgm:pt modelId="{4227845B-024F-4E31-9B26-A9755DD43A27}" type="pres">
+      <dgm:prSet presAssocID="{3D2B4FC4-E56D-4127-9B38-AF0053771A4B}" presName="compNode" presStyleCnt="0"/>
+      <dgm:spPr/>
+    </dgm:pt>
+    <dgm:pt modelId="{B8BDA252-5ADF-46A1-8BF6-DEEA7E371B30}" type="pres">
+      <dgm:prSet presAssocID="{3D2B4FC4-E56D-4127-9B38-AF0053771A4B}" presName="bgRect" presStyleLbl="bgShp" presStyleIdx="4" presStyleCnt="6"/>
+      <dgm:spPr/>
+    </dgm:pt>
+    <dgm:pt modelId="{67E1174B-657B-4A03-8576-701BA90A69F0}" type="pres">
+      <dgm:prSet presAssocID="{3D2B4FC4-E56D-4127-9B38-AF0053771A4B}" presName="iconRect" presStyleLbl="node1" presStyleIdx="4" presStyleCnt="6"/>
+      <dgm:spPr>
+        <a:blipFill>
+          <a:blip xmlns:r="http://schemas.openxmlformats.org/officeDocument/2006/relationships" r:embed="rId9">
+            <a:extLst>
+              <a:ext uri="{28A0092B-C50C-407E-A947-70E740481C1C}">
+                <a14:useLocalDpi xmlns:a14="http://schemas.microsoft.com/office/drawing/2010/main" val="0"/>
+              </a:ext>
+              <a:ext uri="{96DAC541-7B7A-43D3-8B79-37D633B846F1}">
+                <asvg:svgBlip xmlns:asvg="http://schemas.microsoft.com/office/drawing/2016/SVG/main" r:embed="rId10"/>
+              </a:ext>
+            </a:extLst>
+          </a:blip>
+          <a:stretch>
+            <a:fillRect/>
+          </a:stretch>
+        </a:blipFill>
+        <a:ln>
+          <a:noFill/>
+        </a:ln>
+      </dgm:spPr>
+      <dgm:extLst>
+        <a:ext uri="{E40237B7-FDA0-4F09-8148-C483321AD2D9}">
+          <dgm14:cNvPr xmlns:dgm14="http://schemas.microsoft.com/office/drawing/2010/diagram" id="0" name="" descr="Web Design"/>
+        </a:ext>
+      </dgm:extLst>
+    </dgm:pt>
+    <dgm:pt modelId="{10B9C7A7-C48B-4284-8A33-5CCBD7AD6E5A}" type="pres">
+      <dgm:prSet presAssocID="{3D2B4FC4-E56D-4127-9B38-AF0053771A4B}" presName="spaceRect" presStyleCnt="0"/>
+      <dgm:spPr/>
+    </dgm:pt>
+    <dgm:pt modelId="{A6A755C4-F807-46A4-A78A-8A44D9A4F932}" type="pres">
+      <dgm:prSet presAssocID="{3D2B4FC4-E56D-4127-9B38-AF0053771A4B}" presName="parTx" presStyleLbl="revTx" presStyleIdx="4" presStyleCnt="6">
+        <dgm:presLayoutVars>
+          <dgm:chMax val="0"/>
+          <dgm:chPref val="0"/>
+        </dgm:presLayoutVars>
+      </dgm:prSet>
+      <dgm:spPr/>
+    </dgm:pt>
+    <dgm:pt modelId="{7AA0A79C-F548-4C4D-BAD8-8148C71CF587}" type="pres">
+      <dgm:prSet presAssocID="{5796530E-FCF4-4733-9185-71A4E030AEEE}" presName="sibTrans" presStyleCnt="0"/>
+      <dgm:spPr/>
+    </dgm:pt>
+    <dgm:pt modelId="{598B8D50-D60C-4A4F-8464-862C3744674A}" type="pres">
+      <dgm:prSet presAssocID="{7D209C9A-3B31-4DDB-AC33-7FD9DDD0C190}" presName="compNode" presStyleCnt="0"/>
+      <dgm:spPr/>
+    </dgm:pt>
+    <dgm:pt modelId="{761EA056-0EC6-4767-A83B-6B6233980F30}" type="pres">
+      <dgm:prSet presAssocID="{7D209C9A-3B31-4DDB-AC33-7FD9DDD0C190}" presName="bgRect" presStyleLbl="bgShp" presStyleIdx="5" presStyleCnt="6"/>
+      <dgm:spPr/>
+    </dgm:pt>
+    <dgm:pt modelId="{A903E076-74D7-46CB-8552-2FF8900B6BFA}" type="pres">
+      <dgm:prSet presAssocID="{7D209C9A-3B31-4DDB-AC33-7FD9DDD0C190}" presName="iconRect" presStyleLbl="node1" presStyleIdx="5" presStyleCnt="6"/>
+      <dgm:spPr>
+        <a:blipFill>
+          <a:blip xmlns:r="http://schemas.openxmlformats.org/officeDocument/2006/relationships" r:embed="rId11">
+            <a:extLst>
+              <a:ext uri="{28A0092B-C50C-407E-A947-70E740481C1C}">
+                <a14:useLocalDpi xmlns:a14="http://schemas.microsoft.com/office/drawing/2010/main" val="0"/>
+              </a:ext>
+              <a:ext uri="{96DAC541-7B7A-43D3-8B79-37D633B846F1}">
+                <asvg:svgBlip xmlns:asvg="http://schemas.microsoft.com/office/drawing/2016/SVG/main" r:embed="rId12"/>
+              </a:ext>
+            </a:extLst>
+          </a:blip>
+          <a:stretch>
+            <a:fillRect/>
+          </a:stretch>
+        </a:blipFill>
+        <a:ln>
+          <a:noFill/>
+        </a:ln>
+      </dgm:spPr>
+      <dgm:extLst>
+        <a:ext uri="{E40237B7-FDA0-4F09-8148-C483321AD2D9}">
+          <dgm14:cNvPr xmlns:dgm14="http://schemas.microsoft.com/office/drawing/2010/diagram" id="0" name="" descr="Bitcoin"/>
+        </a:ext>
+      </dgm:extLst>
+    </dgm:pt>
+    <dgm:pt modelId="{D8DF8F21-2423-4608-93FE-5E277C62C819}" type="pres">
+      <dgm:prSet presAssocID="{7D209C9A-3B31-4DDB-AC33-7FD9DDD0C190}" presName="spaceRect" presStyleCnt="0"/>
+      <dgm:spPr/>
+    </dgm:pt>
+    <dgm:pt modelId="{F763F331-2210-462C-8C69-3E88851EE8C3}" type="pres">
+      <dgm:prSet presAssocID="{7D209C9A-3B31-4DDB-AC33-7FD9DDD0C190}" presName="parTx" presStyleLbl="revTx" presStyleIdx="5" presStyleCnt="6">
+        <dgm:presLayoutVars>
+          <dgm:chMax val="0"/>
+          <dgm:chPref val="0"/>
+        </dgm:presLayoutVars>
+      </dgm:prSet>
+      <dgm:spPr/>
+    </dgm:pt>
+  </dgm:ptLst>
+  <dgm:cxnLst>
+    <dgm:cxn modelId="{E652DD0D-85C5-436F-976F-EB3E0BEBFB4F}" srcId="{8AFF50A7-7203-4886-A848-DA996C6C5E07}" destId="{3D2B4FC4-E56D-4127-9B38-AF0053771A4B}" srcOrd="4" destOrd="0" parTransId="{42E267AE-9695-43DA-9F82-3EB4091F4A32}" sibTransId="{5796530E-FCF4-4733-9185-71A4E030AEEE}"/>
+    <dgm:cxn modelId="{9D86A323-29AB-6548-B920-A11371010775}" type="presOf" srcId="{EF9C53D7-0D17-4FEF-9A19-88B7000A0B91}" destId="{80B94345-5FAA-4CBB-A1D6-4166521E1D4D}" srcOrd="0" destOrd="0" presId="urn:microsoft.com/office/officeart/2018/2/layout/IconVerticalSolidList"/>
+    <dgm:cxn modelId="{53939D2D-344D-46CE-BA0A-6EB9A88ACD2A}" srcId="{8AFF50A7-7203-4886-A848-DA996C6C5E07}" destId="{7DB649DB-5520-41AB-B60B-870EDB836F5B}" srcOrd="0" destOrd="0" parTransId="{B1D847B6-3FEE-4815-B4A9-EBA5AFE83664}" sibTransId="{FD1B93FF-DC05-47A9-9210-2F491DA9C082}"/>
+    <dgm:cxn modelId="{3C163944-C484-48F0-B892-6D612A891252}" srcId="{8AFF50A7-7203-4886-A848-DA996C6C5E07}" destId="{7D209C9A-3B31-4DDB-AC33-7FD9DDD0C190}" srcOrd="5" destOrd="0" parTransId="{8D53A301-D1BA-47FF-9156-95E80713FE72}" sibTransId="{E9C51352-645B-4B17-9A61-FEA123EB48D8}"/>
+    <dgm:cxn modelId="{C693C150-E3E3-164A-9247-ACD0E86598AA}" type="presOf" srcId="{901B40CF-FD0A-4FA9-904B-F74B1E57E12B}" destId="{BBE2FFED-9EDA-4429-AA59-BF989A8B0DFC}" srcOrd="0" destOrd="0" presId="urn:microsoft.com/office/officeart/2018/2/layout/IconVerticalSolidList"/>
+    <dgm:cxn modelId="{C62F9D6C-B3CF-A34E-A648-9D16294167D2}" type="presOf" srcId="{8AFF50A7-7203-4886-A848-DA996C6C5E07}" destId="{89726904-DB09-4357-B843-7C985F52696A}" srcOrd="0" destOrd="0" presId="urn:microsoft.com/office/officeart/2018/2/layout/IconVerticalSolidList"/>
+    <dgm:cxn modelId="{F66AA079-0254-0748-B890-0131E8C55466}" type="presOf" srcId="{E27567C2-8041-4470-A029-61C138C4CD2D}" destId="{E4159AED-7FFD-45E4-9DA6-86491278BE43}" srcOrd="0" destOrd="0" presId="urn:microsoft.com/office/officeart/2018/2/layout/IconVerticalSolidList"/>
+    <dgm:cxn modelId="{5386508E-AFA1-DD4B-B715-98E66B329055}" type="presOf" srcId="{7D209C9A-3B31-4DDB-AC33-7FD9DDD0C190}" destId="{F763F331-2210-462C-8C69-3E88851EE8C3}" srcOrd="0" destOrd="0" presId="urn:microsoft.com/office/officeart/2018/2/layout/IconVerticalSolidList"/>
+    <dgm:cxn modelId="{4DB2619E-D648-4C0E-A365-ADA6298FEBBE}" srcId="{8AFF50A7-7203-4886-A848-DA996C6C5E07}" destId="{E27567C2-8041-4470-A029-61C138C4CD2D}" srcOrd="1" destOrd="0" parTransId="{344192D7-CFD4-4443-9224-26A87772EFBE}" sibTransId="{D8FCFBA2-C91F-4022-871A-547014715A5A}"/>
+    <dgm:cxn modelId="{6BC4F1A7-D0A7-4F79-B758-51ED9CB44940}" srcId="{8AFF50A7-7203-4886-A848-DA996C6C5E07}" destId="{EF9C53D7-0D17-4FEF-9A19-88B7000A0B91}" srcOrd="2" destOrd="0" parTransId="{7BA5ABAC-7687-4EEF-ACA6-F271C958DD71}" sibTransId="{5AB1A439-1A12-44C7-A0CE-319356E36718}"/>
+    <dgm:cxn modelId="{202A62CF-08D7-5C4B-9454-0AE7A2EC64DF}" type="presOf" srcId="{3D2B4FC4-E56D-4127-9B38-AF0053771A4B}" destId="{A6A755C4-F807-46A4-A78A-8A44D9A4F932}" srcOrd="0" destOrd="0" presId="urn:microsoft.com/office/officeart/2018/2/layout/IconVerticalSolidList"/>
+    <dgm:cxn modelId="{8D50F9D3-6944-4354-94F3-57C45B1B0E43}" srcId="{8AFF50A7-7203-4886-A848-DA996C6C5E07}" destId="{901B40CF-FD0A-4FA9-904B-F74B1E57E12B}" srcOrd="3" destOrd="0" parTransId="{288E66D1-DA04-4E18-94B7-0CE7B7943BF8}" sibTransId="{FCA532A9-8D93-4D81-A83D-42BDB6025B61}"/>
+    <dgm:cxn modelId="{63FE19E0-FD56-2144-802A-062A4FC45C33}" type="presOf" srcId="{7DB649DB-5520-41AB-B60B-870EDB836F5B}" destId="{FB28BC66-2A86-4020-B883-1083CC213551}" srcOrd="0" destOrd="0" presId="urn:microsoft.com/office/officeart/2018/2/layout/IconVerticalSolidList"/>
+    <dgm:cxn modelId="{4FCBEBE3-3428-1E4D-B7F1-B7DAF3A59CD1}" type="presParOf" srcId="{89726904-DB09-4357-B843-7C985F52696A}" destId="{212DA4C3-0BB0-472F-B160-0DECE25E390F}" srcOrd="0" destOrd="0" presId="urn:microsoft.com/office/officeart/2018/2/layout/IconVerticalSolidList"/>
+    <dgm:cxn modelId="{F3E4347E-12E5-3B43-BDBA-50615DE7DD79}" type="presParOf" srcId="{212DA4C3-0BB0-472F-B160-0DECE25E390F}" destId="{7C660A4C-AC2E-4F50-A8F2-7497FFC35A74}" srcOrd="0" destOrd="0" presId="urn:microsoft.com/office/officeart/2018/2/layout/IconVerticalSolidList"/>
+    <dgm:cxn modelId="{2866518F-0EB7-FF4F-BC30-ED9F81F40F83}" type="presParOf" srcId="{212DA4C3-0BB0-472F-B160-0DECE25E390F}" destId="{85DAB2D3-A073-47E4-B47B-44E2273B8517}" srcOrd="1" destOrd="0" presId="urn:microsoft.com/office/officeart/2018/2/layout/IconVerticalSolidList"/>
+    <dgm:cxn modelId="{7A6DAEA3-1B1C-AC46-90EF-B96889D56094}" type="presParOf" srcId="{212DA4C3-0BB0-472F-B160-0DECE25E390F}" destId="{119E59FF-2F0A-400A-9855-E2EFF04A2739}" srcOrd="2" destOrd="0" presId="urn:microsoft.com/office/officeart/2018/2/layout/IconVerticalSolidList"/>
+    <dgm:cxn modelId="{D6A32C2E-B06B-734F-B97E-8AB2512EB02B}" type="presParOf" srcId="{212DA4C3-0BB0-472F-B160-0DECE25E390F}" destId="{FB28BC66-2A86-4020-B883-1083CC213551}" srcOrd="3" destOrd="0" presId="urn:microsoft.com/office/officeart/2018/2/layout/IconVerticalSolidList"/>
+    <dgm:cxn modelId="{852C11D5-41C6-B245-B424-8EB72E70F140}" type="presParOf" srcId="{89726904-DB09-4357-B843-7C985F52696A}" destId="{D008329A-0BEE-4D40-A5B8-AB4344A7D9CE}" srcOrd="1" destOrd="0" presId="urn:microsoft.com/office/officeart/2018/2/layout/IconVerticalSolidList"/>
+    <dgm:cxn modelId="{4ECE0684-AFA2-8E4E-9B7F-C1A7AA0B9B32}" type="presParOf" srcId="{89726904-DB09-4357-B843-7C985F52696A}" destId="{A95B60A4-0AF7-4AB8-B492-60F0CC00B34D}" srcOrd="2" destOrd="0" presId="urn:microsoft.com/office/officeart/2018/2/layout/IconVerticalSolidList"/>
+    <dgm:cxn modelId="{1077D3D9-7209-5A42-BF12-BF768307700E}" type="presParOf" srcId="{A95B60A4-0AF7-4AB8-B492-60F0CC00B34D}" destId="{FE19F564-2E67-43ED-8C17-69789ED668C3}" srcOrd="0" destOrd="0" presId="urn:microsoft.com/office/officeart/2018/2/layout/IconVerticalSolidList"/>
+    <dgm:cxn modelId="{DB85C1C1-1A88-A449-941F-8611D9E36B91}" type="presParOf" srcId="{A95B60A4-0AF7-4AB8-B492-60F0CC00B34D}" destId="{34C8A971-6F1E-40E8-83DD-CE614359EA22}" srcOrd="1" destOrd="0" presId="urn:microsoft.com/office/officeart/2018/2/layout/IconVerticalSolidList"/>
+    <dgm:cxn modelId="{A645BB87-59D1-4048-9E9E-5A48AF6B5B69}" type="presParOf" srcId="{A95B60A4-0AF7-4AB8-B492-60F0CC00B34D}" destId="{38A2A344-7408-47FD-A296-3D0B2551C0E5}" srcOrd="2" destOrd="0" presId="urn:microsoft.com/office/officeart/2018/2/layout/IconVerticalSolidList"/>
+    <dgm:cxn modelId="{A15FE797-1BC1-9649-9D13-19A1A25FC66D}" type="presParOf" srcId="{A95B60A4-0AF7-4AB8-B492-60F0CC00B34D}" destId="{E4159AED-7FFD-45E4-9DA6-86491278BE43}" srcOrd="3" destOrd="0" presId="urn:microsoft.com/office/officeart/2018/2/layout/IconVerticalSolidList"/>
+    <dgm:cxn modelId="{F6732CAC-F778-C240-B1A2-6B42A46EC9C0}" type="presParOf" srcId="{89726904-DB09-4357-B843-7C985F52696A}" destId="{70A2C651-7E15-4263-B29C-BF252F0CBC89}" srcOrd="3" destOrd="0" presId="urn:microsoft.com/office/officeart/2018/2/layout/IconVerticalSolidList"/>
+    <dgm:cxn modelId="{9D5662CE-57BD-C64E-80A9-03FDE2C420D4}" type="presParOf" srcId="{89726904-DB09-4357-B843-7C985F52696A}" destId="{ECFA0F9E-082E-493B-961F-8EA8B9764A1C}" srcOrd="4" destOrd="0" presId="urn:microsoft.com/office/officeart/2018/2/layout/IconVerticalSolidList"/>
+    <dgm:cxn modelId="{1C378014-3408-104D-8A8F-CEDD564E31C2}" type="presParOf" srcId="{ECFA0F9E-082E-493B-961F-8EA8B9764A1C}" destId="{F599E484-45E1-4D58-B64B-06868FAD8752}" srcOrd="0" destOrd="0" presId="urn:microsoft.com/office/officeart/2018/2/layout/IconVerticalSolidList"/>
+    <dgm:cxn modelId="{1B69A514-D6B9-E441-B790-8F56D0CB8577}" type="presParOf" srcId="{ECFA0F9E-082E-493B-961F-8EA8B9764A1C}" destId="{C9F9D171-3375-4048-AF32-CB6CEFD7207E}" srcOrd="1" destOrd="0" presId="urn:microsoft.com/office/officeart/2018/2/layout/IconVerticalSolidList"/>
+    <dgm:cxn modelId="{7659B4F1-B45B-0340-B005-F277B097E95E}" type="presParOf" srcId="{ECFA0F9E-082E-493B-961F-8EA8B9764A1C}" destId="{0B60307F-FF90-46C3-8607-B62F4E434C4D}" srcOrd="2" destOrd="0" presId="urn:microsoft.com/office/officeart/2018/2/layout/IconVerticalSolidList"/>
+    <dgm:cxn modelId="{069D423A-BEB2-6744-972E-FD3EEE4DC68B}" type="presParOf" srcId="{ECFA0F9E-082E-493B-961F-8EA8B9764A1C}" destId="{80B94345-5FAA-4CBB-A1D6-4166521E1D4D}" srcOrd="3" destOrd="0" presId="urn:microsoft.com/office/officeart/2018/2/layout/IconVerticalSolidList"/>
+    <dgm:cxn modelId="{C39A6645-5C36-D745-B18B-7C40F9A058E8}" type="presParOf" srcId="{89726904-DB09-4357-B843-7C985F52696A}" destId="{D046ECCC-9F4B-4437-B76F-13BA728AFED7}" srcOrd="5" destOrd="0" presId="urn:microsoft.com/office/officeart/2018/2/layout/IconVerticalSolidList"/>
+    <dgm:cxn modelId="{40186953-65C6-594D-A481-122FEC5A7546}" type="presParOf" srcId="{89726904-DB09-4357-B843-7C985F52696A}" destId="{85FFF49F-BE28-4D7C-9A8E-D7C67955CC31}" srcOrd="6" destOrd="0" presId="urn:microsoft.com/office/officeart/2018/2/layout/IconVerticalSolidList"/>
+    <dgm:cxn modelId="{94E98B34-150E-5249-8E8E-A17B67E46565}" type="presParOf" srcId="{85FFF49F-BE28-4D7C-9A8E-D7C67955CC31}" destId="{78BA5A86-2297-4750-9F1B-BC9193237705}" srcOrd="0" destOrd="0" presId="urn:microsoft.com/office/officeart/2018/2/layout/IconVerticalSolidList"/>
+    <dgm:cxn modelId="{D1AE03F3-EDFB-9C41-B199-F3747A31B5C6}" type="presParOf" srcId="{85FFF49F-BE28-4D7C-9A8E-D7C67955CC31}" destId="{8996A687-D7D1-4105-93D7-FEBCB8E8A360}" srcOrd="1" destOrd="0" presId="urn:microsoft.com/office/officeart/2018/2/layout/IconVerticalSolidList"/>
+    <dgm:cxn modelId="{EE786E0B-B750-5747-A523-B2CEB15B7955}" type="presParOf" srcId="{85FFF49F-BE28-4D7C-9A8E-D7C67955CC31}" destId="{59C83831-1CF6-4710-A133-AE95773C48D9}" srcOrd="2" destOrd="0" presId="urn:microsoft.com/office/officeart/2018/2/layout/IconVerticalSolidList"/>
+    <dgm:cxn modelId="{CE88D94D-586E-B04F-835F-E0855DE70156}" type="presParOf" srcId="{85FFF49F-BE28-4D7C-9A8E-D7C67955CC31}" destId="{BBE2FFED-9EDA-4429-AA59-BF989A8B0DFC}" srcOrd="3" destOrd="0" presId="urn:microsoft.com/office/officeart/2018/2/layout/IconVerticalSolidList"/>
+    <dgm:cxn modelId="{F76FA98F-8AC4-EA4B-A51E-51E7EFA73D1D}" type="presParOf" srcId="{89726904-DB09-4357-B843-7C985F52696A}" destId="{F3E4902F-10F6-445F-B9F4-F7C3B2AC6EDA}" srcOrd="7" destOrd="0" presId="urn:microsoft.com/office/officeart/2018/2/layout/IconVerticalSolidList"/>
+    <dgm:cxn modelId="{93BF3194-E604-AC46-93A8-EF0C4D6D7286}" type="presParOf" srcId="{89726904-DB09-4357-B843-7C985F52696A}" destId="{4227845B-024F-4E31-9B26-A9755DD43A27}" srcOrd="8" destOrd="0" presId="urn:microsoft.com/office/officeart/2018/2/layout/IconVerticalSolidList"/>
+    <dgm:cxn modelId="{DD66539B-C654-CD4A-BAD1-9E7187966F18}" type="presParOf" srcId="{4227845B-024F-4E31-9B26-A9755DD43A27}" destId="{B8BDA252-5ADF-46A1-8BF6-DEEA7E371B30}" srcOrd="0" destOrd="0" presId="urn:microsoft.com/office/officeart/2018/2/layout/IconVerticalSolidList"/>
+    <dgm:cxn modelId="{3AF30195-8D55-0946-9794-6848E13C5EAE}" type="presParOf" srcId="{4227845B-024F-4E31-9B26-A9755DD43A27}" destId="{67E1174B-657B-4A03-8576-701BA90A69F0}" srcOrd="1" destOrd="0" presId="urn:microsoft.com/office/officeart/2018/2/layout/IconVerticalSolidList"/>
+    <dgm:cxn modelId="{D547629F-8334-2945-9065-2798A078AA4F}" type="presParOf" srcId="{4227845B-024F-4E31-9B26-A9755DD43A27}" destId="{10B9C7A7-C48B-4284-8A33-5CCBD7AD6E5A}" srcOrd="2" destOrd="0" presId="urn:microsoft.com/office/officeart/2018/2/layout/IconVerticalSolidList"/>
+    <dgm:cxn modelId="{33E5A68F-7190-E140-B7F6-844D5B532DD1}" type="presParOf" srcId="{4227845B-024F-4E31-9B26-A9755DD43A27}" destId="{A6A755C4-F807-46A4-A78A-8A44D9A4F932}" srcOrd="3" destOrd="0" presId="urn:microsoft.com/office/officeart/2018/2/layout/IconVerticalSolidList"/>
+    <dgm:cxn modelId="{796215A5-B9BB-A34E-9DC4-1925B91034D5}" type="presParOf" srcId="{89726904-DB09-4357-B843-7C985F52696A}" destId="{7AA0A79C-F548-4C4D-BAD8-8148C71CF587}" srcOrd="9" destOrd="0" presId="urn:microsoft.com/office/officeart/2018/2/layout/IconVerticalSolidList"/>
+    <dgm:cxn modelId="{E6D3DDFF-B53F-C749-91D8-E688AE4AF10C}" type="presParOf" srcId="{89726904-DB09-4357-B843-7C985F52696A}" destId="{598B8D50-D60C-4A4F-8464-862C3744674A}" srcOrd="10" destOrd="0" presId="urn:microsoft.com/office/officeart/2018/2/layout/IconVerticalSolidList"/>
+    <dgm:cxn modelId="{FD5CFD0F-E6C4-7041-A5B3-061C7E05DB3F}" type="presParOf" srcId="{598B8D50-D60C-4A4F-8464-862C3744674A}" destId="{761EA056-0EC6-4767-A83B-6B6233980F30}" srcOrd="0" destOrd="0" presId="urn:microsoft.com/office/officeart/2018/2/layout/IconVerticalSolidList"/>
+    <dgm:cxn modelId="{F62074CC-067E-5E4A-91E8-CD15C98592BE}" type="presParOf" srcId="{598B8D50-D60C-4A4F-8464-862C3744674A}" destId="{A903E076-74D7-46CB-8552-2FF8900B6BFA}" srcOrd="1" destOrd="0" presId="urn:microsoft.com/office/officeart/2018/2/layout/IconVerticalSolidList"/>
+    <dgm:cxn modelId="{832BFC1B-1F54-1444-A55D-EAD87D6F23DB}" type="presParOf" srcId="{598B8D50-D60C-4A4F-8464-862C3744674A}" destId="{D8DF8F21-2423-4608-93FE-5E277C62C819}" srcOrd="2" destOrd="0" presId="urn:microsoft.com/office/officeart/2018/2/layout/IconVerticalSolidList"/>
+    <dgm:cxn modelId="{0FEDA6E3-6796-B547-9251-A2A94C0C5649}" type="presParOf" srcId="{598B8D50-D60C-4A4F-8464-862C3744674A}" destId="{F763F331-2210-462C-8C69-3E88851EE8C3}" srcOrd="3" destOrd="0" presId="urn:microsoft.com/office/officeart/2018/2/layout/IconVerticalSolidList"/>
   </dgm:cxnLst>
   <dgm:bg/>
   <dgm:whole/>
@@ -12144,6 +13567,956 @@
 </dsp:drawing>
 </file>
 
+<file path=ppt/diagrams/drawing8.xml><?xml version="1.0" encoding="utf-8"?>
+<dsp:drawing xmlns:dgm="http://schemas.openxmlformats.org/drawingml/2006/diagram" xmlns:dsp="http://schemas.microsoft.com/office/drawing/2008/diagram" xmlns:a="http://schemas.openxmlformats.org/drawingml/2006/main">
+  <dsp:spTree>
+    <dsp:nvGrpSpPr>
+      <dsp:cNvPr id="0" name=""/>
+      <dsp:cNvGrpSpPr/>
+    </dsp:nvGrpSpPr>
+    <dsp:grpSpPr/>
+    <dsp:sp modelId="{7C660A4C-AC2E-4F50-A8F2-7497FFC35A74}">
+      <dsp:nvSpPr>
+        <dsp:cNvPr id="0" name=""/>
+        <dsp:cNvSpPr/>
+      </dsp:nvSpPr>
+      <dsp:spPr>
+        <a:xfrm>
+          <a:off x="0" y="3102"/>
+          <a:ext cx="4958533" cy="495477"/>
+        </a:xfrm>
+        <a:prstGeom prst="roundRect">
+          <a:avLst>
+            <a:gd name="adj" fmla="val 10000"/>
+          </a:avLst>
+        </a:prstGeom>
+        <a:solidFill>
+          <a:schemeClr val="bg1">
+            <a:lumMod val="95000"/>
+            <a:hueOff val="0"/>
+            <a:satOff val="0"/>
+            <a:lumOff val="0"/>
+            <a:alphaOff val="0"/>
+          </a:schemeClr>
+        </a:solidFill>
+        <a:ln>
+          <a:noFill/>
+        </a:ln>
+        <a:effectLst/>
+      </dsp:spPr>
+      <dsp:style>
+        <a:lnRef idx="0">
+          <a:scrgbClr r="0" g="0" b="0"/>
+        </a:lnRef>
+        <a:fillRef idx="1">
+          <a:scrgbClr r="0" g="0" b="0"/>
+        </a:fillRef>
+        <a:effectRef idx="0">
+          <a:scrgbClr r="0" g="0" b="0"/>
+        </a:effectRef>
+        <a:fontRef idx="minor"/>
+      </dsp:style>
+    </dsp:sp>
+    <dsp:sp modelId="{85DAB2D3-A073-47E4-B47B-44E2273B8517}">
+      <dsp:nvSpPr>
+        <dsp:cNvPr id="0" name=""/>
+        <dsp:cNvSpPr/>
+      </dsp:nvSpPr>
+      <dsp:spPr>
+        <a:xfrm>
+          <a:off x="149881" y="114584"/>
+          <a:ext cx="272779" cy="272512"/>
+        </a:xfrm>
+        <a:prstGeom prst="rect">
+          <a:avLst/>
+        </a:prstGeom>
+        <a:blipFill>
+          <a:blip xmlns:r="http://schemas.openxmlformats.org/officeDocument/2006/relationships" r:embed="rId1">
+            <a:extLst>
+              <a:ext uri="{28A0092B-C50C-407E-A947-70E740481C1C}">
+                <a14:useLocalDpi xmlns:a14="http://schemas.microsoft.com/office/drawing/2010/main" val="0"/>
+              </a:ext>
+              <a:ext uri="{96DAC541-7B7A-43D3-8B79-37D633B846F1}">
+                <asvg:svgBlip xmlns:asvg="http://schemas.microsoft.com/office/drawing/2016/SVG/main" r:embed="rId2"/>
+              </a:ext>
+            </a:extLst>
+          </a:blip>
+          <a:stretch>
+            <a:fillRect/>
+          </a:stretch>
+        </a:blipFill>
+        <a:ln w="19050" cap="flat" cmpd="sng" algn="ctr">
+          <a:noFill/>
+          <a:prstDash val="solid"/>
+          <a:miter lim="800000"/>
+        </a:ln>
+        <a:effectLst/>
+      </dsp:spPr>
+      <dsp:style>
+        <a:lnRef idx="2">
+          <a:scrgbClr r="0" g="0" b="0"/>
+        </a:lnRef>
+        <a:fillRef idx="1">
+          <a:scrgbClr r="0" g="0" b="0"/>
+        </a:fillRef>
+        <a:effectRef idx="0">
+          <a:scrgbClr r="0" g="0" b="0"/>
+        </a:effectRef>
+        <a:fontRef idx="minor">
+          <a:schemeClr val="lt1"/>
+        </a:fontRef>
+      </dsp:style>
+    </dsp:sp>
+    <dsp:sp modelId="{FB28BC66-2A86-4020-B883-1083CC213551}">
+      <dsp:nvSpPr>
+        <dsp:cNvPr id="0" name=""/>
+        <dsp:cNvSpPr/>
+      </dsp:nvSpPr>
+      <dsp:spPr>
+        <a:xfrm>
+          <a:off x="572542" y="3102"/>
+          <a:ext cx="4368649" cy="526444"/>
+        </a:xfrm>
+        <a:prstGeom prst="rect">
+          <a:avLst/>
+        </a:prstGeom>
+        <a:noFill/>
+        <a:ln>
+          <a:noFill/>
+        </a:ln>
+        <a:effectLst/>
+      </dsp:spPr>
+      <dsp:style>
+        <a:lnRef idx="0">
+          <a:scrgbClr r="0" g="0" b="0"/>
+        </a:lnRef>
+        <a:fillRef idx="0">
+          <a:scrgbClr r="0" g="0" b="0"/>
+        </a:fillRef>
+        <a:effectRef idx="0">
+          <a:scrgbClr r="0" g="0" b="0"/>
+        </a:effectRef>
+        <a:fontRef idx="minor"/>
+      </dsp:style>
+      <dsp:txBody>
+        <a:bodyPr spcFirstLastPara="0" vert="horz" wrap="square" lIns="55715" tIns="55715" rIns="55715" bIns="55715" numCol="1" spcCol="1270" anchor="ctr" anchorCtr="0">
+          <a:noAutofit/>
+        </a:bodyPr>
+        <a:lstStyle/>
+        <a:p>
+          <a:pPr marL="0" lvl="0" indent="0" algn="l" defTabSz="622300">
+            <a:lnSpc>
+              <a:spcPct val="100000"/>
+            </a:lnSpc>
+            <a:spcBef>
+              <a:spcPct val="0"/>
+            </a:spcBef>
+            <a:spcAft>
+              <a:spcPct val="35000"/>
+            </a:spcAft>
+            <a:buNone/>
+          </a:pPr>
+          <a:r>
+            <a:rPr lang="fr-FR" sz="1400" kern="1200"/>
+            <a:t>SQL = Structured Query Language</a:t>
+          </a:r>
+          <a:endParaRPr lang="en-US" sz="1400" kern="1200"/>
+        </a:p>
+      </dsp:txBody>
+      <dsp:txXfrm>
+        <a:off x="572542" y="3102"/>
+        <a:ext cx="4368649" cy="526444"/>
+      </dsp:txXfrm>
+    </dsp:sp>
+    <dsp:sp modelId="{FE19F564-2E67-43ED-8C17-69789ED668C3}">
+      <dsp:nvSpPr>
+        <dsp:cNvPr id="0" name=""/>
+        <dsp:cNvSpPr/>
+      </dsp:nvSpPr>
+      <dsp:spPr>
+        <a:xfrm>
+          <a:off x="0" y="661158"/>
+          <a:ext cx="4958533" cy="495477"/>
+        </a:xfrm>
+        <a:prstGeom prst="roundRect">
+          <a:avLst>
+            <a:gd name="adj" fmla="val 10000"/>
+          </a:avLst>
+        </a:prstGeom>
+        <a:solidFill>
+          <a:schemeClr val="bg1">
+            <a:lumMod val="95000"/>
+            <a:hueOff val="0"/>
+            <a:satOff val="0"/>
+            <a:lumOff val="0"/>
+            <a:alphaOff val="0"/>
+          </a:schemeClr>
+        </a:solidFill>
+        <a:ln>
+          <a:noFill/>
+        </a:ln>
+        <a:effectLst/>
+      </dsp:spPr>
+      <dsp:style>
+        <a:lnRef idx="0">
+          <a:scrgbClr r="0" g="0" b="0"/>
+        </a:lnRef>
+        <a:fillRef idx="1">
+          <a:scrgbClr r="0" g="0" b="0"/>
+        </a:fillRef>
+        <a:effectRef idx="0">
+          <a:scrgbClr r="0" g="0" b="0"/>
+        </a:effectRef>
+        <a:fontRef idx="minor"/>
+      </dsp:style>
+    </dsp:sp>
+    <dsp:sp modelId="{34C8A971-6F1E-40E8-83DD-CE614359EA22}">
+      <dsp:nvSpPr>
+        <dsp:cNvPr id="0" name=""/>
+        <dsp:cNvSpPr/>
+      </dsp:nvSpPr>
+      <dsp:spPr>
+        <a:xfrm>
+          <a:off x="149881" y="772640"/>
+          <a:ext cx="272779" cy="272512"/>
+        </a:xfrm>
+        <a:prstGeom prst="rect">
+          <a:avLst/>
+        </a:prstGeom>
+        <a:blipFill>
+          <a:blip xmlns:r="http://schemas.openxmlformats.org/officeDocument/2006/relationships" r:embed="rId3">
+            <a:extLst>
+              <a:ext uri="{28A0092B-C50C-407E-A947-70E740481C1C}">
+                <a14:useLocalDpi xmlns:a14="http://schemas.microsoft.com/office/drawing/2010/main" val="0"/>
+              </a:ext>
+              <a:ext uri="{96DAC541-7B7A-43D3-8B79-37D633B846F1}">
+                <asvg:svgBlip xmlns:asvg="http://schemas.microsoft.com/office/drawing/2016/SVG/main" r:embed="rId4"/>
+              </a:ext>
+            </a:extLst>
+          </a:blip>
+          <a:stretch>
+            <a:fillRect/>
+          </a:stretch>
+        </a:blipFill>
+        <a:ln w="19050" cap="flat" cmpd="sng" algn="ctr">
+          <a:noFill/>
+          <a:prstDash val="solid"/>
+          <a:miter lim="800000"/>
+        </a:ln>
+        <a:effectLst/>
+      </dsp:spPr>
+      <dsp:style>
+        <a:lnRef idx="2">
+          <a:scrgbClr r="0" g="0" b="0"/>
+        </a:lnRef>
+        <a:fillRef idx="1">
+          <a:scrgbClr r="0" g="0" b="0"/>
+        </a:fillRef>
+        <a:effectRef idx="0">
+          <a:scrgbClr r="0" g="0" b="0"/>
+        </a:effectRef>
+        <a:fontRef idx="minor">
+          <a:schemeClr val="lt1"/>
+        </a:fontRef>
+      </dsp:style>
+    </dsp:sp>
+    <dsp:sp modelId="{E4159AED-7FFD-45E4-9DA6-86491278BE43}">
+      <dsp:nvSpPr>
+        <dsp:cNvPr id="0" name=""/>
+        <dsp:cNvSpPr/>
+      </dsp:nvSpPr>
+      <dsp:spPr>
+        <a:xfrm>
+          <a:off x="572542" y="661158"/>
+          <a:ext cx="4368649" cy="526444"/>
+        </a:xfrm>
+        <a:prstGeom prst="rect">
+          <a:avLst/>
+        </a:prstGeom>
+        <a:noFill/>
+        <a:ln>
+          <a:noFill/>
+        </a:ln>
+        <a:effectLst/>
+      </dsp:spPr>
+      <dsp:style>
+        <a:lnRef idx="0">
+          <a:scrgbClr r="0" g="0" b="0"/>
+        </a:lnRef>
+        <a:fillRef idx="0">
+          <a:scrgbClr r="0" g="0" b="0"/>
+        </a:fillRef>
+        <a:effectRef idx="0">
+          <a:scrgbClr r="0" g="0" b="0"/>
+        </a:effectRef>
+        <a:fontRef idx="minor"/>
+      </dsp:style>
+      <dsp:txBody>
+        <a:bodyPr spcFirstLastPara="0" vert="horz" wrap="square" lIns="55715" tIns="55715" rIns="55715" bIns="55715" numCol="1" spcCol="1270" anchor="ctr" anchorCtr="0">
+          <a:noAutofit/>
+        </a:bodyPr>
+        <a:lstStyle/>
+        <a:p>
+          <a:pPr marL="0" lvl="0" indent="0" algn="l" defTabSz="622300">
+            <a:lnSpc>
+              <a:spcPct val="100000"/>
+            </a:lnSpc>
+            <a:spcBef>
+              <a:spcPct val="0"/>
+            </a:spcBef>
+            <a:spcAft>
+              <a:spcPct val="35000"/>
+            </a:spcAft>
+            <a:buNone/>
+          </a:pPr>
+          <a:r>
+            <a:rPr lang="fr-FR" sz="1400" b="1" i="0" kern="1200"/>
+            <a:t>DQL (Data Query Language)</a:t>
+          </a:r>
+          <a:r>
+            <a:rPr lang="fr-FR" sz="1400" b="0" i="0" kern="1200"/>
+            <a:t> : Récupération des données avec SELECT.</a:t>
+          </a:r>
+          <a:endParaRPr lang="en-US" sz="1400" kern="1200"/>
+        </a:p>
+      </dsp:txBody>
+      <dsp:txXfrm>
+        <a:off x="572542" y="661158"/>
+        <a:ext cx="4368649" cy="526444"/>
+      </dsp:txXfrm>
+    </dsp:sp>
+    <dsp:sp modelId="{F599E484-45E1-4D58-B64B-06868FAD8752}">
+      <dsp:nvSpPr>
+        <dsp:cNvPr id="0" name=""/>
+        <dsp:cNvSpPr/>
+      </dsp:nvSpPr>
+      <dsp:spPr>
+        <a:xfrm>
+          <a:off x="0" y="1319214"/>
+          <a:ext cx="4958533" cy="495477"/>
+        </a:xfrm>
+        <a:prstGeom prst="roundRect">
+          <a:avLst>
+            <a:gd name="adj" fmla="val 10000"/>
+          </a:avLst>
+        </a:prstGeom>
+        <a:solidFill>
+          <a:schemeClr val="bg1">
+            <a:lumMod val="95000"/>
+            <a:hueOff val="0"/>
+            <a:satOff val="0"/>
+            <a:lumOff val="0"/>
+            <a:alphaOff val="0"/>
+          </a:schemeClr>
+        </a:solidFill>
+        <a:ln>
+          <a:noFill/>
+        </a:ln>
+        <a:effectLst/>
+      </dsp:spPr>
+      <dsp:style>
+        <a:lnRef idx="0">
+          <a:scrgbClr r="0" g="0" b="0"/>
+        </a:lnRef>
+        <a:fillRef idx="1">
+          <a:scrgbClr r="0" g="0" b="0"/>
+        </a:fillRef>
+        <a:effectRef idx="0">
+          <a:scrgbClr r="0" g="0" b="0"/>
+        </a:effectRef>
+        <a:fontRef idx="minor"/>
+      </dsp:style>
+    </dsp:sp>
+    <dsp:sp modelId="{C9F9D171-3375-4048-AF32-CB6CEFD7207E}">
+      <dsp:nvSpPr>
+        <dsp:cNvPr id="0" name=""/>
+        <dsp:cNvSpPr/>
+      </dsp:nvSpPr>
+      <dsp:spPr>
+        <a:xfrm>
+          <a:off x="149881" y="1430696"/>
+          <a:ext cx="272779" cy="272512"/>
+        </a:xfrm>
+        <a:prstGeom prst="rect">
+          <a:avLst/>
+        </a:prstGeom>
+        <a:blipFill>
+          <a:blip xmlns:r="http://schemas.openxmlformats.org/officeDocument/2006/relationships" r:embed="rId5">
+            <a:extLst>
+              <a:ext uri="{28A0092B-C50C-407E-A947-70E740481C1C}">
+                <a14:useLocalDpi xmlns:a14="http://schemas.microsoft.com/office/drawing/2010/main" val="0"/>
+              </a:ext>
+              <a:ext uri="{96DAC541-7B7A-43D3-8B79-37D633B846F1}">
+                <asvg:svgBlip xmlns:asvg="http://schemas.microsoft.com/office/drawing/2016/SVG/main" r:embed="rId6"/>
+              </a:ext>
+            </a:extLst>
+          </a:blip>
+          <a:stretch>
+            <a:fillRect/>
+          </a:stretch>
+        </a:blipFill>
+        <a:ln w="19050" cap="flat" cmpd="sng" algn="ctr">
+          <a:noFill/>
+          <a:prstDash val="solid"/>
+          <a:miter lim="800000"/>
+        </a:ln>
+        <a:effectLst/>
+      </dsp:spPr>
+      <dsp:style>
+        <a:lnRef idx="2">
+          <a:scrgbClr r="0" g="0" b="0"/>
+        </a:lnRef>
+        <a:fillRef idx="1">
+          <a:scrgbClr r="0" g="0" b="0"/>
+        </a:fillRef>
+        <a:effectRef idx="0">
+          <a:scrgbClr r="0" g="0" b="0"/>
+        </a:effectRef>
+        <a:fontRef idx="minor">
+          <a:schemeClr val="lt1"/>
+        </a:fontRef>
+      </dsp:style>
+    </dsp:sp>
+    <dsp:sp modelId="{80B94345-5FAA-4CBB-A1D6-4166521E1D4D}">
+      <dsp:nvSpPr>
+        <dsp:cNvPr id="0" name=""/>
+        <dsp:cNvSpPr/>
+      </dsp:nvSpPr>
+      <dsp:spPr>
+        <a:xfrm>
+          <a:off x="572542" y="1319214"/>
+          <a:ext cx="4368649" cy="526444"/>
+        </a:xfrm>
+        <a:prstGeom prst="rect">
+          <a:avLst/>
+        </a:prstGeom>
+        <a:noFill/>
+        <a:ln>
+          <a:noFill/>
+        </a:ln>
+        <a:effectLst/>
+      </dsp:spPr>
+      <dsp:style>
+        <a:lnRef idx="0">
+          <a:scrgbClr r="0" g="0" b="0"/>
+        </a:lnRef>
+        <a:fillRef idx="0">
+          <a:scrgbClr r="0" g="0" b="0"/>
+        </a:fillRef>
+        <a:effectRef idx="0">
+          <a:scrgbClr r="0" g="0" b="0"/>
+        </a:effectRef>
+        <a:fontRef idx="minor"/>
+      </dsp:style>
+      <dsp:txBody>
+        <a:bodyPr spcFirstLastPara="0" vert="horz" wrap="square" lIns="55715" tIns="55715" rIns="55715" bIns="55715" numCol="1" spcCol="1270" anchor="ctr" anchorCtr="0">
+          <a:noAutofit/>
+        </a:bodyPr>
+        <a:lstStyle/>
+        <a:p>
+          <a:pPr marL="0" lvl="0" indent="0" algn="l" defTabSz="622300">
+            <a:lnSpc>
+              <a:spcPct val="100000"/>
+            </a:lnSpc>
+            <a:spcBef>
+              <a:spcPct val="0"/>
+            </a:spcBef>
+            <a:spcAft>
+              <a:spcPct val="35000"/>
+            </a:spcAft>
+            <a:buNone/>
+          </a:pPr>
+          <a:r>
+            <a:rPr lang="fr-FR" sz="1400" b="1" i="0" kern="1200"/>
+            <a:t>DDL (Data Definition Language)</a:t>
+          </a:r>
+          <a:r>
+            <a:rPr lang="fr-FR" sz="1400" b="0" i="0" kern="1200"/>
+            <a:t> : Définition de la structure de la base de données avec CREATE, ALTER, DROP, etc.</a:t>
+          </a:r>
+          <a:endParaRPr lang="en-US" sz="1400" kern="1200"/>
+        </a:p>
+      </dsp:txBody>
+      <dsp:txXfrm>
+        <a:off x="572542" y="1319214"/>
+        <a:ext cx="4368649" cy="526444"/>
+      </dsp:txXfrm>
+    </dsp:sp>
+    <dsp:sp modelId="{78BA5A86-2297-4750-9F1B-BC9193237705}">
+      <dsp:nvSpPr>
+        <dsp:cNvPr id="0" name=""/>
+        <dsp:cNvSpPr/>
+      </dsp:nvSpPr>
+      <dsp:spPr>
+        <a:xfrm>
+          <a:off x="0" y="1977270"/>
+          <a:ext cx="4958533" cy="495477"/>
+        </a:xfrm>
+        <a:prstGeom prst="roundRect">
+          <a:avLst>
+            <a:gd name="adj" fmla="val 10000"/>
+          </a:avLst>
+        </a:prstGeom>
+        <a:solidFill>
+          <a:schemeClr val="bg1">
+            <a:lumMod val="95000"/>
+            <a:hueOff val="0"/>
+            <a:satOff val="0"/>
+            <a:lumOff val="0"/>
+            <a:alphaOff val="0"/>
+          </a:schemeClr>
+        </a:solidFill>
+        <a:ln>
+          <a:noFill/>
+        </a:ln>
+        <a:effectLst/>
+      </dsp:spPr>
+      <dsp:style>
+        <a:lnRef idx="0">
+          <a:scrgbClr r="0" g="0" b="0"/>
+        </a:lnRef>
+        <a:fillRef idx="1">
+          <a:scrgbClr r="0" g="0" b="0"/>
+        </a:fillRef>
+        <a:effectRef idx="0">
+          <a:scrgbClr r="0" g="0" b="0"/>
+        </a:effectRef>
+        <a:fontRef idx="minor"/>
+      </dsp:style>
+    </dsp:sp>
+    <dsp:sp modelId="{8996A687-D7D1-4105-93D7-FEBCB8E8A360}">
+      <dsp:nvSpPr>
+        <dsp:cNvPr id="0" name=""/>
+        <dsp:cNvSpPr/>
+      </dsp:nvSpPr>
+      <dsp:spPr>
+        <a:xfrm>
+          <a:off x="149881" y="2088753"/>
+          <a:ext cx="272779" cy="272512"/>
+        </a:xfrm>
+        <a:prstGeom prst="rect">
+          <a:avLst/>
+        </a:prstGeom>
+        <a:blipFill>
+          <a:blip xmlns:r="http://schemas.openxmlformats.org/officeDocument/2006/relationships" r:embed="rId7">
+            <a:extLst>
+              <a:ext uri="{28A0092B-C50C-407E-A947-70E740481C1C}">
+                <a14:useLocalDpi xmlns:a14="http://schemas.microsoft.com/office/drawing/2010/main" val="0"/>
+              </a:ext>
+              <a:ext uri="{96DAC541-7B7A-43D3-8B79-37D633B846F1}">
+                <asvg:svgBlip xmlns:asvg="http://schemas.microsoft.com/office/drawing/2016/SVG/main" r:embed="rId8"/>
+              </a:ext>
+            </a:extLst>
+          </a:blip>
+          <a:stretch>
+            <a:fillRect/>
+          </a:stretch>
+        </a:blipFill>
+        <a:ln w="19050" cap="flat" cmpd="sng" algn="ctr">
+          <a:noFill/>
+          <a:prstDash val="solid"/>
+          <a:miter lim="800000"/>
+        </a:ln>
+        <a:effectLst/>
+      </dsp:spPr>
+      <dsp:style>
+        <a:lnRef idx="2">
+          <a:scrgbClr r="0" g="0" b="0"/>
+        </a:lnRef>
+        <a:fillRef idx="1">
+          <a:scrgbClr r="0" g="0" b="0"/>
+        </a:fillRef>
+        <a:effectRef idx="0">
+          <a:scrgbClr r="0" g="0" b="0"/>
+        </a:effectRef>
+        <a:fontRef idx="minor">
+          <a:schemeClr val="lt1"/>
+        </a:fontRef>
+      </dsp:style>
+    </dsp:sp>
+    <dsp:sp modelId="{BBE2FFED-9EDA-4429-AA59-BF989A8B0DFC}">
+      <dsp:nvSpPr>
+        <dsp:cNvPr id="0" name=""/>
+        <dsp:cNvSpPr/>
+      </dsp:nvSpPr>
+      <dsp:spPr>
+        <a:xfrm>
+          <a:off x="572542" y="1977270"/>
+          <a:ext cx="4368649" cy="526444"/>
+        </a:xfrm>
+        <a:prstGeom prst="rect">
+          <a:avLst/>
+        </a:prstGeom>
+        <a:noFill/>
+        <a:ln>
+          <a:noFill/>
+        </a:ln>
+        <a:effectLst/>
+      </dsp:spPr>
+      <dsp:style>
+        <a:lnRef idx="0">
+          <a:scrgbClr r="0" g="0" b="0"/>
+        </a:lnRef>
+        <a:fillRef idx="0">
+          <a:scrgbClr r="0" g="0" b="0"/>
+        </a:fillRef>
+        <a:effectRef idx="0">
+          <a:scrgbClr r="0" g="0" b="0"/>
+        </a:effectRef>
+        <a:fontRef idx="minor"/>
+      </dsp:style>
+      <dsp:txBody>
+        <a:bodyPr spcFirstLastPara="0" vert="horz" wrap="square" lIns="55715" tIns="55715" rIns="55715" bIns="55715" numCol="1" spcCol="1270" anchor="ctr" anchorCtr="0">
+          <a:noAutofit/>
+        </a:bodyPr>
+        <a:lstStyle/>
+        <a:p>
+          <a:pPr marL="0" lvl="0" indent="0" algn="l" defTabSz="622300">
+            <a:lnSpc>
+              <a:spcPct val="100000"/>
+            </a:lnSpc>
+            <a:spcBef>
+              <a:spcPct val="0"/>
+            </a:spcBef>
+            <a:spcAft>
+              <a:spcPct val="35000"/>
+            </a:spcAft>
+            <a:buNone/>
+          </a:pPr>
+          <a:r>
+            <a:rPr lang="fr-FR" sz="1400" b="1" i="0" kern="1200"/>
+            <a:t>DCL (Data Control Language)</a:t>
+          </a:r>
+          <a:r>
+            <a:rPr lang="fr-FR" sz="1400" b="0" i="0" kern="1200"/>
+            <a:t> : Gestion des autorisations avec GRANT et REVOKE.</a:t>
+          </a:r>
+          <a:endParaRPr lang="en-US" sz="1400" kern="1200"/>
+        </a:p>
+      </dsp:txBody>
+      <dsp:txXfrm>
+        <a:off x="572542" y="1977270"/>
+        <a:ext cx="4368649" cy="526444"/>
+      </dsp:txXfrm>
+    </dsp:sp>
+    <dsp:sp modelId="{B8BDA252-5ADF-46A1-8BF6-DEEA7E371B30}">
+      <dsp:nvSpPr>
+        <dsp:cNvPr id="0" name=""/>
+        <dsp:cNvSpPr/>
+      </dsp:nvSpPr>
+      <dsp:spPr>
+        <a:xfrm>
+          <a:off x="0" y="2635326"/>
+          <a:ext cx="4958533" cy="495477"/>
+        </a:xfrm>
+        <a:prstGeom prst="roundRect">
+          <a:avLst>
+            <a:gd name="adj" fmla="val 10000"/>
+          </a:avLst>
+        </a:prstGeom>
+        <a:solidFill>
+          <a:schemeClr val="bg1">
+            <a:lumMod val="95000"/>
+            <a:hueOff val="0"/>
+            <a:satOff val="0"/>
+            <a:lumOff val="0"/>
+            <a:alphaOff val="0"/>
+          </a:schemeClr>
+        </a:solidFill>
+        <a:ln>
+          <a:noFill/>
+        </a:ln>
+        <a:effectLst/>
+      </dsp:spPr>
+      <dsp:style>
+        <a:lnRef idx="0">
+          <a:scrgbClr r="0" g="0" b="0"/>
+        </a:lnRef>
+        <a:fillRef idx="1">
+          <a:scrgbClr r="0" g="0" b="0"/>
+        </a:fillRef>
+        <a:effectRef idx="0">
+          <a:scrgbClr r="0" g="0" b="0"/>
+        </a:effectRef>
+        <a:fontRef idx="minor"/>
+      </dsp:style>
+    </dsp:sp>
+    <dsp:sp modelId="{67E1174B-657B-4A03-8576-701BA90A69F0}">
+      <dsp:nvSpPr>
+        <dsp:cNvPr id="0" name=""/>
+        <dsp:cNvSpPr/>
+      </dsp:nvSpPr>
+      <dsp:spPr>
+        <a:xfrm>
+          <a:off x="149881" y="2746809"/>
+          <a:ext cx="272779" cy="272512"/>
+        </a:xfrm>
+        <a:prstGeom prst="rect">
+          <a:avLst/>
+        </a:prstGeom>
+        <a:blipFill>
+          <a:blip xmlns:r="http://schemas.openxmlformats.org/officeDocument/2006/relationships" r:embed="rId9">
+            <a:extLst>
+              <a:ext uri="{28A0092B-C50C-407E-A947-70E740481C1C}">
+                <a14:useLocalDpi xmlns:a14="http://schemas.microsoft.com/office/drawing/2010/main" val="0"/>
+              </a:ext>
+              <a:ext uri="{96DAC541-7B7A-43D3-8B79-37D633B846F1}">
+                <asvg:svgBlip xmlns:asvg="http://schemas.microsoft.com/office/drawing/2016/SVG/main" r:embed="rId10"/>
+              </a:ext>
+            </a:extLst>
+          </a:blip>
+          <a:stretch>
+            <a:fillRect/>
+          </a:stretch>
+        </a:blipFill>
+        <a:ln w="19050" cap="flat" cmpd="sng" algn="ctr">
+          <a:noFill/>
+          <a:prstDash val="solid"/>
+          <a:miter lim="800000"/>
+        </a:ln>
+        <a:effectLst/>
+      </dsp:spPr>
+      <dsp:style>
+        <a:lnRef idx="2">
+          <a:scrgbClr r="0" g="0" b="0"/>
+        </a:lnRef>
+        <a:fillRef idx="1">
+          <a:scrgbClr r="0" g="0" b="0"/>
+        </a:fillRef>
+        <a:effectRef idx="0">
+          <a:scrgbClr r="0" g="0" b="0"/>
+        </a:effectRef>
+        <a:fontRef idx="minor">
+          <a:schemeClr val="lt1"/>
+        </a:fontRef>
+      </dsp:style>
+    </dsp:sp>
+    <dsp:sp modelId="{A6A755C4-F807-46A4-A78A-8A44D9A4F932}">
+      <dsp:nvSpPr>
+        <dsp:cNvPr id="0" name=""/>
+        <dsp:cNvSpPr/>
+      </dsp:nvSpPr>
+      <dsp:spPr>
+        <a:xfrm>
+          <a:off x="572542" y="2635326"/>
+          <a:ext cx="4368649" cy="526444"/>
+        </a:xfrm>
+        <a:prstGeom prst="rect">
+          <a:avLst/>
+        </a:prstGeom>
+        <a:noFill/>
+        <a:ln>
+          <a:noFill/>
+        </a:ln>
+        <a:effectLst/>
+      </dsp:spPr>
+      <dsp:style>
+        <a:lnRef idx="0">
+          <a:scrgbClr r="0" g="0" b="0"/>
+        </a:lnRef>
+        <a:fillRef idx="0">
+          <a:scrgbClr r="0" g="0" b="0"/>
+        </a:fillRef>
+        <a:effectRef idx="0">
+          <a:scrgbClr r="0" g="0" b="0"/>
+        </a:effectRef>
+        <a:fontRef idx="minor"/>
+      </dsp:style>
+      <dsp:txBody>
+        <a:bodyPr spcFirstLastPara="0" vert="horz" wrap="square" lIns="55715" tIns="55715" rIns="55715" bIns="55715" numCol="1" spcCol="1270" anchor="ctr" anchorCtr="0">
+          <a:noAutofit/>
+        </a:bodyPr>
+        <a:lstStyle/>
+        <a:p>
+          <a:pPr marL="0" lvl="0" indent="0" algn="l" defTabSz="622300">
+            <a:lnSpc>
+              <a:spcPct val="100000"/>
+            </a:lnSpc>
+            <a:spcBef>
+              <a:spcPct val="0"/>
+            </a:spcBef>
+            <a:spcAft>
+              <a:spcPct val="35000"/>
+            </a:spcAft>
+            <a:buNone/>
+          </a:pPr>
+          <a:r>
+            <a:rPr lang="fr-FR" sz="1400" b="1" i="0" kern="1200"/>
+            <a:t>DML (Data Manipulation Language)</a:t>
+          </a:r>
+          <a:r>
+            <a:rPr lang="fr-FR" sz="1400" b="0" i="0" kern="1200"/>
+            <a:t> : Modification des données avec INSERT, UPDATE, DELETE.</a:t>
+          </a:r>
+          <a:endParaRPr lang="en-US" sz="1400" kern="1200"/>
+        </a:p>
+      </dsp:txBody>
+      <dsp:txXfrm>
+        <a:off x="572542" y="2635326"/>
+        <a:ext cx="4368649" cy="526444"/>
+      </dsp:txXfrm>
+    </dsp:sp>
+    <dsp:sp modelId="{761EA056-0EC6-4767-A83B-6B6233980F30}">
+      <dsp:nvSpPr>
+        <dsp:cNvPr id="0" name=""/>
+        <dsp:cNvSpPr/>
+      </dsp:nvSpPr>
+      <dsp:spPr>
+        <a:xfrm>
+          <a:off x="0" y="3293382"/>
+          <a:ext cx="4958533" cy="495477"/>
+        </a:xfrm>
+        <a:prstGeom prst="roundRect">
+          <a:avLst>
+            <a:gd name="adj" fmla="val 10000"/>
+          </a:avLst>
+        </a:prstGeom>
+        <a:solidFill>
+          <a:schemeClr val="bg1">
+            <a:lumMod val="95000"/>
+            <a:hueOff val="0"/>
+            <a:satOff val="0"/>
+            <a:lumOff val="0"/>
+            <a:alphaOff val="0"/>
+          </a:schemeClr>
+        </a:solidFill>
+        <a:ln>
+          <a:noFill/>
+        </a:ln>
+        <a:effectLst/>
+      </dsp:spPr>
+      <dsp:style>
+        <a:lnRef idx="0">
+          <a:scrgbClr r="0" g="0" b="0"/>
+        </a:lnRef>
+        <a:fillRef idx="1">
+          <a:scrgbClr r="0" g="0" b="0"/>
+        </a:fillRef>
+        <a:effectRef idx="0">
+          <a:scrgbClr r="0" g="0" b="0"/>
+        </a:effectRef>
+        <a:fontRef idx="minor"/>
+      </dsp:style>
+    </dsp:sp>
+    <dsp:sp modelId="{A903E076-74D7-46CB-8552-2FF8900B6BFA}">
+      <dsp:nvSpPr>
+        <dsp:cNvPr id="0" name=""/>
+        <dsp:cNvSpPr/>
+      </dsp:nvSpPr>
+      <dsp:spPr>
+        <a:xfrm>
+          <a:off x="149881" y="3404865"/>
+          <a:ext cx="272779" cy="272512"/>
+        </a:xfrm>
+        <a:prstGeom prst="rect">
+          <a:avLst/>
+        </a:prstGeom>
+        <a:blipFill>
+          <a:blip xmlns:r="http://schemas.openxmlformats.org/officeDocument/2006/relationships" r:embed="rId11">
+            <a:extLst>
+              <a:ext uri="{28A0092B-C50C-407E-A947-70E740481C1C}">
+                <a14:useLocalDpi xmlns:a14="http://schemas.microsoft.com/office/drawing/2010/main" val="0"/>
+              </a:ext>
+              <a:ext uri="{96DAC541-7B7A-43D3-8B79-37D633B846F1}">
+                <asvg:svgBlip xmlns:asvg="http://schemas.microsoft.com/office/drawing/2016/SVG/main" r:embed="rId12"/>
+              </a:ext>
+            </a:extLst>
+          </a:blip>
+          <a:stretch>
+            <a:fillRect/>
+          </a:stretch>
+        </a:blipFill>
+        <a:ln w="19050" cap="flat" cmpd="sng" algn="ctr">
+          <a:noFill/>
+          <a:prstDash val="solid"/>
+          <a:miter lim="800000"/>
+        </a:ln>
+        <a:effectLst/>
+      </dsp:spPr>
+      <dsp:style>
+        <a:lnRef idx="2">
+          <a:scrgbClr r="0" g="0" b="0"/>
+        </a:lnRef>
+        <a:fillRef idx="1">
+          <a:scrgbClr r="0" g="0" b="0"/>
+        </a:fillRef>
+        <a:effectRef idx="0">
+          <a:scrgbClr r="0" g="0" b="0"/>
+        </a:effectRef>
+        <a:fontRef idx="minor">
+          <a:schemeClr val="lt1"/>
+        </a:fontRef>
+      </dsp:style>
+    </dsp:sp>
+    <dsp:sp modelId="{F763F331-2210-462C-8C69-3E88851EE8C3}">
+      <dsp:nvSpPr>
+        <dsp:cNvPr id="0" name=""/>
+        <dsp:cNvSpPr/>
+      </dsp:nvSpPr>
+      <dsp:spPr>
+        <a:xfrm>
+          <a:off x="572542" y="3293382"/>
+          <a:ext cx="4368649" cy="526444"/>
+        </a:xfrm>
+        <a:prstGeom prst="rect">
+          <a:avLst/>
+        </a:prstGeom>
+        <a:noFill/>
+        <a:ln>
+          <a:noFill/>
+        </a:ln>
+        <a:effectLst/>
+      </dsp:spPr>
+      <dsp:style>
+        <a:lnRef idx="0">
+          <a:scrgbClr r="0" g="0" b="0"/>
+        </a:lnRef>
+        <a:fillRef idx="0">
+          <a:scrgbClr r="0" g="0" b="0"/>
+        </a:fillRef>
+        <a:effectRef idx="0">
+          <a:scrgbClr r="0" g="0" b="0"/>
+        </a:effectRef>
+        <a:fontRef idx="minor"/>
+      </dsp:style>
+      <dsp:txBody>
+        <a:bodyPr spcFirstLastPara="0" vert="horz" wrap="square" lIns="55715" tIns="55715" rIns="55715" bIns="55715" numCol="1" spcCol="1270" anchor="ctr" anchorCtr="0">
+          <a:noAutofit/>
+        </a:bodyPr>
+        <a:lstStyle/>
+        <a:p>
+          <a:pPr marL="0" lvl="0" indent="0" algn="l" defTabSz="622300">
+            <a:lnSpc>
+              <a:spcPct val="100000"/>
+            </a:lnSpc>
+            <a:spcBef>
+              <a:spcPct val="0"/>
+            </a:spcBef>
+            <a:spcAft>
+              <a:spcPct val="35000"/>
+            </a:spcAft>
+            <a:buNone/>
+          </a:pPr>
+          <a:r>
+            <a:rPr lang="fr-FR" sz="1400" b="1" i="0" kern="1200"/>
+            <a:t>TCL (Transaction Control Language)</a:t>
+          </a:r>
+          <a:r>
+            <a:rPr lang="fr-FR" sz="1400" b="0" i="0" kern="1200"/>
+            <a:t> : Gestion des transactions avec COMMIT, ROLLBACK, SAVEPOINT, etc.</a:t>
+          </a:r>
+          <a:endParaRPr lang="en-US" sz="1400" kern="1200"/>
+        </a:p>
+      </dsp:txBody>
+      <dsp:txXfrm>
+        <a:off x="572542" y="3293382"/>
+        <a:ext cx="4368649" cy="526444"/>
+      </dsp:txXfrm>
+    </dsp:sp>
+  </dsp:spTree>
+</dsp:drawing>
+</file>
+
 <file path=ppt/diagrams/layout1.xml><?xml version="1.0" encoding="utf-8"?>
 <dgm:layoutDef xmlns:dgm="http://schemas.openxmlformats.org/drawingml/2006/diagram" xmlns:a="http://schemas.openxmlformats.org/drawingml/2006/main" uniqueId="urn:microsoft.com/office/officeart/2005/8/layout/list1">
   <dgm:title val=""/>
@@ -13861,6 +16234,300 @@
 </dgm:layoutDef>
 </file>
 
+<file path=ppt/diagrams/layout8.xml><?xml version="1.0" encoding="utf-8"?>
+<dgm:layoutDef xmlns:dgm="http://schemas.openxmlformats.org/drawingml/2006/diagram" xmlns:a="http://schemas.openxmlformats.org/drawingml/2006/main" uniqueId="urn:microsoft.com/office/officeart/2018/2/layout/IconVerticalSolidList">
+  <dgm:title val="Icon Vertical Solid List"/>
+  <dgm:desc val="Use to show a series of visuals from top to bottom with Level 1 or Level 1 and Level 2 text grouped in a shape. Works best with icons or small pictures with lengthier descriptions."/>
+  <dgm:catLst>
+    <dgm:cat type="icon" pri="500"/>
+  </dgm:catLst>
+  <dgm:sampData useDef="1">
+    <dgm:dataModel>
+      <dgm:ptLst/>
+      <dgm:bg/>
+      <dgm:whole/>
+    </dgm:dataModel>
+  </dgm:sampData>
+  <dgm:styleData useDef="1">
+    <dgm:dataModel>
+      <dgm:ptLst/>
+      <dgm:bg/>
+      <dgm:whole/>
+    </dgm:dataModel>
+  </dgm:styleData>
+  <dgm:clrData useDef="1">
+    <dgm:dataModel>
+      <dgm:ptLst/>
+      <dgm:bg/>
+      <dgm:whole/>
+    </dgm:dataModel>
+  </dgm:clrData>
+  <dgm:layoutNode name="root">
+    <dgm:varLst>
+      <dgm:dir/>
+      <dgm:resizeHandles val="exact"/>
+    </dgm:varLst>
+    <dgm:choose name="Name0">
+      <dgm:if name="Name1" axis="self" func="var" arg="dir" op="equ" val="norm">
+        <dgm:alg type="lin">
+          <dgm:param type="linDir" val="fromT"/>
+          <dgm:param type="nodeHorzAlign" val="l"/>
+        </dgm:alg>
+      </dgm:if>
+      <dgm:else name="Name2">
+        <dgm:alg type="lin">
+          <dgm:param type="linDir" val="fromT"/>
+          <dgm:param type="nodeHorzAlign" val="r"/>
+        </dgm:alg>
+      </dgm:else>
+    </dgm:choose>
+    <dgm:shape xmlns:r="http://schemas.openxmlformats.org/officeDocument/2006/relationships" r:blip="">
+      <dgm:adjLst/>
+    </dgm:shape>
+    <dgm:presOf/>
+    <dgm:choose name="Name3">
+      <dgm:if name="Name4" axis="ch" ptType="node" func="cnt" op="lte" val="3">
+        <dgm:constrLst>
+          <dgm:constr type="h" for="ch" forName="compNode" refType="h" fact="0.3"/>
+          <dgm:constr type="w" for="ch" forName="compNode" refType="w"/>
+          <dgm:constr type="h" for="ch" forName="sibTrans" refType="h" refFor="ch" refForName="compNode" fact="0.25"/>
+          <dgm:constr type="primFontSz" for="des" forName="parTx" val="25"/>
+          <dgm:constr type="primFontSz" for="des" forName="desTx" refType="primFontSz" refFor="des" refForName="parTx" op="lte" fact="0.75"/>
+          <dgm:constr type="h" for="des" forName="compNode" op="equ"/>
+          <dgm:constr type="h" for="des" forName="bgRect" op="equ"/>
+          <dgm:constr type="h" for="des" forName="iconRect" op="equ"/>
+          <dgm:constr type="w" for="des" forName="iconRect" op="equ"/>
+          <dgm:constr type="h" for="des" forName="spaceRect" op="equ"/>
+          <dgm:constr type="h" for="des" forName="parTx" op="equ"/>
+          <dgm:constr type="h" for="des" forName="desTx" op="equ"/>
+        </dgm:constrLst>
+      </dgm:if>
+      <dgm:if name="Name5" axis="ch" ptType="node" func="cnt" op="lte" val="4">
+        <dgm:constrLst>
+          <dgm:constr type="h" for="ch" forName="compNode" refType="h" fact="0.3"/>
+          <dgm:constr type="w" for="ch" forName="compNode" refType="w"/>
+          <dgm:constr type="h" for="ch" forName="sibTrans" refType="h" refFor="ch" refForName="compNode" fact="0.25"/>
+          <dgm:constr type="primFontSz" for="des" forName="parTx" val="22"/>
+          <dgm:constr type="primFontSz" for="des" forName="desTx" refType="primFontSz" refFor="des" refForName="parTx" op="lte" fact="0.75"/>
+          <dgm:constr type="h" for="des" forName="compNode" op="equ"/>
+          <dgm:constr type="h" for="des" forName="bgRect" op="equ"/>
+          <dgm:constr type="h" for="des" forName="iconRect" op="equ"/>
+          <dgm:constr type="w" for="des" forName="iconRect" op="equ"/>
+          <dgm:constr type="h" for="des" forName="spaceRect" op="equ"/>
+          <dgm:constr type="h" for="des" forName="parTx" op="equ"/>
+          <dgm:constr type="h" for="des" forName="desTx" op="equ"/>
+        </dgm:constrLst>
+      </dgm:if>
+      <dgm:if name="Name6" axis="ch" ptType="node" func="cnt" op="lte" val="6">
+        <dgm:constrLst>
+          <dgm:constr type="h" for="ch" forName="compNode" refType="h" fact="0.3"/>
+          <dgm:constr type="w" for="ch" forName="compNode" refType="w"/>
+          <dgm:constr type="h" for="ch" forName="sibTrans" refType="h" refFor="ch" refForName="compNode" fact="0.25"/>
+          <dgm:constr type="primFontSz" for="des" forName="parTx" val="19"/>
+          <dgm:constr type="primFontSz" for="des" forName="desTx" refType="primFontSz" refFor="des" refForName="parTx" op="lte" fact="0.75"/>
+          <dgm:constr type="h" for="des" forName="compNode" op="equ"/>
+          <dgm:constr type="h" for="des" forName="bgRect" op="equ"/>
+          <dgm:constr type="h" for="des" forName="iconRect" op="equ"/>
+          <dgm:constr type="w" for="des" forName="iconRect" op="equ"/>
+          <dgm:constr type="h" for="des" forName="spaceRect" op="equ"/>
+          <dgm:constr type="h" for="des" forName="parTx" op="equ"/>
+          <dgm:constr type="h" for="des" forName="desTx" op="equ"/>
+        </dgm:constrLst>
+      </dgm:if>
+      <dgm:else name="Name7">
+        <dgm:constrLst>
+          <dgm:constr type="h" for="ch" forName="compNode" refType="h" fact="0.3"/>
+          <dgm:constr type="w" for="ch" forName="compNode" refType="w"/>
+          <dgm:constr type="h" for="ch" forName="sibTrans" refType="h" refFor="ch" refForName="compNode" fact="0.25"/>
+          <dgm:constr type="primFontSz" for="des" forName="parTx" val="16"/>
+          <dgm:constr type="primFontSz" for="des" forName="desTx" refType="primFontSz" refFor="des" refForName="parTx" op="lte" fact="0.75"/>
+          <dgm:constr type="h" for="des" forName="compNode" op="equ"/>
+          <dgm:constr type="h" for="des" forName="bgRect" op="equ"/>
+          <dgm:constr type="h" for="des" forName="iconRect" op="equ"/>
+          <dgm:constr type="w" for="des" forName="iconRect" op="equ"/>
+          <dgm:constr type="h" for="des" forName="spaceRect" op="equ"/>
+          <dgm:constr type="h" for="des" forName="parTx" op="equ"/>
+          <dgm:constr type="h" for="des" forName="desTx" op="equ"/>
+        </dgm:constrLst>
+      </dgm:else>
+    </dgm:choose>
+    <dgm:ruleLst>
+      <dgm:rule type="h" for="ch" forName="compNode" val="0" fact="NaN" max="NaN"/>
+    </dgm:ruleLst>
+    <dgm:forEach name="Name8" axis="ch" ptType="node">
+      <dgm:layoutNode name="compNode">
+        <dgm:alg type="composite"/>
+        <dgm:shape xmlns:r="http://schemas.openxmlformats.org/officeDocument/2006/relationships" r:blip="">
+          <dgm:adjLst/>
+        </dgm:shape>
+        <dgm:presOf axis="self"/>
+        <dgm:choose name="Name9">
+          <dgm:if name="Name10" axis="ch" ptType="node" func="cnt" op="gte" val="1">
+            <dgm:constrLst>
+              <dgm:constr type="w" for="ch" forName="bgRect" refType="w"/>
+              <dgm:constr type="h" for="ch" forName="bgRect" refType="h"/>
+              <dgm:constr type="l" for="ch" forName="bgRect"/>
+              <dgm:constr type="t" for="ch" forName="bgRect"/>
+              <dgm:constr type="h" for="ch" forName="iconRect" refType="h" fact="0.55"/>
+              <dgm:constr type="w" for="ch" forName="iconRect" refType="h" refFor="ch" refForName="iconRect"/>
+              <dgm:constr type="l" for="ch" forName="iconRect" refType="h" refFor="ch" refForName="iconRect" fact="0.55"/>
+              <dgm:constr type="ctrY" for="ch" forName="iconRect" refType="ctrY" refFor="ch" refForName="bgRect"/>
+              <dgm:constr type="w" for="ch" forName="spaceRect" refType="l" refFor="ch" refForName="iconRect"/>
+              <dgm:constr type="h" for="ch" forName="spaceRect" refType="h"/>
+              <dgm:constr type="l" for="ch" forName="spaceRect" refType="r" refFor="ch" refForName="iconRect"/>
+              <dgm:constr type="t" for="ch" forName="spaceRect"/>
+              <dgm:constr type="w" for="ch" forName="parTx" refType="w" fact="0.45"/>
+              <dgm:constr type="h" for="ch" forName="parTx" refType="h"/>
+              <dgm:constr type="l" for="ch" forName="parTx" refType="r" refFor="ch" refForName="spaceRect"/>
+              <dgm:constr type="t" for="ch" forName="parTx"/>
+              <dgm:constr type="h" for="ch" forName="desTx" refType="h"/>
+              <dgm:constr type="l" for="ch" forName="desTx" refType="r" refFor="ch" refForName="parTx"/>
+              <dgm:constr type="t" for="ch" forName="desTx"/>
+            </dgm:constrLst>
+          </dgm:if>
+          <dgm:else name="Name11">
+            <dgm:constrLst>
+              <dgm:constr type="w" for="ch" forName="bgRect" refType="w"/>
+              <dgm:constr type="h" for="ch" forName="bgRect" refType="h"/>
+              <dgm:constr type="l" for="ch" forName="bgRect"/>
+              <dgm:constr type="t" for="ch" forName="bgRect"/>
+              <dgm:constr type="h" for="ch" forName="iconRect" refType="h" fact="0.55"/>
+              <dgm:constr type="w" for="ch" forName="iconRect" refType="h" refFor="ch" refForName="iconRect"/>
+              <dgm:constr type="l" for="ch" forName="iconRect" refType="h" refFor="ch" refForName="iconRect" fact="0.55"/>
+              <dgm:constr type="ctrY" for="ch" forName="iconRect" refType="ctrY" refFor="ch" refForName="bgRect"/>
+              <dgm:constr type="w" for="ch" forName="spaceRect" refType="l" refFor="ch" refForName="iconRect"/>
+              <dgm:constr type="h" for="ch" forName="spaceRect" refType="h"/>
+              <dgm:constr type="l" for="ch" forName="spaceRect" refType="r" refFor="ch" refForName="iconRect"/>
+              <dgm:constr type="t" for="ch" forName="spaceRect"/>
+              <dgm:constr type="h" for="ch" forName="parTx" refType="h"/>
+              <dgm:constr type="l" for="ch" forName="parTx" refType="r" refFor="ch" refForName="spaceRect"/>
+              <dgm:constr type="t" for="ch" forName="parTx"/>
+            </dgm:constrLst>
+          </dgm:else>
+        </dgm:choose>
+        <dgm:ruleLst>
+          <dgm:rule type="h" val="INF" fact="NaN" max="NaN"/>
+        </dgm:ruleLst>
+        <dgm:layoutNode name="bgRect" styleLbl="bgShp">
+          <dgm:alg type="sp"/>
+          <dgm:shape xmlns:r="http://schemas.openxmlformats.org/officeDocument/2006/relationships" type="roundRect" r:blip="">
+            <dgm:adjLst>
+              <dgm:adj idx="1" val="0.1"/>
+            </dgm:adjLst>
+          </dgm:shape>
+          <dgm:presOf/>
+          <dgm:constrLst/>
+          <dgm:ruleLst/>
+        </dgm:layoutNode>
+        <dgm:layoutNode name="iconRect" styleLbl="node1">
+          <dgm:alg type="sp"/>
+          <dgm:shape xmlns:r="http://schemas.openxmlformats.org/officeDocument/2006/relationships" type="rect" r:blip="" blipPhldr="1">
+            <dgm:adjLst/>
+          </dgm:shape>
+          <dgm:presOf/>
+          <dgm:constrLst/>
+          <dgm:ruleLst/>
+        </dgm:layoutNode>
+        <dgm:layoutNode name="spaceRect">
+          <dgm:alg type="sp"/>
+          <dgm:shape xmlns:r="http://schemas.openxmlformats.org/officeDocument/2006/relationships" r:blip="">
+            <dgm:adjLst/>
+          </dgm:shape>
+          <dgm:presOf/>
+          <dgm:constrLst/>
+          <dgm:ruleLst/>
+        </dgm:layoutNode>
+        <dgm:layoutNode name="parTx" styleLbl="revTx">
+          <dgm:varLst>
+            <dgm:chMax val="0"/>
+            <dgm:chPref val="0"/>
+          </dgm:varLst>
+          <dgm:alg type="tx">
+            <dgm:param type="txAnchorVert" val="mid"/>
+            <dgm:param type="parTxLTRAlign" val="l"/>
+            <dgm:param type="shpTxLTRAlignCh" val="l"/>
+            <dgm:param type="parTxRTLAlign" val="r"/>
+            <dgm:param type="shpTxRTLAlignCh" val="r"/>
+          </dgm:alg>
+          <dgm:shape xmlns:r="http://schemas.openxmlformats.org/officeDocument/2006/relationships" type="rect" r:blip="">
+            <dgm:adjLst/>
+          </dgm:shape>
+          <dgm:presOf axis="self" ptType="node"/>
+          <dgm:constrLst>
+            <dgm:constr type="lMarg" refType="h" fact="0.3"/>
+            <dgm:constr type="rMarg" refType="h" fact="0.3"/>
+            <dgm:constr type="tMarg" refType="h" fact="0.3"/>
+            <dgm:constr type="bMarg" refType="h" fact="0.3"/>
+          </dgm:constrLst>
+          <dgm:ruleLst>
+            <dgm:rule type="primFontSz" val="14" fact="NaN" max="NaN"/>
+            <dgm:rule type="h" val="INF" fact="NaN" max="NaN"/>
+          </dgm:ruleLst>
+        </dgm:layoutNode>
+        <dgm:choose name="Name12">
+          <dgm:if name="Name13" axis="ch" ptType="node" func="cnt" op="gte" val="1">
+            <dgm:layoutNode name="desTx" styleLbl="revTx">
+              <dgm:varLst/>
+              <dgm:alg type="tx">
+                <dgm:param type="txAnchorVertCh" val="mid"/>
+                <dgm:param type="parTxLTRAlign" val="l"/>
+                <dgm:param type="shpTxLTRAlignCh" val="l"/>
+                <dgm:param type="parTxRTLAlign" val="r"/>
+                <dgm:param type="shpTxRTLAlignCh" val="r"/>
+                <dgm:param type="stBulletLvl" val="0"/>
+              </dgm:alg>
+              <dgm:shape xmlns:r="http://schemas.openxmlformats.org/officeDocument/2006/relationships" type="rect" r:blip="">
+                <dgm:adjLst/>
+              </dgm:shape>
+              <dgm:presOf axis="des" ptType="node"/>
+              <dgm:constrLst>
+                <dgm:constr type="primFontSz" val="18"/>
+                <dgm:constr type="secFontSz" refType="primFontSz"/>
+                <dgm:constr type="lMarg" refType="h" fact="0.3"/>
+                <dgm:constr type="rMarg" refType="h" fact="0.3"/>
+                <dgm:constr type="tMarg" refType="h" fact="0.3"/>
+                <dgm:constr type="bMarg" refType="h" fact="0.3"/>
+              </dgm:constrLst>
+              <dgm:ruleLst>
+                <dgm:rule type="primFontSz" val="11" fact="NaN" max="NaN"/>
+              </dgm:ruleLst>
+            </dgm:layoutNode>
+          </dgm:if>
+          <dgm:else name="Name14"/>
+        </dgm:choose>
+      </dgm:layoutNode>
+      <dgm:forEach name="Name15" axis="followSib" ptType="sibTrans" cnt="1">
+        <dgm:layoutNode name="sibTrans">
+          <dgm:alg type="sp"/>
+          <dgm:shape xmlns:r="http://schemas.openxmlformats.org/officeDocument/2006/relationships" r:blip="">
+            <dgm:adjLst/>
+          </dgm:shape>
+          <dgm:presOf axis="self"/>
+          <dgm:constrLst/>
+          <dgm:ruleLst/>
+        </dgm:layoutNode>
+      </dgm:forEach>
+    </dgm:forEach>
+  </dgm:layoutNode>
+  <dgm:extLst>
+    <a:ext uri="{68A01E43-0DF5-4B5B-8FA6-DAF915123BFB}">
+      <dgm1612:lstStyle xmlns:dgm1612="http://schemas.microsoft.com/office/drawing/2016/12/diagram">
+        <a:lvl1pPr>
+          <a:lnSpc>
+            <a:spcPct val="100000"/>
+          </a:lnSpc>
+        </a:lvl1pPr>
+        <a:lvl2pPr>
+          <a:lnSpc>
+            <a:spcPct val="100000"/>
+          </a:lnSpc>
+        </a:lvl2pPr>
+      </dgm1612:lstStyle>
+    </a:ext>
+  </dgm:extLst>
+</dgm:layoutDef>
+</file>
+
 <file path=ppt/diagrams/quickStyle1.xml><?xml version="1.0" encoding="utf-8"?>
 <dgm:styleDef xmlns:dgm="http://schemas.openxmlformats.org/drawingml/2006/diagram" xmlns:a="http://schemas.openxmlformats.org/drawingml/2006/main" uniqueId="urn:microsoft.com/office/officeart/2005/8/quickstyle/simple4">
   <dgm:title val=""/>
@@ -21071,6 +23738,1040 @@
         <a:scrgbClr r="0" g="0" b="0"/>
       </a:fillRef>
       <a:effectRef idx="1">
+        <a:scrgbClr r="0" g="0" b="0"/>
+      </a:effectRef>
+      <a:fontRef idx="minor"/>
+    </dgm:style>
+  </dgm:styleLbl>
+  <dgm:styleLbl name="revTx">
+    <dgm:scene3d>
+      <a:camera prst="orthographicFront"/>
+      <a:lightRig rig="threePt" dir="t"/>
+    </dgm:scene3d>
+    <dgm:sp3d/>
+    <dgm:txPr/>
+    <dgm:style>
+      <a:lnRef idx="0">
+        <a:scrgbClr r="0" g="0" b="0"/>
+      </a:lnRef>
+      <a:fillRef idx="0">
+        <a:scrgbClr r="0" g="0" b="0"/>
+      </a:fillRef>
+      <a:effectRef idx="0">
+        <a:scrgbClr r="0" g="0" b="0"/>
+      </a:effectRef>
+      <a:fontRef idx="minor"/>
+    </dgm:style>
+  </dgm:styleLbl>
+</dgm:styleDef>
+</file>
+
+<file path=ppt/diagrams/quickStyle8.xml><?xml version="1.0" encoding="utf-8"?>
+<dgm:styleDef xmlns:dgm="http://schemas.openxmlformats.org/drawingml/2006/diagram" xmlns:a="http://schemas.openxmlformats.org/drawingml/2006/main" uniqueId="urn:microsoft.com/office/officeart/2005/8/quickstyle/simple1">
+  <dgm:title val=""/>
+  <dgm:desc val=""/>
+  <dgm:catLst>
+    <dgm:cat type="simple" pri="10100"/>
+  </dgm:catLst>
+  <dgm:scene3d>
+    <a:camera prst="orthographicFront"/>
+    <a:lightRig rig="threePt" dir="t"/>
+  </dgm:scene3d>
+  <dgm:styleLbl name="node0">
+    <dgm:scene3d>
+      <a:camera prst="orthographicFront"/>
+      <a:lightRig rig="threePt" dir="t"/>
+    </dgm:scene3d>
+    <dgm:sp3d/>
+    <dgm:txPr/>
+    <dgm:style>
+      <a:lnRef idx="2">
+        <a:scrgbClr r="0" g="0" b="0"/>
+      </a:lnRef>
+      <a:fillRef idx="1">
+        <a:scrgbClr r="0" g="0" b="0"/>
+      </a:fillRef>
+      <a:effectRef idx="0">
+        <a:scrgbClr r="0" g="0" b="0"/>
+      </a:effectRef>
+      <a:fontRef idx="minor">
+        <a:schemeClr val="lt1"/>
+      </a:fontRef>
+    </dgm:style>
+  </dgm:styleLbl>
+  <dgm:styleLbl name="lnNode1">
+    <dgm:scene3d>
+      <a:camera prst="orthographicFront"/>
+      <a:lightRig rig="threePt" dir="t"/>
+    </dgm:scene3d>
+    <dgm:sp3d/>
+    <dgm:txPr/>
+    <dgm:style>
+      <a:lnRef idx="2">
+        <a:scrgbClr r="0" g="0" b="0"/>
+      </a:lnRef>
+      <a:fillRef idx="1">
+        <a:scrgbClr r="0" g="0" b="0"/>
+      </a:fillRef>
+      <a:effectRef idx="0">
+        <a:scrgbClr r="0" g="0" b="0"/>
+      </a:effectRef>
+      <a:fontRef idx="minor">
+        <a:schemeClr val="lt1"/>
+      </a:fontRef>
+    </dgm:style>
+  </dgm:styleLbl>
+  <dgm:styleLbl name="vennNode1">
+    <dgm:scene3d>
+      <a:camera prst="orthographicFront"/>
+      <a:lightRig rig="threePt" dir="t"/>
+    </dgm:scene3d>
+    <dgm:sp3d/>
+    <dgm:txPr/>
+    <dgm:style>
+      <a:lnRef idx="2">
+        <a:scrgbClr r="0" g="0" b="0"/>
+      </a:lnRef>
+      <a:fillRef idx="1">
+        <a:scrgbClr r="0" g="0" b="0"/>
+      </a:fillRef>
+      <a:effectRef idx="0">
+        <a:scrgbClr r="0" g="0" b="0"/>
+      </a:effectRef>
+      <a:fontRef idx="minor">
+        <a:schemeClr val="tx1"/>
+      </a:fontRef>
+    </dgm:style>
+  </dgm:styleLbl>
+  <dgm:styleLbl name="alignNode1">
+    <dgm:scene3d>
+      <a:camera prst="orthographicFront"/>
+      <a:lightRig rig="threePt" dir="t"/>
+    </dgm:scene3d>
+    <dgm:sp3d/>
+    <dgm:txPr/>
+    <dgm:style>
+      <a:lnRef idx="2">
+        <a:scrgbClr r="0" g="0" b="0"/>
+      </a:lnRef>
+      <a:fillRef idx="1">
+        <a:scrgbClr r="0" g="0" b="0"/>
+      </a:fillRef>
+      <a:effectRef idx="0">
+        <a:scrgbClr r="0" g="0" b="0"/>
+      </a:effectRef>
+      <a:fontRef idx="minor">
+        <a:schemeClr val="lt1"/>
+      </a:fontRef>
+    </dgm:style>
+  </dgm:styleLbl>
+  <dgm:styleLbl name="node1">
+    <dgm:scene3d>
+      <a:camera prst="orthographicFront"/>
+      <a:lightRig rig="threePt" dir="t"/>
+    </dgm:scene3d>
+    <dgm:sp3d/>
+    <dgm:txPr/>
+    <dgm:style>
+      <a:lnRef idx="2">
+        <a:scrgbClr r="0" g="0" b="0"/>
+      </a:lnRef>
+      <a:fillRef idx="1">
+        <a:scrgbClr r="0" g="0" b="0"/>
+      </a:fillRef>
+      <a:effectRef idx="0">
+        <a:scrgbClr r="0" g="0" b="0"/>
+      </a:effectRef>
+      <a:fontRef idx="minor">
+        <a:schemeClr val="lt1"/>
+      </a:fontRef>
+    </dgm:style>
+  </dgm:styleLbl>
+  <dgm:styleLbl name="node2">
+    <dgm:scene3d>
+      <a:camera prst="orthographicFront"/>
+      <a:lightRig rig="threePt" dir="t"/>
+    </dgm:scene3d>
+    <dgm:sp3d/>
+    <dgm:txPr/>
+    <dgm:style>
+      <a:lnRef idx="2">
+        <a:scrgbClr r="0" g="0" b="0"/>
+      </a:lnRef>
+      <a:fillRef idx="1">
+        <a:scrgbClr r="0" g="0" b="0"/>
+      </a:fillRef>
+      <a:effectRef idx="0">
+        <a:scrgbClr r="0" g="0" b="0"/>
+      </a:effectRef>
+      <a:fontRef idx="minor">
+        <a:schemeClr val="lt1"/>
+      </a:fontRef>
+    </dgm:style>
+  </dgm:styleLbl>
+  <dgm:styleLbl name="node3">
+    <dgm:scene3d>
+      <a:camera prst="orthographicFront"/>
+      <a:lightRig rig="threePt" dir="t"/>
+    </dgm:scene3d>
+    <dgm:sp3d/>
+    <dgm:txPr/>
+    <dgm:style>
+      <a:lnRef idx="2">
+        <a:scrgbClr r="0" g="0" b="0"/>
+      </a:lnRef>
+      <a:fillRef idx="1">
+        <a:scrgbClr r="0" g="0" b="0"/>
+      </a:fillRef>
+      <a:effectRef idx="0">
+        <a:scrgbClr r="0" g="0" b="0"/>
+      </a:effectRef>
+      <a:fontRef idx="minor">
+        <a:schemeClr val="lt1"/>
+      </a:fontRef>
+    </dgm:style>
+  </dgm:styleLbl>
+  <dgm:styleLbl name="node4">
+    <dgm:scene3d>
+      <a:camera prst="orthographicFront"/>
+      <a:lightRig rig="threePt" dir="t"/>
+    </dgm:scene3d>
+    <dgm:sp3d/>
+    <dgm:txPr/>
+    <dgm:style>
+      <a:lnRef idx="2">
+        <a:scrgbClr r="0" g="0" b="0"/>
+      </a:lnRef>
+      <a:fillRef idx="1">
+        <a:scrgbClr r="0" g="0" b="0"/>
+      </a:fillRef>
+      <a:effectRef idx="0">
+        <a:scrgbClr r="0" g="0" b="0"/>
+      </a:effectRef>
+      <a:fontRef idx="minor">
+        <a:schemeClr val="lt1"/>
+      </a:fontRef>
+    </dgm:style>
+  </dgm:styleLbl>
+  <dgm:styleLbl name="fgImgPlace1">
+    <dgm:scene3d>
+      <a:camera prst="orthographicFront"/>
+      <a:lightRig rig="threePt" dir="t"/>
+    </dgm:scene3d>
+    <dgm:sp3d/>
+    <dgm:txPr/>
+    <dgm:style>
+      <a:lnRef idx="2">
+        <a:scrgbClr r="0" g="0" b="0"/>
+      </a:lnRef>
+      <a:fillRef idx="1">
+        <a:scrgbClr r="0" g="0" b="0"/>
+      </a:fillRef>
+      <a:effectRef idx="0">
+        <a:scrgbClr r="0" g="0" b="0"/>
+      </a:effectRef>
+      <a:fontRef idx="minor"/>
+    </dgm:style>
+  </dgm:styleLbl>
+  <dgm:styleLbl name="alignImgPlace1">
+    <dgm:scene3d>
+      <a:camera prst="orthographicFront"/>
+      <a:lightRig rig="threePt" dir="t"/>
+    </dgm:scene3d>
+    <dgm:sp3d/>
+    <dgm:txPr/>
+    <dgm:style>
+      <a:lnRef idx="2">
+        <a:scrgbClr r="0" g="0" b="0"/>
+      </a:lnRef>
+      <a:fillRef idx="1">
+        <a:scrgbClr r="0" g="0" b="0"/>
+      </a:fillRef>
+      <a:effectRef idx="0">
+        <a:scrgbClr r="0" g="0" b="0"/>
+      </a:effectRef>
+      <a:fontRef idx="minor"/>
+    </dgm:style>
+  </dgm:styleLbl>
+  <dgm:styleLbl name="bgImgPlace1">
+    <dgm:scene3d>
+      <a:camera prst="orthographicFront"/>
+      <a:lightRig rig="threePt" dir="t"/>
+    </dgm:scene3d>
+    <dgm:sp3d/>
+    <dgm:txPr/>
+    <dgm:style>
+      <a:lnRef idx="2">
+        <a:scrgbClr r="0" g="0" b="0"/>
+      </a:lnRef>
+      <a:fillRef idx="1">
+        <a:scrgbClr r="0" g="0" b="0"/>
+      </a:fillRef>
+      <a:effectRef idx="0">
+        <a:scrgbClr r="0" g="0" b="0"/>
+      </a:effectRef>
+      <a:fontRef idx="minor"/>
+    </dgm:style>
+  </dgm:styleLbl>
+  <dgm:styleLbl name="sibTrans2D1">
+    <dgm:scene3d>
+      <a:camera prst="orthographicFront"/>
+      <a:lightRig rig="threePt" dir="t"/>
+    </dgm:scene3d>
+    <dgm:sp3d/>
+    <dgm:txPr/>
+    <dgm:style>
+      <a:lnRef idx="0">
+        <a:scrgbClr r="0" g="0" b="0"/>
+      </a:lnRef>
+      <a:fillRef idx="1">
+        <a:scrgbClr r="0" g="0" b="0"/>
+      </a:fillRef>
+      <a:effectRef idx="0">
+        <a:scrgbClr r="0" g="0" b="0"/>
+      </a:effectRef>
+      <a:fontRef idx="minor">
+        <a:schemeClr val="lt1"/>
+      </a:fontRef>
+    </dgm:style>
+  </dgm:styleLbl>
+  <dgm:styleLbl name="fgSibTrans2D1">
+    <dgm:scene3d>
+      <a:camera prst="orthographicFront"/>
+      <a:lightRig rig="threePt" dir="t"/>
+    </dgm:scene3d>
+    <dgm:sp3d/>
+    <dgm:txPr/>
+    <dgm:style>
+      <a:lnRef idx="0">
+        <a:scrgbClr r="0" g="0" b="0"/>
+      </a:lnRef>
+      <a:fillRef idx="1">
+        <a:scrgbClr r="0" g="0" b="0"/>
+      </a:fillRef>
+      <a:effectRef idx="0">
+        <a:scrgbClr r="0" g="0" b="0"/>
+      </a:effectRef>
+      <a:fontRef idx="minor">
+        <a:schemeClr val="lt1"/>
+      </a:fontRef>
+    </dgm:style>
+  </dgm:styleLbl>
+  <dgm:styleLbl name="bgSibTrans2D1">
+    <dgm:scene3d>
+      <a:camera prst="orthographicFront"/>
+      <a:lightRig rig="threePt" dir="t"/>
+    </dgm:scene3d>
+    <dgm:sp3d/>
+    <dgm:txPr/>
+    <dgm:style>
+      <a:lnRef idx="0">
+        <a:scrgbClr r="0" g="0" b="0"/>
+      </a:lnRef>
+      <a:fillRef idx="1">
+        <a:scrgbClr r="0" g="0" b="0"/>
+      </a:fillRef>
+      <a:effectRef idx="0">
+        <a:scrgbClr r="0" g="0" b="0"/>
+      </a:effectRef>
+      <a:fontRef idx="minor">
+        <a:schemeClr val="lt1"/>
+      </a:fontRef>
+    </dgm:style>
+  </dgm:styleLbl>
+  <dgm:styleLbl name="sibTrans1D1">
+    <dgm:scene3d>
+      <a:camera prst="orthographicFront"/>
+      <a:lightRig rig="threePt" dir="t"/>
+    </dgm:scene3d>
+    <dgm:sp3d/>
+    <dgm:txPr/>
+    <dgm:style>
+      <a:lnRef idx="1">
+        <a:scrgbClr r="0" g="0" b="0"/>
+      </a:lnRef>
+      <a:fillRef idx="0">
+        <a:scrgbClr r="0" g="0" b="0"/>
+      </a:fillRef>
+      <a:effectRef idx="0">
+        <a:scrgbClr r="0" g="0" b="0"/>
+      </a:effectRef>
+      <a:fontRef idx="minor"/>
+    </dgm:style>
+  </dgm:styleLbl>
+  <dgm:styleLbl name="callout">
+    <dgm:scene3d>
+      <a:camera prst="orthographicFront"/>
+      <a:lightRig rig="threePt" dir="t"/>
+    </dgm:scene3d>
+    <dgm:sp3d/>
+    <dgm:txPr/>
+    <dgm:style>
+      <a:lnRef idx="2">
+        <a:scrgbClr r="0" g="0" b="0"/>
+      </a:lnRef>
+      <a:fillRef idx="1">
+        <a:scrgbClr r="0" g="0" b="0"/>
+      </a:fillRef>
+      <a:effectRef idx="0">
+        <a:scrgbClr r="0" g="0" b="0"/>
+      </a:effectRef>
+      <a:fontRef idx="minor"/>
+    </dgm:style>
+  </dgm:styleLbl>
+  <dgm:styleLbl name="asst0">
+    <dgm:scene3d>
+      <a:camera prst="orthographicFront"/>
+      <a:lightRig rig="threePt" dir="t"/>
+    </dgm:scene3d>
+    <dgm:sp3d/>
+    <dgm:txPr/>
+    <dgm:style>
+      <a:lnRef idx="2">
+        <a:scrgbClr r="0" g="0" b="0"/>
+      </a:lnRef>
+      <a:fillRef idx="1">
+        <a:scrgbClr r="0" g="0" b="0"/>
+      </a:fillRef>
+      <a:effectRef idx="0">
+        <a:scrgbClr r="0" g="0" b="0"/>
+      </a:effectRef>
+      <a:fontRef idx="minor">
+        <a:schemeClr val="lt1"/>
+      </a:fontRef>
+    </dgm:style>
+  </dgm:styleLbl>
+  <dgm:styleLbl name="asst1">
+    <dgm:scene3d>
+      <a:camera prst="orthographicFront"/>
+      <a:lightRig rig="threePt" dir="t"/>
+    </dgm:scene3d>
+    <dgm:sp3d/>
+    <dgm:txPr/>
+    <dgm:style>
+      <a:lnRef idx="2">
+        <a:scrgbClr r="0" g="0" b="0"/>
+      </a:lnRef>
+      <a:fillRef idx="1">
+        <a:scrgbClr r="0" g="0" b="0"/>
+      </a:fillRef>
+      <a:effectRef idx="0">
+        <a:scrgbClr r="0" g="0" b="0"/>
+      </a:effectRef>
+      <a:fontRef idx="minor">
+        <a:schemeClr val="lt1"/>
+      </a:fontRef>
+    </dgm:style>
+  </dgm:styleLbl>
+  <dgm:styleLbl name="asst2">
+    <dgm:scene3d>
+      <a:camera prst="orthographicFront"/>
+      <a:lightRig rig="threePt" dir="t"/>
+    </dgm:scene3d>
+    <dgm:sp3d/>
+    <dgm:txPr/>
+    <dgm:style>
+      <a:lnRef idx="2">
+        <a:scrgbClr r="0" g="0" b="0"/>
+      </a:lnRef>
+      <a:fillRef idx="1">
+        <a:scrgbClr r="0" g="0" b="0"/>
+      </a:fillRef>
+      <a:effectRef idx="0">
+        <a:scrgbClr r="0" g="0" b="0"/>
+      </a:effectRef>
+      <a:fontRef idx="minor">
+        <a:schemeClr val="lt1"/>
+      </a:fontRef>
+    </dgm:style>
+  </dgm:styleLbl>
+  <dgm:styleLbl name="asst3">
+    <dgm:scene3d>
+      <a:camera prst="orthographicFront"/>
+      <a:lightRig rig="threePt" dir="t"/>
+    </dgm:scene3d>
+    <dgm:sp3d/>
+    <dgm:txPr/>
+    <dgm:style>
+      <a:lnRef idx="2">
+        <a:scrgbClr r="0" g="0" b="0"/>
+      </a:lnRef>
+      <a:fillRef idx="1">
+        <a:scrgbClr r="0" g="0" b="0"/>
+      </a:fillRef>
+      <a:effectRef idx="0">
+        <a:scrgbClr r="0" g="0" b="0"/>
+      </a:effectRef>
+      <a:fontRef idx="minor">
+        <a:schemeClr val="lt1"/>
+      </a:fontRef>
+    </dgm:style>
+  </dgm:styleLbl>
+  <dgm:styleLbl name="asst4">
+    <dgm:scene3d>
+      <a:camera prst="orthographicFront"/>
+      <a:lightRig rig="threePt" dir="t"/>
+    </dgm:scene3d>
+    <dgm:sp3d/>
+    <dgm:txPr/>
+    <dgm:style>
+      <a:lnRef idx="2">
+        <a:scrgbClr r="0" g="0" b="0"/>
+      </a:lnRef>
+      <a:fillRef idx="1">
+        <a:scrgbClr r="0" g="0" b="0"/>
+      </a:fillRef>
+      <a:effectRef idx="0">
+        <a:scrgbClr r="0" g="0" b="0"/>
+      </a:effectRef>
+      <a:fontRef idx="minor">
+        <a:schemeClr val="lt1"/>
+      </a:fontRef>
+    </dgm:style>
+  </dgm:styleLbl>
+  <dgm:styleLbl name="parChTrans2D1">
+    <dgm:scene3d>
+      <a:camera prst="orthographicFront"/>
+      <a:lightRig rig="threePt" dir="t"/>
+    </dgm:scene3d>
+    <dgm:sp3d/>
+    <dgm:txPr/>
+    <dgm:style>
+      <a:lnRef idx="2">
+        <a:scrgbClr r="0" g="0" b="0"/>
+      </a:lnRef>
+      <a:fillRef idx="1">
+        <a:scrgbClr r="0" g="0" b="0"/>
+      </a:fillRef>
+      <a:effectRef idx="0">
+        <a:scrgbClr r="0" g="0" b="0"/>
+      </a:effectRef>
+      <a:fontRef idx="minor">
+        <a:schemeClr val="lt1"/>
+      </a:fontRef>
+    </dgm:style>
+  </dgm:styleLbl>
+  <dgm:styleLbl name="parChTrans2D2">
+    <dgm:scene3d>
+      <a:camera prst="orthographicFront"/>
+      <a:lightRig rig="threePt" dir="t"/>
+    </dgm:scene3d>
+    <dgm:sp3d/>
+    <dgm:txPr/>
+    <dgm:style>
+      <a:lnRef idx="2">
+        <a:scrgbClr r="0" g="0" b="0"/>
+      </a:lnRef>
+      <a:fillRef idx="1">
+        <a:scrgbClr r="0" g="0" b="0"/>
+      </a:fillRef>
+      <a:effectRef idx="0">
+        <a:scrgbClr r="0" g="0" b="0"/>
+      </a:effectRef>
+      <a:fontRef idx="minor">
+        <a:schemeClr val="lt1"/>
+      </a:fontRef>
+    </dgm:style>
+  </dgm:styleLbl>
+  <dgm:styleLbl name="parChTrans2D3">
+    <dgm:scene3d>
+      <a:camera prst="orthographicFront"/>
+      <a:lightRig rig="threePt" dir="t"/>
+    </dgm:scene3d>
+    <dgm:sp3d/>
+    <dgm:txPr/>
+    <dgm:style>
+      <a:lnRef idx="2">
+        <a:scrgbClr r="0" g="0" b="0"/>
+      </a:lnRef>
+      <a:fillRef idx="1">
+        <a:scrgbClr r="0" g="0" b="0"/>
+      </a:fillRef>
+      <a:effectRef idx="0">
+        <a:scrgbClr r="0" g="0" b="0"/>
+      </a:effectRef>
+      <a:fontRef idx="minor">
+        <a:schemeClr val="lt1"/>
+      </a:fontRef>
+    </dgm:style>
+  </dgm:styleLbl>
+  <dgm:styleLbl name="parChTrans2D4">
+    <dgm:scene3d>
+      <a:camera prst="orthographicFront"/>
+      <a:lightRig rig="threePt" dir="t"/>
+    </dgm:scene3d>
+    <dgm:sp3d/>
+    <dgm:txPr/>
+    <dgm:style>
+      <a:lnRef idx="2">
+        <a:scrgbClr r="0" g="0" b="0"/>
+      </a:lnRef>
+      <a:fillRef idx="1">
+        <a:scrgbClr r="0" g="0" b="0"/>
+      </a:fillRef>
+      <a:effectRef idx="0">
+        <a:scrgbClr r="0" g="0" b="0"/>
+      </a:effectRef>
+      <a:fontRef idx="minor">
+        <a:schemeClr val="lt1"/>
+      </a:fontRef>
+    </dgm:style>
+  </dgm:styleLbl>
+  <dgm:styleLbl name="parChTrans1D1">
+    <dgm:scene3d>
+      <a:camera prst="orthographicFront"/>
+      <a:lightRig rig="threePt" dir="t"/>
+    </dgm:scene3d>
+    <dgm:sp3d/>
+    <dgm:txPr/>
+    <dgm:style>
+      <a:lnRef idx="2">
+        <a:scrgbClr r="0" g="0" b="0"/>
+      </a:lnRef>
+      <a:fillRef idx="0">
+        <a:scrgbClr r="0" g="0" b="0"/>
+      </a:fillRef>
+      <a:effectRef idx="0">
+        <a:scrgbClr r="0" g="0" b="0"/>
+      </a:effectRef>
+      <a:fontRef idx="minor"/>
+    </dgm:style>
+  </dgm:styleLbl>
+  <dgm:styleLbl name="parChTrans1D2">
+    <dgm:scene3d>
+      <a:camera prst="orthographicFront"/>
+      <a:lightRig rig="threePt" dir="t"/>
+    </dgm:scene3d>
+    <dgm:sp3d/>
+    <dgm:txPr/>
+    <dgm:style>
+      <a:lnRef idx="2">
+        <a:scrgbClr r="0" g="0" b="0"/>
+      </a:lnRef>
+      <a:fillRef idx="0">
+        <a:scrgbClr r="0" g="0" b="0"/>
+      </a:fillRef>
+      <a:effectRef idx="0">
+        <a:scrgbClr r="0" g="0" b="0"/>
+      </a:effectRef>
+      <a:fontRef idx="minor"/>
+    </dgm:style>
+  </dgm:styleLbl>
+  <dgm:styleLbl name="parChTrans1D3">
+    <dgm:scene3d>
+      <a:camera prst="orthographicFront"/>
+      <a:lightRig rig="threePt" dir="t"/>
+    </dgm:scene3d>
+    <dgm:sp3d/>
+    <dgm:txPr/>
+    <dgm:style>
+      <a:lnRef idx="2">
+        <a:scrgbClr r="0" g="0" b="0"/>
+      </a:lnRef>
+      <a:fillRef idx="0">
+        <a:scrgbClr r="0" g="0" b="0"/>
+      </a:fillRef>
+      <a:effectRef idx="0">
+        <a:scrgbClr r="0" g="0" b="0"/>
+      </a:effectRef>
+      <a:fontRef idx="minor"/>
+    </dgm:style>
+  </dgm:styleLbl>
+  <dgm:styleLbl name="parChTrans1D4">
+    <dgm:scene3d>
+      <a:camera prst="orthographicFront"/>
+      <a:lightRig rig="threePt" dir="t"/>
+    </dgm:scene3d>
+    <dgm:sp3d/>
+    <dgm:txPr/>
+    <dgm:style>
+      <a:lnRef idx="2">
+        <a:scrgbClr r="0" g="0" b="0"/>
+      </a:lnRef>
+      <a:fillRef idx="0">
+        <a:scrgbClr r="0" g="0" b="0"/>
+      </a:fillRef>
+      <a:effectRef idx="0">
+        <a:scrgbClr r="0" g="0" b="0"/>
+      </a:effectRef>
+      <a:fontRef idx="minor"/>
+    </dgm:style>
+  </dgm:styleLbl>
+  <dgm:styleLbl name="fgAcc1">
+    <dgm:scene3d>
+      <a:camera prst="orthographicFront"/>
+      <a:lightRig rig="threePt" dir="t"/>
+    </dgm:scene3d>
+    <dgm:sp3d/>
+    <dgm:txPr/>
+    <dgm:style>
+      <a:lnRef idx="2">
+        <a:scrgbClr r="0" g="0" b="0"/>
+      </a:lnRef>
+      <a:fillRef idx="1">
+        <a:scrgbClr r="0" g="0" b="0"/>
+      </a:fillRef>
+      <a:effectRef idx="0">
+        <a:scrgbClr r="0" g="0" b="0"/>
+      </a:effectRef>
+      <a:fontRef idx="minor"/>
+    </dgm:style>
+  </dgm:styleLbl>
+  <dgm:styleLbl name="conFgAcc1">
+    <dgm:scene3d>
+      <a:camera prst="orthographicFront"/>
+      <a:lightRig rig="threePt" dir="t"/>
+    </dgm:scene3d>
+    <dgm:sp3d/>
+    <dgm:txPr/>
+    <dgm:style>
+      <a:lnRef idx="2">
+        <a:scrgbClr r="0" g="0" b="0"/>
+      </a:lnRef>
+      <a:fillRef idx="1">
+        <a:scrgbClr r="0" g="0" b="0"/>
+      </a:fillRef>
+      <a:effectRef idx="0">
+        <a:scrgbClr r="0" g="0" b="0"/>
+      </a:effectRef>
+      <a:fontRef idx="minor"/>
+    </dgm:style>
+  </dgm:styleLbl>
+  <dgm:styleLbl name="alignAcc1">
+    <dgm:scene3d>
+      <a:camera prst="orthographicFront"/>
+      <a:lightRig rig="threePt" dir="t"/>
+    </dgm:scene3d>
+    <dgm:sp3d/>
+    <dgm:txPr/>
+    <dgm:style>
+      <a:lnRef idx="2">
+        <a:scrgbClr r="0" g="0" b="0"/>
+      </a:lnRef>
+      <a:fillRef idx="1">
+        <a:scrgbClr r="0" g="0" b="0"/>
+      </a:fillRef>
+      <a:effectRef idx="0">
+        <a:scrgbClr r="0" g="0" b="0"/>
+      </a:effectRef>
+      <a:fontRef idx="minor"/>
+    </dgm:style>
+  </dgm:styleLbl>
+  <dgm:styleLbl name="trAlignAcc1">
+    <dgm:scene3d>
+      <a:camera prst="orthographicFront"/>
+      <a:lightRig rig="threePt" dir="t"/>
+    </dgm:scene3d>
+    <dgm:sp3d/>
+    <dgm:txPr/>
+    <dgm:style>
+      <a:lnRef idx="1">
+        <a:scrgbClr r="0" g="0" b="0"/>
+      </a:lnRef>
+      <a:fillRef idx="1">
+        <a:scrgbClr r="0" g="0" b="0"/>
+      </a:fillRef>
+      <a:effectRef idx="0">
+        <a:scrgbClr r="0" g="0" b="0"/>
+      </a:effectRef>
+      <a:fontRef idx="minor"/>
+    </dgm:style>
+  </dgm:styleLbl>
+  <dgm:styleLbl name="bgAcc1">
+    <dgm:scene3d>
+      <a:camera prst="orthographicFront"/>
+      <a:lightRig rig="threePt" dir="t"/>
+    </dgm:scene3d>
+    <dgm:sp3d/>
+    <dgm:txPr/>
+    <dgm:style>
+      <a:lnRef idx="2">
+        <a:scrgbClr r="0" g="0" b="0"/>
+      </a:lnRef>
+      <a:fillRef idx="1">
+        <a:scrgbClr r="0" g="0" b="0"/>
+      </a:fillRef>
+      <a:effectRef idx="0">
+        <a:scrgbClr r="0" g="0" b="0"/>
+      </a:effectRef>
+      <a:fontRef idx="minor"/>
+    </dgm:style>
+  </dgm:styleLbl>
+  <dgm:styleLbl name="solidFgAcc1">
+    <dgm:scene3d>
+      <a:camera prst="orthographicFront"/>
+      <a:lightRig rig="threePt" dir="t"/>
+    </dgm:scene3d>
+    <dgm:sp3d/>
+    <dgm:txPr/>
+    <dgm:style>
+      <a:lnRef idx="2">
+        <a:scrgbClr r="0" g="0" b="0"/>
+      </a:lnRef>
+      <a:fillRef idx="1">
+        <a:scrgbClr r="0" g="0" b="0"/>
+      </a:fillRef>
+      <a:effectRef idx="0">
+        <a:scrgbClr r="0" g="0" b="0"/>
+      </a:effectRef>
+      <a:fontRef idx="minor"/>
+    </dgm:style>
+  </dgm:styleLbl>
+  <dgm:styleLbl name="solidAlignAcc1">
+    <dgm:scene3d>
+      <a:camera prst="orthographicFront"/>
+      <a:lightRig rig="threePt" dir="t"/>
+    </dgm:scene3d>
+    <dgm:sp3d/>
+    <dgm:txPr/>
+    <dgm:style>
+      <a:lnRef idx="2">
+        <a:scrgbClr r="0" g="0" b="0"/>
+      </a:lnRef>
+      <a:fillRef idx="1">
+        <a:scrgbClr r="0" g="0" b="0"/>
+      </a:fillRef>
+      <a:effectRef idx="0">
+        <a:scrgbClr r="0" g="0" b="0"/>
+      </a:effectRef>
+      <a:fontRef idx="minor"/>
+    </dgm:style>
+  </dgm:styleLbl>
+  <dgm:styleLbl name="solidBgAcc1">
+    <dgm:scene3d>
+      <a:camera prst="orthographicFront"/>
+      <a:lightRig rig="threePt" dir="t"/>
+    </dgm:scene3d>
+    <dgm:sp3d/>
+    <dgm:txPr/>
+    <dgm:style>
+      <a:lnRef idx="2">
+        <a:scrgbClr r="0" g="0" b="0"/>
+      </a:lnRef>
+      <a:fillRef idx="1">
+        <a:scrgbClr r="0" g="0" b="0"/>
+      </a:fillRef>
+      <a:effectRef idx="0">
+        <a:scrgbClr r="0" g="0" b="0"/>
+      </a:effectRef>
+      <a:fontRef idx="minor"/>
+    </dgm:style>
+  </dgm:styleLbl>
+  <dgm:styleLbl name="fgAccFollowNode1">
+    <dgm:scene3d>
+      <a:camera prst="orthographicFront"/>
+      <a:lightRig rig="threePt" dir="t"/>
+    </dgm:scene3d>
+    <dgm:sp3d/>
+    <dgm:txPr/>
+    <dgm:style>
+      <a:lnRef idx="2">
+        <a:scrgbClr r="0" g="0" b="0"/>
+      </a:lnRef>
+      <a:fillRef idx="1">
+        <a:scrgbClr r="0" g="0" b="0"/>
+      </a:fillRef>
+      <a:effectRef idx="0">
+        <a:scrgbClr r="0" g="0" b="0"/>
+      </a:effectRef>
+      <a:fontRef idx="minor"/>
+    </dgm:style>
+  </dgm:styleLbl>
+  <dgm:styleLbl name="alignAccFollowNode1">
+    <dgm:scene3d>
+      <a:camera prst="orthographicFront"/>
+      <a:lightRig rig="threePt" dir="t"/>
+    </dgm:scene3d>
+    <dgm:sp3d/>
+    <dgm:txPr/>
+    <dgm:style>
+      <a:lnRef idx="2">
+        <a:scrgbClr r="0" g="0" b="0"/>
+      </a:lnRef>
+      <a:fillRef idx="1">
+        <a:scrgbClr r="0" g="0" b="0"/>
+      </a:fillRef>
+      <a:effectRef idx="0">
+        <a:scrgbClr r="0" g="0" b="0"/>
+      </a:effectRef>
+      <a:fontRef idx="minor"/>
+    </dgm:style>
+  </dgm:styleLbl>
+  <dgm:styleLbl name="bgAccFollowNode1">
+    <dgm:scene3d>
+      <a:camera prst="orthographicFront"/>
+      <a:lightRig rig="threePt" dir="t"/>
+    </dgm:scene3d>
+    <dgm:sp3d/>
+    <dgm:txPr/>
+    <dgm:style>
+      <a:lnRef idx="2">
+        <a:scrgbClr r="0" g="0" b="0"/>
+      </a:lnRef>
+      <a:fillRef idx="1">
+        <a:scrgbClr r="0" g="0" b="0"/>
+      </a:fillRef>
+      <a:effectRef idx="0">
+        <a:scrgbClr r="0" g="0" b="0"/>
+      </a:effectRef>
+      <a:fontRef idx="minor"/>
+    </dgm:style>
+  </dgm:styleLbl>
+  <dgm:styleLbl name="fgAcc0">
+    <dgm:scene3d>
+      <a:camera prst="orthographicFront"/>
+      <a:lightRig rig="threePt" dir="t"/>
+    </dgm:scene3d>
+    <dgm:sp3d/>
+    <dgm:txPr/>
+    <dgm:style>
+      <a:lnRef idx="2">
+        <a:scrgbClr r="0" g="0" b="0"/>
+      </a:lnRef>
+      <a:fillRef idx="1">
+        <a:scrgbClr r="0" g="0" b="0"/>
+      </a:fillRef>
+      <a:effectRef idx="0">
+        <a:scrgbClr r="0" g="0" b="0"/>
+      </a:effectRef>
+      <a:fontRef idx="minor"/>
+    </dgm:style>
+  </dgm:styleLbl>
+  <dgm:styleLbl name="fgAcc2">
+    <dgm:scene3d>
+      <a:camera prst="orthographicFront"/>
+      <a:lightRig rig="threePt" dir="t"/>
+    </dgm:scene3d>
+    <dgm:sp3d/>
+    <dgm:txPr/>
+    <dgm:style>
+      <a:lnRef idx="2">
+        <a:scrgbClr r="0" g="0" b="0"/>
+      </a:lnRef>
+      <a:fillRef idx="1">
+        <a:scrgbClr r="0" g="0" b="0"/>
+      </a:fillRef>
+      <a:effectRef idx="0">
+        <a:scrgbClr r="0" g="0" b="0"/>
+      </a:effectRef>
+      <a:fontRef idx="minor"/>
+    </dgm:style>
+  </dgm:styleLbl>
+  <dgm:styleLbl name="fgAcc3">
+    <dgm:scene3d>
+      <a:camera prst="orthographicFront"/>
+      <a:lightRig rig="threePt" dir="t"/>
+    </dgm:scene3d>
+    <dgm:sp3d/>
+    <dgm:txPr/>
+    <dgm:style>
+      <a:lnRef idx="2">
+        <a:scrgbClr r="0" g="0" b="0"/>
+      </a:lnRef>
+      <a:fillRef idx="1">
+        <a:scrgbClr r="0" g="0" b="0"/>
+      </a:fillRef>
+      <a:effectRef idx="0">
+        <a:scrgbClr r="0" g="0" b="0"/>
+      </a:effectRef>
+      <a:fontRef idx="minor"/>
+    </dgm:style>
+  </dgm:styleLbl>
+  <dgm:styleLbl name="fgAcc4">
+    <dgm:scene3d>
+      <a:camera prst="orthographicFront"/>
+      <a:lightRig rig="threePt" dir="t"/>
+    </dgm:scene3d>
+    <dgm:sp3d/>
+    <dgm:txPr/>
+    <dgm:style>
+      <a:lnRef idx="2">
+        <a:scrgbClr r="0" g="0" b="0"/>
+      </a:lnRef>
+      <a:fillRef idx="1">
+        <a:scrgbClr r="0" g="0" b="0"/>
+      </a:fillRef>
+      <a:effectRef idx="0">
+        <a:scrgbClr r="0" g="0" b="0"/>
+      </a:effectRef>
+      <a:fontRef idx="minor"/>
+    </dgm:style>
+  </dgm:styleLbl>
+  <dgm:styleLbl name="bgShp">
+    <dgm:scene3d>
+      <a:camera prst="orthographicFront"/>
+      <a:lightRig rig="threePt" dir="t"/>
+    </dgm:scene3d>
+    <dgm:sp3d/>
+    <dgm:txPr/>
+    <dgm:style>
+      <a:lnRef idx="0">
+        <a:scrgbClr r="0" g="0" b="0"/>
+      </a:lnRef>
+      <a:fillRef idx="1">
+        <a:scrgbClr r="0" g="0" b="0"/>
+      </a:fillRef>
+      <a:effectRef idx="0">
+        <a:scrgbClr r="0" g="0" b="0"/>
+      </a:effectRef>
+      <a:fontRef idx="minor"/>
+    </dgm:style>
+  </dgm:styleLbl>
+  <dgm:styleLbl name="dkBgShp">
+    <dgm:scene3d>
+      <a:camera prst="orthographicFront"/>
+      <a:lightRig rig="threePt" dir="t"/>
+    </dgm:scene3d>
+    <dgm:sp3d/>
+    <dgm:txPr/>
+    <dgm:style>
+      <a:lnRef idx="0">
+        <a:scrgbClr r="0" g="0" b="0"/>
+      </a:lnRef>
+      <a:fillRef idx="1">
+        <a:scrgbClr r="0" g="0" b="0"/>
+      </a:fillRef>
+      <a:effectRef idx="0">
+        <a:scrgbClr r="0" g="0" b="0"/>
+      </a:effectRef>
+      <a:fontRef idx="minor"/>
+    </dgm:style>
+  </dgm:styleLbl>
+  <dgm:styleLbl name="trBgShp">
+    <dgm:scene3d>
+      <a:camera prst="orthographicFront"/>
+      <a:lightRig rig="threePt" dir="t"/>
+    </dgm:scene3d>
+    <dgm:sp3d/>
+    <dgm:txPr/>
+    <dgm:style>
+      <a:lnRef idx="0">
+        <a:scrgbClr r="0" g="0" b="0"/>
+      </a:lnRef>
+      <a:fillRef idx="1">
+        <a:scrgbClr r="0" g="0" b="0"/>
+      </a:fillRef>
+      <a:effectRef idx="0">
+        <a:scrgbClr r="0" g="0" b="0"/>
+      </a:effectRef>
+      <a:fontRef idx="minor"/>
+    </dgm:style>
+  </dgm:styleLbl>
+  <dgm:styleLbl name="fgShp">
+    <dgm:scene3d>
+      <a:camera prst="orthographicFront"/>
+      <a:lightRig rig="threePt" dir="t"/>
+    </dgm:scene3d>
+    <dgm:sp3d/>
+    <dgm:txPr/>
+    <dgm:style>
+      <a:lnRef idx="2">
+        <a:scrgbClr r="0" g="0" b="0"/>
+      </a:lnRef>
+      <a:fillRef idx="1">
+        <a:scrgbClr r="0" g="0" b="0"/>
+      </a:fillRef>
+      <a:effectRef idx="0">
         <a:scrgbClr r="0" g="0" b="0"/>
       </a:effectRef>
       <a:fontRef idx="minor"/>
@@ -24323,7 +28024,7 @@
       </p:grpSpPr>
       <p:sp>
         <p:nvSpPr>
-          <p:cNvPr id="9" name="Rectangle 8">
+          <p:cNvPr id="14" name="Rectangle 13">
             <a:extLst>
               <a:ext uri="{FF2B5EF4-FFF2-40B4-BE49-F238E27FC236}">
                 <a16:creationId xmlns:a16="http://schemas.microsoft.com/office/drawing/2014/main" id="{42A4FC2C-047E-45A5-965D-8E1E3BF09BC6}"/>
@@ -24497,8 +28198,8 @@
         </p:blipFill>
         <p:spPr>
           <a:xfrm>
-            <a:off x="20" y="0"/>
-            <a:ext cx="12194260" cy="6858000"/>
+            <a:off x="20" y="1282"/>
+            <a:ext cx="12191980" cy="6856718"/>
           </a:xfrm>
           <a:prstGeom prst="rect">
             <a:avLst/>
@@ -24519,90 +28220,6 @@
 </file>
 
 <file path=ppt/slides/slide10.xml><?xml version="1.0" encoding="utf-8"?>
-<p:sld xmlns:a="http://schemas.openxmlformats.org/drawingml/2006/main" xmlns:r="http://schemas.openxmlformats.org/officeDocument/2006/relationships" xmlns:p="http://schemas.openxmlformats.org/presentationml/2006/main">
-  <p:cSld>
-    <p:spTree>
-      <p:nvGrpSpPr>
-        <p:cNvPr id="1" name=""/>
-        <p:cNvGrpSpPr/>
-        <p:nvPr/>
-      </p:nvGrpSpPr>
-      <p:grpSpPr>
-        <a:xfrm>
-          <a:off x="0" y="0"/>
-          <a:ext cx="0" cy="0"/>
-          <a:chOff x="0" y="0"/>
-          <a:chExt cx="0" cy="0"/>
-        </a:xfrm>
-      </p:grpSpPr>
-      <p:sp>
-        <p:nvSpPr>
-          <p:cNvPr id="2" name="Titre 1">
-            <a:extLst>
-              <a:ext uri="{FF2B5EF4-FFF2-40B4-BE49-F238E27FC236}">
-                <a16:creationId xmlns:a16="http://schemas.microsoft.com/office/drawing/2014/main" id="{9D5B1C60-6EFB-5FAB-475C-4E05B8BA120B}"/>
-              </a:ext>
-            </a:extLst>
-          </p:cNvPr>
-          <p:cNvSpPr>
-            <a:spLocks noGrp="1"/>
-          </p:cNvSpPr>
-          <p:nvPr>
-            <p:ph type="title"/>
-          </p:nvPr>
-        </p:nvSpPr>
-        <p:spPr/>
-        <p:txBody>
-          <a:bodyPr/>
-          <a:lstStyle/>
-          <a:p>
-            <a:r>
-              <a:rPr lang="fr-FR" dirty="0"/>
-              <a:t>Les types de SGBD</a:t>
-            </a:r>
-          </a:p>
-        </p:txBody>
-      </p:sp>
-      <p:graphicFrame>
-        <p:nvGraphicFramePr>
-          <p:cNvPr id="5" name="Espace réservé du contenu 2">
-            <a:extLst>
-              <a:ext uri="{FF2B5EF4-FFF2-40B4-BE49-F238E27FC236}">
-                <a16:creationId xmlns:a16="http://schemas.microsoft.com/office/drawing/2014/main" id="{4D454023-2281-301B-A674-62F1585B4BC6}"/>
-              </a:ext>
-            </a:extLst>
-          </p:cNvPr>
-          <p:cNvGraphicFramePr>
-            <a:graphicFrameLocks noGrp="1"/>
-          </p:cNvGraphicFramePr>
-          <p:nvPr>
-            <p:ph idx="1"/>
-          </p:nvPr>
-        </p:nvGraphicFramePr>
-        <p:xfrm>
-          <a:off x="838200" y="1825625"/>
-          <a:ext cx="10515600" cy="4351338"/>
-        </p:xfrm>
-        <a:graphic>
-          <a:graphicData uri="http://schemas.openxmlformats.org/drawingml/2006/diagram">
-            <dgm:relIds xmlns:dgm="http://schemas.openxmlformats.org/drawingml/2006/diagram" xmlns:r="http://schemas.openxmlformats.org/officeDocument/2006/relationships" r:dm="rId2" r:lo="rId3" r:qs="rId4" r:cs="rId5"/>
-          </a:graphicData>
-        </a:graphic>
-      </p:graphicFrame>
-    </p:spTree>
-    <p:extLst>
-      <p:ext uri="{BB962C8B-B14F-4D97-AF65-F5344CB8AC3E}">
-        <p14:creationId xmlns:p14="http://schemas.microsoft.com/office/powerpoint/2010/main" val="2377681386"/>
-      </p:ext>
-    </p:extLst>
-  </p:cSld>
-  <p:clrMapOvr>
-    <a:masterClrMapping/>
-  </p:clrMapOvr>
-</p:sld>
-</file>
-
-<file path=ppt/slides/slide11.xml><?xml version="1.0" encoding="utf-8"?>
 <p:sld xmlns:a="http://schemas.openxmlformats.org/drawingml/2006/main" xmlns:r="http://schemas.openxmlformats.org/officeDocument/2006/relationships" xmlns:p="http://schemas.openxmlformats.org/presentationml/2006/main">
   <p:cSld>
     <p:bg>
@@ -25088,7 +28705,7 @@
 </p:sld>
 </file>
 
-<file path=ppt/slides/slide12.xml><?xml version="1.0" encoding="utf-8"?>
+<file path=ppt/slides/slide11.xml><?xml version="1.0" encoding="utf-8"?>
 <p:sld xmlns:a="http://schemas.openxmlformats.org/drawingml/2006/main" xmlns:r="http://schemas.openxmlformats.org/officeDocument/2006/relationships" xmlns:p="http://schemas.openxmlformats.org/presentationml/2006/main">
   <p:cSld>
     <p:bg>
@@ -25253,7 +28870,7 @@
 </p:sld>
 </file>
 
-<file path=ppt/slides/slide13.xml><?xml version="1.0" encoding="utf-8"?>
+<file path=ppt/slides/slide12.xml><?xml version="1.0" encoding="utf-8"?>
 <p:sld xmlns:a="http://schemas.openxmlformats.org/drawingml/2006/main" xmlns:r="http://schemas.openxmlformats.org/officeDocument/2006/relationships" xmlns:p="http://schemas.openxmlformats.org/presentationml/2006/main">
   <p:cSld>
     <p:bg>
@@ -25889,7 +29506,7 @@
 </p:sld>
 </file>
 
-<file path=ppt/slides/slide14.xml><?xml version="1.0" encoding="utf-8"?>
+<file path=ppt/slides/slide13.xml><?xml version="1.0" encoding="utf-8"?>
 <p:sld xmlns:a="http://schemas.openxmlformats.org/drawingml/2006/main" xmlns:r="http://schemas.openxmlformats.org/officeDocument/2006/relationships" xmlns:p="http://schemas.openxmlformats.org/presentationml/2006/main">
   <p:cSld>
     <p:bg>
@@ -26214,7 +29831,7 @@
 </p:sld>
 </file>
 
-<file path=ppt/slides/slide15.xml><?xml version="1.0" encoding="utf-8"?>
+<file path=ppt/slides/slide14.xml><?xml version="1.0" encoding="utf-8"?>
 <p:sld xmlns:a="http://schemas.openxmlformats.org/drawingml/2006/main" xmlns:r="http://schemas.openxmlformats.org/officeDocument/2006/relationships" xmlns:p="http://schemas.openxmlformats.org/presentationml/2006/main">
   <p:cSld>
     <p:bg>
@@ -26603,7 +30220,7 @@
 </p:sld>
 </file>
 
-<file path=ppt/slides/slide16.xml><?xml version="1.0" encoding="utf-8"?>
+<file path=ppt/slides/slide15.xml><?xml version="1.0" encoding="utf-8"?>
 <p:sld xmlns:a="http://schemas.openxmlformats.org/drawingml/2006/main" xmlns:r="http://schemas.openxmlformats.org/officeDocument/2006/relationships" xmlns:p="http://schemas.openxmlformats.org/presentationml/2006/main">
   <p:cSld>
     <p:bg>
@@ -27030,7 +30647,7 @@
 </p:sld>
 </file>
 
-<file path=ppt/slides/slide17.xml><?xml version="1.0" encoding="utf-8"?>
+<file path=ppt/slides/slide16.xml><?xml version="1.0" encoding="utf-8"?>
 <p:sld xmlns:a="http://schemas.openxmlformats.org/drawingml/2006/main" xmlns:r="http://schemas.openxmlformats.org/officeDocument/2006/relationships" xmlns:p="http://schemas.openxmlformats.org/presentationml/2006/main">
   <p:cSld>
     <p:bg>
@@ -27539,7 +31156,7 @@
 </p:sld>
 </file>
 
-<file path=ppt/slides/slide18.xml><?xml version="1.0" encoding="utf-8"?>
+<file path=ppt/slides/slide17.xml><?xml version="1.0" encoding="utf-8"?>
 <p:sld xmlns:a="http://schemas.openxmlformats.org/drawingml/2006/main" xmlns:r="http://schemas.openxmlformats.org/officeDocument/2006/relationships" xmlns:p="http://schemas.openxmlformats.org/presentationml/2006/main">
   <p:cSld>
     <p:bg>
@@ -28119,7 +31736,7 @@
 </p:sld>
 </file>
 
-<file path=ppt/slides/slide19.xml><?xml version="1.0" encoding="utf-8"?>
+<file path=ppt/slides/slide18.xml><?xml version="1.0" encoding="utf-8"?>
 <p:sld xmlns:a="http://schemas.openxmlformats.org/drawingml/2006/main" xmlns:r="http://schemas.openxmlformats.org/officeDocument/2006/relationships" xmlns:p="http://schemas.openxmlformats.org/presentationml/2006/main">
   <p:cSld>
     <p:spTree>
@@ -28223,148 +31840,7 @@
 </p:sld>
 </file>
 
-<file path=ppt/slides/slide2.xml><?xml version="1.0" encoding="utf-8"?>
-<p:sld xmlns:a="http://schemas.openxmlformats.org/drawingml/2006/main" xmlns:r="http://schemas.openxmlformats.org/officeDocument/2006/relationships" xmlns:p="http://schemas.openxmlformats.org/presentationml/2006/main">
-  <p:cSld>
-    <p:spTree>
-      <p:nvGrpSpPr>
-        <p:cNvPr id="1" name=""/>
-        <p:cNvGrpSpPr/>
-        <p:nvPr/>
-      </p:nvGrpSpPr>
-      <p:grpSpPr>
-        <a:xfrm>
-          <a:off x="0" y="0"/>
-          <a:ext cx="0" cy="0"/>
-          <a:chOff x="0" y="0"/>
-          <a:chExt cx="0" cy="0"/>
-        </a:xfrm>
-      </p:grpSpPr>
-      <p:sp>
-        <p:nvSpPr>
-          <p:cNvPr id="2" name="Titre 1">
-            <a:extLst>
-              <a:ext uri="{FF2B5EF4-FFF2-40B4-BE49-F238E27FC236}">
-                <a16:creationId xmlns:a16="http://schemas.microsoft.com/office/drawing/2014/main" id="{21E529DE-DBDD-EA02-C290-D536A6D0BD31}"/>
-              </a:ext>
-            </a:extLst>
-          </p:cNvPr>
-          <p:cNvSpPr>
-            <a:spLocks noGrp="1"/>
-          </p:cNvSpPr>
-          <p:nvPr>
-            <p:ph type="title"/>
-          </p:nvPr>
-        </p:nvSpPr>
-        <p:spPr/>
-        <p:txBody>
-          <a:bodyPr/>
-          <a:lstStyle/>
-          <a:p>
-            <a:r>
-              <a:rPr lang="fr-FR" dirty="0"/>
-              <a:t>Programme</a:t>
-            </a:r>
-          </a:p>
-        </p:txBody>
-      </p:sp>
-      <p:sp>
-        <p:nvSpPr>
-          <p:cNvPr id="3" name="Espace réservé du contenu 2">
-            <a:extLst>
-              <a:ext uri="{FF2B5EF4-FFF2-40B4-BE49-F238E27FC236}">
-                <a16:creationId xmlns:a16="http://schemas.microsoft.com/office/drawing/2014/main" id="{002762D8-03E5-4D08-CBA1-631A16A6256F}"/>
-              </a:ext>
-            </a:extLst>
-          </p:cNvPr>
-          <p:cNvSpPr>
-            <a:spLocks noGrp="1"/>
-          </p:cNvSpPr>
-          <p:nvPr>
-            <p:ph idx="1"/>
-          </p:nvPr>
-        </p:nvSpPr>
-        <p:spPr/>
-        <p:txBody>
-          <a:bodyPr/>
-          <a:lstStyle/>
-          <a:p>
-            <a:r>
-              <a:rPr lang="fr-FR" b="0" i="0" dirty="0">
-                <a:solidFill>
-                  <a:srgbClr val="374151"/>
-                </a:solidFill>
-                <a:effectLst/>
-                <a:latin typeface="Söhne"/>
-              </a:rPr>
-              <a:t>Pourquoi SQL en 2024?</a:t>
-            </a:r>
-          </a:p>
-          <a:p>
-            <a:r>
-              <a:rPr lang="fr-FR" b="0" i="0" dirty="0">
-                <a:solidFill>
-                  <a:srgbClr val="374151"/>
-                </a:solidFill>
-                <a:effectLst/>
-                <a:latin typeface="Söhne"/>
-              </a:rPr>
-              <a:t>Qu’est-ce qu’une base de données ? </a:t>
-            </a:r>
-          </a:p>
-          <a:p>
-            <a:r>
-              <a:rPr lang="fr-FR" b="0" i="0" dirty="0">
-                <a:solidFill>
-                  <a:srgbClr val="374151"/>
-                </a:solidFill>
-                <a:effectLst/>
-                <a:latin typeface="Söhne"/>
-              </a:rPr>
-              <a:t>Les concepts de base </a:t>
-            </a:r>
-          </a:p>
-          <a:p>
-            <a:r>
-              <a:rPr lang="fr-FR" b="0" i="0" dirty="0">
-                <a:solidFill>
-                  <a:srgbClr val="374151"/>
-                </a:solidFill>
-                <a:effectLst/>
-                <a:latin typeface="Söhne"/>
-              </a:rPr>
-              <a:t>Comprendre SQL</a:t>
-            </a:r>
-          </a:p>
-          <a:p>
-            <a:r>
-              <a:rPr lang="fr-FR" b="0" i="0" dirty="0">
-                <a:solidFill>
-                  <a:srgbClr val="374151"/>
-                </a:solidFill>
-                <a:effectLst/>
-                <a:latin typeface="Söhne"/>
-              </a:rPr>
-              <a:t> Bien démarrer avec MySQL</a:t>
-            </a:r>
-            <a:endParaRPr lang="fr-FR" dirty="0"/>
-          </a:p>
-        </p:txBody>
-      </p:sp>
-    </p:spTree>
-    <p:extLst>
-      <p:ext uri="{BB962C8B-B14F-4D97-AF65-F5344CB8AC3E}">
-        <p14:creationId xmlns:p14="http://schemas.microsoft.com/office/powerpoint/2010/main" val="2543598530"/>
-      </p:ext>
-    </p:extLst>
-  </p:cSld>
-  <p:clrMapOvr>
-    <a:masterClrMapping/>
-  </p:clrMapOvr>
-</p:sld>
-</file>
-
-<file path=ppt/slides/slide20.xml><?xml version="1.0" encoding="utf-8"?>
+<file path=ppt/slides/slide19.xml><?xml version="1.0" encoding="utf-8"?>
 <p:sld xmlns:a="http://schemas.openxmlformats.org/drawingml/2006/main" xmlns:r="http://schemas.openxmlformats.org/officeDocument/2006/relationships" xmlns:p="http://schemas.openxmlformats.org/presentationml/2006/main">
   <p:cSld>
     <p:bg>
@@ -28783,7 +32259,945 @@
 </p:sld>
 </file>
 
+<file path=ppt/slides/slide2.xml><?xml version="1.0" encoding="utf-8"?>
+<p:sld xmlns:a="http://schemas.openxmlformats.org/drawingml/2006/main" xmlns:r="http://schemas.openxmlformats.org/officeDocument/2006/relationships" xmlns:p="http://schemas.openxmlformats.org/presentationml/2006/main">
+  <p:cSld>
+    <p:spTree>
+      <p:nvGrpSpPr>
+        <p:cNvPr id="1" name=""/>
+        <p:cNvGrpSpPr/>
+        <p:nvPr/>
+      </p:nvGrpSpPr>
+      <p:grpSpPr>
+        <a:xfrm>
+          <a:off x="0" y="0"/>
+          <a:ext cx="0" cy="0"/>
+          <a:chOff x="0" y="0"/>
+          <a:chExt cx="0" cy="0"/>
+        </a:xfrm>
+      </p:grpSpPr>
+      <p:sp>
+        <p:nvSpPr>
+          <p:cNvPr id="2" name="Titre 1">
+            <a:extLst>
+              <a:ext uri="{FF2B5EF4-FFF2-40B4-BE49-F238E27FC236}">
+                <a16:creationId xmlns:a16="http://schemas.microsoft.com/office/drawing/2014/main" id="{3ECCC7AF-3F58-9C30-4374-0CCD49FD8552}"/>
+              </a:ext>
+            </a:extLst>
+          </p:cNvPr>
+          <p:cNvSpPr>
+            <a:spLocks noGrp="1"/>
+          </p:cNvSpPr>
+          <p:nvPr>
+            <p:ph type="title"/>
+          </p:nvPr>
+        </p:nvSpPr>
+        <p:spPr/>
+        <p:txBody>
+          <a:bodyPr/>
+          <a:lstStyle/>
+          <a:p>
+            <a:r>
+              <a:rPr lang="fr-FR" dirty="0"/>
+              <a:t>Programme</a:t>
+            </a:r>
+          </a:p>
+        </p:txBody>
+      </p:sp>
+      <mc:AlternateContent xmlns:mc="http://schemas.openxmlformats.org/markup-compatibility/2006">
+        <mc:Choice xmlns:psuz="http://schemas.microsoft.com/office/powerpoint/2016/summaryzoom" Requires="psuz">
+          <p:graphicFrame>
+            <p:nvGraphicFramePr>
+              <p:cNvPr id="5" name="Zoom de résumé 4">
+                <a:extLst>
+                  <a:ext uri="{FF2B5EF4-FFF2-40B4-BE49-F238E27FC236}">
+                    <a16:creationId xmlns:a16="http://schemas.microsoft.com/office/drawing/2014/main" id="{513F9519-B500-D59D-EDE9-FF999AEBF2C5}"/>
+                  </a:ext>
+                </a:extLst>
+              </p:cNvPr>
+              <p:cNvGraphicFramePr>
+                <a:graphicFrameLocks noChangeAspect="1"/>
+              </p:cNvGraphicFramePr>
+              <p:nvPr>
+                <p:extLst>
+                  <p:ext uri="{D42A27DB-BD31-4B8C-83A1-F6EECF244321}">
+                    <p14:modId xmlns:p14="http://schemas.microsoft.com/office/powerpoint/2010/main" val="3048522686"/>
+                  </p:ext>
+                </p:extLst>
+              </p:nvPr>
+            </p:nvGraphicFramePr>
+            <p:xfrm>
+              <a:off x="838200" y="1825625"/>
+              <a:ext cx="10515600" cy="4351338"/>
+            </p:xfrm>
+            <a:graphic>
+              <a:graphicData uri="http://schemas.microsoft.com/office/powerpoint/2016/summaryzoom">
+                <psuz:summaryZm>
+                  <psuz:summaryZmObj sectionId="{04B1B485-791F-F247-A347-ED68BFD88122}">
+                    <psuz:zmPr id="{14A8A481-89C4-4144-AD1F-B4F17AEA89DE}" transitionDur="1000">
+                      <p166:blipFill xmlns:p166="http://schemas.microsoft.com/office/powerpoint/2016/6/main">
+                        <a:blip r:embed="rId2"/>
+                        <a:stretch>
+                          <a:fillRect/>
+                        </a:stretch>
+                      </p166:blipFill>
+                      <p166:spPr xmlns:p166="http://schemas.microsoft.com/office/powerpoint/2016/6/main">
+                        <a:xfrm>
+                          <a:off x="407479" y="342010"/>
+                          <a:ext cx="3154680" cy="1774508"/>
+                        </a:xfrm>
+                        <a:prstGeom prst="rect">
+                          <a:avLst/>
+                        </a:prstGeom>
+                        <a:ln w="3175">
+                          <a:solidFill>
+                            <a:prstClr val="ltGray"/>
+                          </a:solidFill>
+                        </a:ln>
+                      </p166:spPr>
+                    </psuz:zmPr>
+                  </psuz:summaryZmObj>
+                  <psuz:summaryZmObj sectionId="{B4A9E860-358C-6A4C-9230-39704FEC007E}">
+                    <psuz:zmPr id="{476CDB59-92B3-014A-A54D-A71AF9F0E81A}" transitionDur="1000">
+                      <p166:blipFill xmlns:p166="http://schemas.microsoft.com/office/powerpoint/2016/6/main">
+                        <a:blip r:embed="rId3"/>
+                        <a:stretch>
+                          <a:fillRect/>
+                        </a:stretch>
+                      </p166:blipFill>
+                      <p166:spPr xmlns:p166="http://schemas.microsoft.com/office/powerpoint/2016/6/main">
+                        <a:xfrm>
+                          <a:off x="3680460" y="342010"/>
+                          <a:ext cx="3154680" cy="1774508"/>
+                        </a:xfrm>
+                        <a:prstGeom prst="rect">
+                          <a:avLst/>
+                        </a:prstGeom>
+                        <a:ln w="3175">
+                          <a:solidFill>
+                            <a:prstClr val="ltGray"/>
+                          </a:solidFill>
+                        </a:ln>
+                      </p166:spPr>
+                    </psuz:zmPr>
+                  </psuz:summaryZmObj>
+                  <psuz:summaryZmObj sectionId="{93B99A2C-9A23-E34F-94FE-BAAE0AF48E37}">
+                    <psuz:zmPr id="{7045BFC1-2A64-624C-B0AF-3B3F48485F56}" transitionDur="1000">
+                      <p166:blipFill xmlns:p166="http://schemas.microsoft.com/office/powerpoint/2016/6/main">
+                        <a:blip r:embed="rId4"/>
+                        <a:stretch>
+                          <a:fillRect/>
+                        </a:stretch>
+                      </p166:blipFill>
+                      <p166:spPr xmlns:p166="http://schemas.microsoft.com/office/powerpoint/2016/6/main">
+                        <a:xfrm>
+                          <a:off x="6953441" y="342010"/>
+                          <a:ext cx="3154680" cy="1774508"/>
+                        </a:xfrm>
+                        <a:prstGeom prst="rect">
+                          <a:avLst/>
+                        </a:prstGeom>
+                        <a:ln w="3175">
+                          <a:solidFill>
+                            <a:prstClr val="ltGray"/>
+                          </a:solidFill>
+                        </a:ln>
+                      </p166:spPr>
+                    </psuz:zmPr>
+                  </psuz:summaryZmObj>
+                  <psuz:summaryZmObj sectionId="{46D0137B-2D2C-4A47-87EF-1D9D4C4E051B}">
+                    <psuz:zmPr id="{620E1FB9-B8E0-3645-88B1-B8D60EA119D8}" transitionDur="1000">
+                      <p166:blipFill xmlns:p166="http://schemas.microsoft.com/office/powerpoint/2016/6/main">
+                        <a:blip r:embed="rId5"/>
+                        <a:stretch>
+                          <a:fillRect/>
+                        </a:stretch>
+                      </p166:blipFill>
+                      <p166:spPr xmlns:p166="http://schemas.microsoft.com/office/powerpoint/2016/6/main">
+                        <a:xfrm>
+                          <a:off x="407479" y="2234819"/>
+                          <a:ext cx="3154680" cy="1774508"/>
+                        </a:xfrm>
+                        <a:prstGeom prst="rect">
+                          <a:avLst/>
+                        </a:prstGeom>
+                        <a:ln w="3175">
+                          <a:solidFill>
+                            <a:prstClr val="ltGray"/>
+                          </a:solidFill>
+                        </a:ln>
+                      </p166:spPr>
+                    </psuz:zmPr>
+                  </psuz:summaryZmObj>
+                  <psuz:summaryZmObj sectionId="{6682E266-2E7E-784F-8715-DA920308305F}">
+                    <psuz:zmPr id="{F7C797C1-969D-A041-B65B-B417F590FEE8}" transitionDur="1000">
+                      <p166:blipFill xmlns:p166="http://schemas.microsoft.com/office/powerpoint/2016/6/main">
+                        <a:blip r:embed="rId6"/>
+                        <a:stretch>
+                          <a:fillRect/>
+                        </a:stretch>
+                      </p166:blipFill>
+                      <p166:spPr xmlns:p166="http://schemas.microsoft.com/office/powerpoint/2016/6/main">
+                        <a:xfrm>
+                          <a:off x="3680460" y="2234819"/>
+                          <a:ext cx="3154680" cy="1774508"/>
+                        </a:xfrm>
+                        <a:prstGeom prst="rect">
+                          <a:avLst/>
+                        </a:prstGeom>
+                        <a:ln w="3175">
+                          <a:solidFill>
+                            <a:prstClr val="ltGray"/>
+                          </a:solidFill>
+                        </a:ln>
+                      </p166:spPr>
+                    </psuz:zmPr>
+                  </psuz:summaryZmObj>
+                  <psuz:gridLayout/>
+                </psuz:summaryZm>
+              </a:graphicData>
+            </a:graphic>
+          </p:graphicFrame>
+        </mc:Choice>
+        <mc:Fallback>
+          <p:grpSp>
+            <p:nvGrpSpPr>
+              <p:cNvPr id="5" name="Zoom de résumé 4">
+                <a:extLst>
+                  <a:ext uri="{FF2B5EF4-FFF2-40B4-BE49-F238E27FC236}">
+                    <a16:creationId xmlns:a16="http://schemas.microsoft.com/office/drawing/2014/main" id="{513F9519-B500-D59D-EDE9-FF999AEBF2C5}"/>
+                  </a:ext>
+                </a:extLst>
+              </p:cNvPr>
+              <p:cNvGrpSpPr>
+                <a:grpSpLocks noGrp="1" noUngrp="1" noRot="1" noChangeAspect="1" noMove="1" noResize="1"/>
+              </p:cNvGrpSpPr>
+              <p:nvPr/>
+            </p:nvGrpSpPr>
+            <p:grpSpPr>
+              <a:xfrm>
+                <a:off x="838200" y="1825625"/>
+                <a:ext cx="10515600" cy="4351338"/>
+                <a:chOff x="838200" y="1825625"/>
+                <a:chExt cx="10515600" cy="4351338"/>
+              </a:xfrm>
+            </p:grpSpPr>
+            <p:pic>
+              <p:nvPicPr>
+                <p:cNvPr id="6" name="Image 6">
+                  <a:hlinkClick r:id="rId7" action="ppaction://hlinksldjump"/>
+                </p:cNvPr>
+                <p:cNvPicPr>
+                  <a:picLocks noSelect="1" noRot="1" noChangeAspect="1" noMove="1" noResize="1" noEditPoints="1" noAdjustHandles="1" noChangeArrowheads="1" noChangeShapeType="1"/>
+                </p:cNvPicPr>
+                <p:nvPr/>
+              </p:nvPicPr>
+              <p:blipFill>
+                <a:blip r:embed="rId2"/>
+                <a:stretch>
+                  <a:fillRect/>
+                </a:stretch>
+              </p:blipFill>
+              <p:spPr>
+                <a:xfrm>
+                  <a:off x="1245679" y="2167635"/>
+                  <a:ext cx="3154680" cy="1774508"/>
+                </a:xfrm>
+                <a:prstGeom prst="rect">
+                  <a:avLst/>
+                </a:prstGeom>
+                <a:ln w="3175">
+                  <a:solidFill>
+                    <a:prstClr val="ltGray"/>
+                  </a:solidFill>
+                </a:ln>
+              </p:spPr>
+            </p:pic>
+            <p:pic>
+              <p:nvPicPr>
+                <p:cNvPr id="7" name="Image 7">
+                  <a:hlinkClick r:id="rId8" action="ppaction://hlinksldjump"/>
+                </p:cNvPr>
+                <p:cNvPicPr>
+                  <a:picLocks noSelect="1" noRot="1" noChangeAspect="1" noMove="1" noResize="1" noEditPoints="1" noAdjustHandles="1" noChangeArrowheads="1" noChangeShapeType="1"/>
+                </p:cNvPicPr>
+                <p:nvPr/>
+              </p:nvPicPr>
+              <p:blipFill>
+                <a:blip r:embed="rId3"/>
+                <a:stretch>
+                  <a:fillRect/>
+                </a:stretch>
+              </p:blipFill>
+              <p:spPr>
+                <a:xfrm>
+                  <a:off x="4518660" y="2167635"/>
+                  <a:ext cx="3154680" cy="1774508"/>
+                </a:xfrm>
+                <a:prstGeom prst="rect">
+                  <a:avLst/>
+                </a:prstGeom>
+                <a:ln w="3175">
+                  <a:solidFill>
+                    <a:prstClr val="ltGray"/>
+                  </a:solidFill>
+                </a:ln>
+              </p:spPr>
+            </p:pic>
+            <p:pic>
+              <p:nvPicPr>
+                <p:cNvPr id="8" name="Image 8">
+                  <a:hlinkClick r:id="rId9" action="ppaction://hlinksldjump"/>
+                </p:cNvPr>
+                <p:cNvPicPr>
+                  <a:picLocks noSelect="1" noRot="1" noChangeAspect="1" noMove="1" noResize="1" noEditPoints="1" noAdjustHandles="1" noChangeArrowheads="1" noChangeShapeType="1"/>
+                </p:cNvPicPr>
+                <p:nvPr/>
+              </p:nvPicPr>
+              <p:blipFill>
+                <a:blip r:embed="rId4"/>
+                <a:stretch>
+                  <a:fillRect/>
+                </a:stretch>
+              </p:blipFill>
+              <p:spPr>
+                <a:xfrm>
+                  <a:off x="7791641" y="2167635"/>
+                  <a:ext cx="3154680" cy="1774508"/>
+                </a:xfrm>
+                <a:prstGeom prst="rect">
+                  <a:avLst/>
+                </a:prstGeom>
+                <a:ln w="3175">
+                  <a:solidFill>
+                    <a:prstClr val="ltGray"/>
+                  </a:solidFill>
+                </a:ln>
+              </p:spPr>
+            </p:pic>
+            <p:pic>
+              <p:nvPicPr>
+                <p:cNvPr id="9" name="Image 9">
+                  <a:hlinkClick r:id="rId10" action="ppaction://hlinksldjump"/>
+                </p:cNvPr>
+                <p:cNvPicPr>
+                  <a:picLocks noSelect="1" noRot="1" noChangeAspect="1" noMove="1" noResize="1" noEditPoints="1" noAdjustHandles="1" noChangeArrowheads="1" noChangeShapeType="1"/>
+                </p:cNvPicPr>
+                <p:nvPr/>
+              </p:nvPicPr>
+              <p:blipFill>
+                <a:blip r:embed="rId5"/>
+                <a:stretch>
+                  <a:fillRect/>
+                </a:stretch>
+              </p:blipFill>
+              <p:spPr>
+                <a:xfrm>
+                  <a:off x="1245679" y="4060444"/>
+                  <a:ext cx="3154680" cy="1774508"/>
+                </a:xfrm>
+                <a:prstGeom prst="rect">
+                  <a:avLst/>
+                </a:prstGeom>
+                <a:ln w="3175">
+                  <a:solidFill>
+                    <a:prstClr val="ltGray"/>
+                  </a:solidFill>
+                </a:ln>
+              </p:spPr>
+            </p:pic>
+            <p:pic>
+              <p:nvPicPr>
+                <p:cNvPr id="10" name="Image 10">
+                  <a:hlinkClick r:id="rId11" action="ppaction://hlinksldjump"/>
+                </p:cNvPr>
+                <p:cNvPicPr>
+                  <a:picLocks noSelect="1" noRot="1" noChangeAspect="1" noMove="1" noResize="1" noEditPoints="1" noAdjustHandles="1" noChangeArrowheads="1" noChangeShapeType="1"/>
+                </p:cNvPicPr>
+                <p:nvPr/>
+              </p:nvPicPr>
+              <p:blipFill>
+                <a:blip r:embed="rId6"/>
+                <a:stretch>
+                  <a:fillRect/>
+                </a:stretch>
+              </p:blipFill>
+              <p:spPr>
+                <a:xfrm>
+                  <a:off x="4518660" y="4060444"/>
+                  <a:ext cx="3154680" cy="1774508"/>
+                </a:xfrm>
+                <a:prstGeom prst="rect">
+                  <a:avLst/>
+                </a:prstGeom>
+                <a:ln w="3175">
+                  <a:solidFill>
+                    <a:prstClr val="ltGray"/>
+                  </a:solidFill>
+                </a:ln>
+              </p:spPr>
+            </p:pic>
+          </p:grpSp>
+        </mc:Fallback>
+      </mc:AlternateContent>
+    </p:spTree>
+    <p:extLst>
+      <p:ext uri="{BB962C8B-B14F-4D97-AF65-F5344CB8AC3E}">
+        <p14:creationId xmlns:p14="http://schemas.microsoft.com/office/powerpoint/2010/main" val="1859836686"/>
+      </p:ext>
+    </p:extLst>
+  </p:cSld>
+  <p:clrMapOvr>
+    <a:masterClrMapping/>
+  </p:clrMapOvr>
+</p:sld>
+</file>
+
+<file path=ppt/slides/slide20.xml><?xml version="1.0" encoding="utf-8"?>
+<p:sld xmlns:a="http://schemas.openxmlformats.org/drawingml/2006/main" xmlns:r="http://schemas.openxmlformats.org/officeDocument/2006/relationships" xmlns:p="http://schemas.openxmlformats.org/presentationml/2006/main">
+  <p:cSld>
+    <p:bg>
+      <p:bgPr>
+        <a:solidFill>
+          <a:schemeClr val="bg1"/>
+        </a:solidFill>
+        <a:effectLst/>
+      </p:bgPr>
+    </p:bg>
+    <p:spTree>
+      <p:nvGrpSpPr>
+        <p:cNvPr id="1" name=""/>
+        <p:cNvGrpSpPr/>
+        <p:nvPr/>
+      </p:nvGrpSpPr>
+      <p:grpSpPr>
+        <a:xfrm>
+          <a:off x="0" y="0"/>
+          <a:ext cx="0" cy="0"/>
+          <a:chOff x="0" y="0"/>
+          <a:chExt cx="0" cy="0"/>
+        </a:xfrm>
+      </p:grpSpPr>
+      <p:sp useBgFill="1">
+        <p:nvSpPr>
+          <p:cNvPr id="10289" name="Rectangle 10288">
+            <a:extLst>
+              <a:ext uri="{FF2B5EF4-FFF2-40B4-BE49-F238E27FC236}">
+                <a16:creationId xmlns:a16="http://schemas.microsoft.com/office/drawing/2014/main" id="{058A14AF-9FB5-4CC7-BA35-E8E85D3EDF0E}"/>
+              </a:ext>
+              <a:ext uri="{C183D7F6-B498-43B3-948B-1728B52AA6E4}">
+                <adec:decorative xmlns:adec="http://schemas.microsoft.com/office/drawing/2017/decorative" val="1"/>
+              </a:ext>
+            </a:extLst>
+          </p:cNvPr>
+          <p:cNvSpPr>
+            <a:spLocks noGrp="1" noRot="1" noChangeAspect="1" noMove="1" noResize="1" noEditPoints="1" noAdjustHandles="1" noChangeArrowheads="1" noChangeShapeType="1" noTextEdit="1"/>
+          </p:cNvSpPr>
+          <p:nvPr>
+            <p:extLst>
+              <p:ext uri="{386F3935-93C4-4BCD-93E2-E3B085C9AB24}">
+                <p16:designElem xmlns:p16="http://schemas.microsoft.com/office/powerpoint/2015/main" val="1"/>
+              </p:ext>
+            </p:extLst>
+          </p:nvPr>
+        </p:nvSpPr>
+        <p:spPr>
+          <a:xfrm>
+            <a:off x="0" y="0"/>
+            <a:ext cx="12191999" cy="6857365"/>
+          </a:xfrm>
+          <a:prstGeom prst="rect">
+            <a:avLst/>
+          </a:prstGeom>
+          <a:ln>
+            <a:noFill/>
+          </a:ln>
+        </p:spPr>
+        <p:style>
+          <a:lnRef idx="2">
+            <a:schemeClr val="accent1">
+              <a:shade val="50000"/>
+            </a:schemeClr>
+          </a:lnRef>
+          <a:fillRef idx="1">
+            <a:schemeClr val="accent1"/>
+          </a:fillRef>
+          <a:effectRef idx="0">
+            <a:schemeClr val="accent1"/>
+          </a:effectRef>
+          <a:fontRef idx="minor">
+            <a:schemeClr val="lt1"/>
+          </a:fontRef>
+        </p:style>
+        <p:txBody>
+          <a:bodyPr rtlCol="0" anchor="ctr"/>
+          <a:lstStyle/>
+          <a:p>
+            <a:pPr algn="ctr"/>
+            <a:endParaRPr lang="en-US"/>
+          </a:p>
+        </p:txBody>
+      </p:sp>
+      <p:sp>
+        <p:nvSpPr>
+          <p:cNvPr id="2" name="Titre 1">
+            <a:extLst>
+              <a:ext uri="{FF2B5EF4-FFF2-40B4-BE49-F238E27FC236}">
+                <a16:creationId xmlns:a16="http://schemas.microsoft.com/office/drawing/2014/main" id="{41D17904-230C-BB91-B875-D49F73100F78}"/>
+              </a:ext>
+            </a:extLst>
+          </p:cNvPr>
+          <p:cNvSpPr>
+            <a:spLocks noGrp="1"/>
+          </p:cNvSpPr>
+          <p:nvPr>
+            <p:ph type="title"/>
+          </p:nvPr>
+        </p:nvSpPr>
+        <p:spPr>
+          <a:xfrm>
+            <a:off x="793662" y="386930"/>
+            <a:ext cx="10066122" cy="1298448"/>
+          </a:xfrm>
+        </p:spPr>
+        <p:txBody>
+          <a:bodyPr anchor="b">
+            <a:normAutofit/>
+          </a:bodyPr>
+          <a:lstStyle/>
+          <a:p>
+            <a:r>
+              <a:rPr lang="fr-FR" sz="4800"/>
+              <a:t>Comprendre SQL</a:t>
+            </a:r>
+          </a:p>
+        </p:txBody>
+      </p:sp>
+      <p:sp>
+        <p:nvSpPr>
+          <p:cNvPr id="10291" name="Rectangle 10290">
+            <a:extLst>
+              <a:ext uri="{FF2B5EF4-FFF2-40B4-BE49-F238E27FC236}">
+                <a16:creationId xmlns:a16="http://schemas.microsoft.com/office/drawing/2014/main" id="{3A9A4357-BD1D-4622-A4FE-766E6AB8DE84}"/>
+              </a:ext>
+              <a:ext uri="{C183D7F6-B498-43B3-948B-1728B52AA6E4}">
+                <adec:decorative xmlns:adec="http://schemas.microsoft.com/office/drawing/2017/decorative" val="1"/>
+              </a:ext>
+            </a:extLst>
+          </p:cNvPr>
+          <p:cNvSpPr>
+            <a:spLocks noGrp="1" noRot="1" noChangeAspect="1" noMove="1" noResize="1" noEditPoints="1" noAdjustHandles="1" noChangeArrowheads="1" noChangeShapeType="1" noTextEdit="1"/>
+          </p:cNvSpPr>
+          <p:nvPr>
+            <p:extLst>
+              <p:ext uri="{386F3935-93C4-4BCD-93E2-E3B085C9AB24}">
+                <p16:designElem xmlns:p16="http://schemas.microsoft.com/office/powerpoint/2015/main" val="1"/>
+              </p:ext>
+            </p:extLst>
+          </p:nvPr>
+        </p:nvSpPr>
+        <p:spPr>
+          <a:xfrm flipH="1" flipV="1">
+            <a:off x="-2" y="1998845"/>
+            <a:ext cx="11454595" cy="781699"/>
+          </a:xfrm>
+          <a:prstGeom prst="rect">
+            <a:avLst/>
+          </a:prstGeom>
+          <a:solidFill>
+            <a:schemeClr val="accent4"/>
+          </a:solidFill>
+          <a:ln>
+            <a:noFill/>
+          </a:ln>
+        </p:spPr>
+        <p:style>
+          <a:lnRef idx="2">
+            <a:schemeClr val="accent1">
+              <a:shade val="50000"/>
+            </a:schemeClr>
+          </a:lnRef>
+          <a:fillRef idx="1">
+            <a:schemeClr val="accent1"/>
+          </a:fillRef>
+          <a:effectRef idx="0">
+            <a:schemeClr val="accent1"/>
+          </a:effectRef>
+          <a:fontRef idx="minor">
+            <a:schemeClr val="lt1"/>
+          </a:fontRef>
+        </p:style>
+        <p:txBody>
+          <a:bodyPr rtlCol="0" anchor="ctr"/>
+          <a:lstStyle/>
+          <a:p>
+            <a:pPr algn="ctr"/>
+            <a:endParaRPr lang="en-US"/>
+          </a:p>
+        </p:txBody>
+      </p:sp>
+      <p:sp>
+        <p:nvSpPr>
+          <p:cNvPr id="10293" name="Rectangle 10292">
+            <a:extLst>
+              <a:ext uri="{FF2B5EF4-FFF2-40B4-BE49-F238E27FC236}">
+                <a16:creationId xmlns:a16="http://schemas.microsoft.com/office/drawing/2014/main" id="{E659831F-0D9A-4C63-9EBB-8435B85A440F}"/>
+              </a:ext>
+              <a:ext uri="{C183D7F6-B498-43B3-948B-1728B52AA6E4}">
+                <adec:decorative xmlns:adec="http://schemas.microsoft.com/office/drawing/2017/decorative" val="1"/>
+              </a:ext>
+            </a:extLst>
+          </p:cNvPr>
+          <p:cNvSpPr>
+            <a:spLocks noGrp="1" noRot="1" noChangeAspect="1" noMove="1" noResize="1" noEditPoints="1" noAdjustHandles="1" noChangeArrowheads="1" noChangeShapeType="1" noTextEdit="1"/>
+          </p:cNvSpPr>
+          <p:nvPr>
+            <p:extLst>
+              <p:ext uri="{386F3935-93C4-4BCD-93E2-E3B085C9AB24}">
+                <p16:designElem xmlns:p16="http://schemas.microsoft.com/office/powerpoint/2015/main" val="1"/>
+              </p:ext>
+            </p:extLst>
+          </p:nvPr>
+        </p:nvSpPr>
+        <p:spPr>
+          <a:xfrm>
+            <a:off x="0" y="2203079"/>
+            <a:ext cx="11383362" cy="4267991"/>
+          </a:xfrm>
+          <a:prstGeom prst="rect">
+            <a:avLst/>
+          </a:prstGeom>
+          <a:solidFill>
+            <a:schemeClr val="bg1"/>
+          </a:solidFill>
+          <a:ln>
+            <a:noFill/>
+          </a:ln>
+          <a:effectLst>
+            <a:outerShdw blurRad="139700" dist="127000" dir="5400000" algn="t" rotWithShape="0">
+              <a:prstClr val="black">
+                <a:alpha val="15000"/>
+              </a:prstClr>
+            </a:outerShdw>
+          </a:effectLst>
+        </p:spPr>
+        <p:style>
+          <a:lnRef idx="2">
+            <a:schemeClr val="accent1">
+              <a:shade val="50000"/>
+            </a:schemeClr>
+          </a:lnRef>
+          <a:fillRef idx="1">
+            <a:schemeClr val="accent1"/>
+          </a:fillRef>
+          <a:effectRef idx="0">
+            <a:schemeClr val="accent1"/>
+          </a:effectRef>
+          <a:fontRef idx="minor">
+            <a:schemeClr val="lt1"/>
+          </a:fontRef>
+        </p:style>
+        <p:txBody>
+          <a:bodyPr rtlCol="0" anchor="ctr"/>
+          <a:lstStyle/>
+          <a:p>
+            <a:pPr algn="ctr"/>
+            <a:endParaRPr lang="en-US"/>
+          </a:p>
+        </p:txBody>
+      </p:sp>
+      <p:pic>
+        <p:nvPicPr>
+          <p:cNvPr id="10244" name="Picture 4" descr="SQL Commands:DQL,DDL,DML,DCL,TCL">
+            <a:extLst>
+              <a:ext uri="{FF2B5EF4-FFF2-40B4-BE49-F238E27FC236}">
+                <a16:creationId xmlns:a16="http://schemas.microsoft.com/office/drawing/2014/main" id="{0B479BE7-0F9F-87B8-9EBF-8A048913F082}"/>
+              </a:ext>
+            </a:extLst>
+          </p:cNvPr>
+          <p:cNvPicPr>
+            <a:picLocks noChangeAspect="1" noChangeArrowheads="1"/>
+          </p:cNvPicPr>
+          <p:nvPr/>
+        </p:nvPicPr>
+        <p:blipFill>
+          <a:blip r:embed="rId2">
+            <a:extLst>
+              <a:ext uri="{28A0092B-C50C-407E-A947-70E740481C1C}">
+                <a14:useLocalDpi xmlns:a14="http://schemas.microsoft.com/office/drawing/2010/main" val="0"/>
+              </a:ext>
+            </a:extLst>
+          </a:blip>
+          <a:stretch>
+            <a:fillRect/>
+          </a:stretch>
+        </p:blipFill>
+        <p:spPr bwMode="auto">
+          <a:xfrm>
+            <a:off x="5911532" y="3021619"/>
+            <a:ext cx="5150277" cy="2639516"/>
+          </a:xfrm>
+          <a:prstGeom prst="rect">
+            <a:avLst/>
+          </a:prstGeom>
+          <a:noFill/>
+          <a:extLst>
+            <a:ext uri="{909E8E84-426E-40DD-AFC4-6F175D3DCCD1}">
+              <a14:hiddenFill xmlns:a14="http://schemas.microsoft.com/office/drawing/2010/main">
+                <a:solidFill>
+                  <a:srgbClr val="FFFFFF"/>
+                </a:solidFill>
+              </a14:hiddenFill>
+            </a:ext>
+          </a:extLst>
+        </p:spPr>
+      </p:pic>
+      <p:sp>
+        <p:nvSpPr>
+          <p:cNvPr id="10295" name="Rectangle 10294">
+            <a:extLst>
+              <a:ext uri="{FF2B5EF4-FFF2-40B4-BE49-F238E27FC236}">
+                <a16:creationId xmlns:a16="http://schemas.microsoft.com/office/drawing/2014/main" id="{E6995CE5-F890-4ABA-82A2-26507CE8D2A3}"/>
+              </a:ext>
+              <a:ext uri="{C183D7F6-B498-43B3-948B-1728B52AA6E4}">
+                <adec:decorative xmlns:adec="http://schemas.microsoft.com/office/drawing/2017/decorative" val="1"/>
+              </a:ext>
+            </a:extLst>
+          </p:cNvPr>
+          <p:cNvSpPr>
+            <a:spLocks noGrp="1" noRot="1" noChangeAspect="1" noMove="1" noResize="1" noEditPoints="1" noAdjustHandles="1" noChangeArrowheads="1" noChangeShapeType="1" noTextEdit="1"/>
+          </p:cNvSpPr>
+          <p:nvPr>
+            <p:extLst>
+              <p:ext uri="{386F3935-93C4-4BCD-93E2-E3B085C9AB24}">
+                <p16:designElem xmlns:p16="http://schemas.microsoft.com/office/powerpoint/2015/main" val="1"/>
+              </p:ext>
+            </p:extLst>
+          </p:nvPr>
+        </p:nvSpPr>
+        <p:spPr>
+          <a:xfrm rot="5400000">
+            <a:off x="11228040" y="2313027"/>
+            <a:ext cx="781700" cy="152382"/>
+          </a:xfrm>
+          <a:prstGeom prst="rect">
+            <a:avLst/>
+          </a:prstGeom>
+          <a:solidFill>
+            <a:schemeClr val="accent4"/>
+          </a:solidFill>
+          <a:ln>
+            <a:noFill/>
+          </a:ln>
+        </p:spPr>
+        <p:style>
+          <a:lnRef idx="2">
+            <a:schemeClr val="accent1">
+              <a:shade val="50000"/>
+            </a:schemeClr>
+          </a:lnRef>
+          <a:fillRef idx="1">
+            <a:schemeClr val="accent1"/>
+          </a:fillRef>
+          <a:effectRef idx="0">
+            <a:schemeClr val="accent1"/>
+          </a:effectRef>
+          <a:fontRef idx="minor">
+            <a:schemeClr val="lt1"/>
+          </a:fontRef>
+        </p:style>
+        <p:txBody>
+          <a:bodyPr rtlCol="0" anchor="ctr"/>
+          <a:lstStyle/>
+          <a:p>
+            <a:pPr algn="ctr"/>
+            <a:endParaRPr lang="en-US"/>
+          </a:p>
+        </p:txBody>
+      </p:sp>
+      <p:graphicFrame>
+        <p:nvGraphicFramePr>
+          <p:cNvPr id="10257" name="Espace réservé du contenu 2">
+            <a:extLst>
+              <a:ext uri="{FF2B5EF4-FFF2-40B4-BE49-F238E27FC236}">
+                <a16:creationId xmlns:a16="http://schemas.microsoft.com/office/drawing/2014/main" id="{8637D823-657E-E112-F7EA-F02C64273EEE}"/>
+              </a:ext>
+            </a:extLst>
+          </p:cNvPr>
+          <p:cNvGraphicFramePr>
+            <a:graphicFrameLocks noGrp="1"/>
+          </p:cNvGraphicFramePr>
+          <p:nvPr>
+            <p:ph idx="1"/>
+            <p:extLst>
+              <p:ext uri="{D42A27DB-BD31-4B8C-83A1-F6EECF244321}">
+                <p14:modId xmlns:p14="http://schemas.microsoft.com/office/powerpoint/2010/main" val="986997182"/>
+              </p:ext>
+            </p:extLst>
+          </p:nvPr>
+        </p:nvGraphicFramePr>
+        <p:xfrm>
+          <a:off x="793661" y="2416029"/>
+          <a:ext cx="4958534" cy="3822930"/>
+        </p:xfrm>
+        <a:graphic>
+          <a:graphicData uri="http://schemas.openxmlformats.org/drawingml/2006/diagram">
+            <dgm:relIds xmlns:dgm="http://schemas.openxmlformats.org/drawingml/2006/diagram" xmlns:r="http://schemas.openxmlformats.org/officeDocument/2006/relationships" r:dm="rId3" r:lo="rId4" r:qs="rId5" r:cs="rId6"/>
+          </a:graphicData>
+        </a:graphic>
+      </p:graphicFrame>
+    </p:spTree>
+    <p:extLst>
+      <p:ext uri="{BB962C8B-B14F-4D97-AF65-F5344CB8AC3E}">
+        <p14:creationId xmlns:p14="http://schemas.microsoft.com/office/powerpoint/2010/main" val="2730314643"/>
+      </p:ext>
+    </p:extLst>
+  </p:cSld>
+  <p:clrMapOvr>
+    <a:masterClrMapping/>
+  </p:clrMapOvr>
+</p:sld>
+</file>
+
 <file path=ppt/slides/slide21.xml><?xml version="1.0" encoding="utf-8"?>
+<p:sld xmlns:a="http://schemas.openxmlformats.org/drawingml/2006/main" xmlns:r="http://schemas.openxmlformats.org/officeDocument/2006/relationships" xmlns:p="http://schemas.openxmlformats.org/presentationml/2006/main">
+  <p:cSld>
+    <p:spTree>
+      <p:nvGrpSpPr>
+        <p:cNvPr id="1" name=""/>
+        <p:cNvGrpSpPr/>
+        <p:nvPr/>
+      </p:nvGrpSpPr>
+      <p:grpSpPr>
+        <a:xfrm>
+          <a:off x="0" y="0"/>
+          <a:ext cx="0" cy="0"/>
+          <a:chOff x="0" y="0"/>
+          <a:chExt cx="0" cy="0"/>
+        </a:xfrm>
+      </p:grpSpPr>
+      <p:pic>
+        <p:nvPicPr>
+          <p:cNvPr id="11266" name="Picture 2" descr="CRUD: Definition, Operations, Benefits How it Works and More">
+            <a:extLst>
+              <a:ext uri="{FF2B5EF4-FFF2-40B4-BE49-F238E27FC236}">
+                <a16:creationId xmlns:a16="http://schemas.microsoft.com/office/drawing/2014/main" id="{9A761AC9-C7BA-99BF-C21B-BCCD95694F92}"/>
+              </a:ext>
+            </a:extLst>
+          </p:cNvPr>
+          <p:cNvPicPr>
+            <a:picLocks noGrp="1" noChangeAspect="1" noChangeArrowheads="1"/>
+          </p:cNvPicPr>
+          <p:nvPr>
+            <p:ph idx="1"/>
+          </p:nvPr>
+        </p:nvPicPr>
+        <p:blipFill>
+          <a:blip r:embed="rId2">
+            <a:extLst>
+              <a:ext uri="{28A0092B-C50C-407E-A947-70E740481C1C}">
+                <a14:useLocalDpi xmlns:a14="http://schemas.microsoft.com/office/drawing/2010/main" val="0"/>
+              </a:ext>
+            </a:extLst>
+          </a:blip>
+          <a:srcRect/>
+          <a:stretch>
+            <a:fillRect/>
+          </a:stretch>
+        </p:blipFill>
+        <p:spPr bwMode="auto">
+          <a:xfrm>
+            <a:off x="0" y="0"/>
+            <a:ext cx="12192000" cy="6551802"/>
+          </a:xfrm>
+          <a:prstGeom prst="rect">
+            <a:avLst/>
+          </a:prstGeom>
+          <a:noFill/>
+          <a:extLst>
+            <a:ext uri="{909E8E84-426E-40DD-AFC4-6F175D3DCCD1}">
+              <a14:hiddenFill xmlns:a14="http://schemas.microsoft.com/office/drawing/2010/main">
+                <a:solidFill>
+                  <a:srgbClr val="FFFFFF"/>
+                </a:solidFill>
+              </a14:hiddenFill>
+            </a:ext>
+          </a:extLst>
+        </p:spPr>
+      </p:pic>
+      <p:sp>
+        <p:nvSpPr>
+          <p:cNvPr id="4" name="ZoneTexte 3">
+            <a:extLst>
+              <a:ext uri="{FF2B5EF4-FFF2-40B4-BE49-F238E27FC236}">
+                <a16:creationId xmlns:a16="http://schemas.microsoft.com/office/drawing/2014/main" id="{B70CDD7B-31D0-31D4-6DF5-ABE116F532D3}"/>
+              </a:ext>
+            </a:extLst>
+          </p:cNvPr>
+          <p:cNvSpPr txBox="1"/>
+          <p:nvPr/>
+        </p:nvSpPr>
+        <p:spPr>
+          <a:xfrm>
+            <a:off x="0" y="6551802"/>
+            <a:ext cx="9404059" cy="369332"/>
+          </a:xfrm>
+          <a:prstGeom prst="rect">
+            <a:avLst/>
+          </a:prstGeom>
+          <a:noFill/>
+        </p:spPr>
+        <p:txBody>
+          <a:bodyPr wrap="square" rtlCol="0">
+            <a:spAutoFit/>
+          </a:bodyPr>
+          <a:lstStyle/>
+          <a:p>
+            <a:r>
+              <a:rPr lang="fr-FR" dirty="0"/>
+              <a:t>Source: https://</a:t>
+            </a:r>
+            <a:r>
+              <a:rPr lang="fr-FR" dirty="0" err="1"/>
+              <a:t>www.atatus.com</a:t>
+            </a:r>
+            <a:r>
+              <a:rPr lang="fr-FR" dirty="0"/>
+              <a:t>/</a:t>
+            </a:r>
+            <a:r>
+              <a:rPr lang="fr-FR" dirty="0" err="1"/>
+              <a:t>glossary</a:t>
+            </a:r>
+            <a:r>
+              <a:rPr lang="fr-FR" dirty="0"/>
+              <a:t>/</a:t>
+            </a:r>
+            <a:r>
+              <a:rPr lang="fr-FR" dirty="0" err="1"/>
+              <a:t>crud</a:t>
+            </a:r>
+            <a:r>
+              <a:rPr lang="fr-FR" dirty="0"/>
+              <a:t>/</a:t>
+            </a:r>
+          </a:p>
+        </p:txBody>
+      </p:sp>
+    </p:spTree>
+    <p:extLst>
+      <p:ext uri="{BB962C8B-B14F-4D97-AF65-F5344CB8AC3E}">
+        <p14:creationId xmlns:p14="http://schemas.microsoft.com/office/powerpoint/2010/main" val="3411354746"/>
+      </p:ext>
+    </p:extLst>
+  </p:cSld>
+  <p:clrMapOvr>
+    <a:masterClrMapping/>
+  </p:clrMapOvr>
+</p:sld>
+</file>
+
+<file path=ppt/slides/slide22.xml><?xml version="1.0" encoding="utf-8"?>
 <p:sld xmlns:a="http://schemas.openxmlformats.org/drawingml/2006/main" xmlns:r="http://schemas.openxmlformats.org/officeDocument/2006/relationships" xmlns:p="http://schemas.openxmlformats.org/presentationml/2006/main">
   <p:cSld>
     <p:bg>
@@ -29350,9 +33764,17 @@
 </p:sld>
 </file>
 
-<file path=ppt/slides/slide3.xml><?xml version="1.0" encoding="utf-8"?>
+<file path=ppt/slides/slide23.xml><?xml version="1.0" encoding="utf-8"?>
 <p:sld xmlns:a="http://schemas.openxmlformats.org/drawingml/2006/main" xmlns:r="http://schemas.openxmlformats.org/officeDocument/2006/relationships" xmlns:p="http://schemas.openxmlformats.org/presentationml/2006/main">
   <p:cSld>
+    <p:bg>
+      <p:bgPr>
+        <a:solidFill>
+          <a:schemeClr val="bg1"/>
+        </a:solidFill>
+        <a:effectLst/>
+      </p:bgPr>
+    </p:bg>
     <p:spTree>
       <p:nvGrpSpPr>
         <p:cNvPr id="1" name=""/>
@@ -29367,12 +33789,72 @@
           <a:chExt cx="0" cy="0"/>
         </a:xfrm>
       </p:grpSpPr>
+      <p:sp useBgFill="1">
+        <p:nvSpPr>
+          <p:cNvPr id="15" name="Rectangle 14">
+            <a:extLst>
+              <a:ext uri="{FF2B5EF4-FFF2-40B4-BE49-F238E27FC236}">
+                <a16:creationId xmlns:a16="http://schemas.microsoft.com/office/drawing/2014/main" id="{058A14AF-9FB5-4CC7-BA35-E8E85D3EDF0E}"/>
+              </a:ext>
+              <a:ext uri="{C183D7F6-B498-43B3-948B-1728B52AA6E4}">
+                <adec:decorative xmlns:adec="http://schemas.microsoft.com/office/drawing/2017/decorative" val="1"/>
+              </a:ext>
+            </a:extLst>
+          </p:cNvPr>
+          <p:cNvSpPr>
+            <a:spLocks noGrp="1" noRot="1" noChangeAspect="1" noMove="1" noResize="1" noEditPoints="1" noAdjustHandles="1" noChangeArrowheads="1" noChangeShapeType="1" noTextEdit="1"/>
+          </p:cNvSpPr>
+          <p:nvPr>
+            <p:extLst>
+              <p:ext uri="{386F3935-93C4-4BCD-93E2-E3B085C9AB24}">
+                <p16:designElem xmlns:p16="http://schemas.microsoft.com/office/powerpoint/2015/main" val="1"/>
+              </p:ext>
+            </p:extLst>
+          </p:nvPr>
+        </p:nvSpPr>
+        <p:spPr>
+          <a:xfrm>
+            <a:off x="0" y="0"/>
+            <a:ext cx="12191999" cy="6857365"/>
+          </a:xfrm>
+          <a:prstGeom prst="rect">
+            <a:avLst/>
+          </a:prstGeom>
+          <a:ln>
+            <a:noFill/>
+          </a:ln>
+        </p:spPr>
+        <p:style>
+          <a:lnRef idx="2">
+            <a:schemeClr val="accent1">
+              <a:shade val="50000"/>
+            </a:schemeClr>
+          </a:lnRef>
+          <a:fillRef idx="1">
+            <a:schemeClr val="accent1"/>
+          </a:fillRef>
+          <a:effectRef idx="0">
+            <a:schemeClr val="accent1"/>
+          </a:effectRef>
+          <a:fontRef idx="minor">
+            <a:schemeClr val="lt1"/>
+          </a:fontRef>
+        </p:style>
+        <p:txBody>
+          <a:bodyPr rtlCol="0" anchor="ctr"/>
+          <a:lstStyle/>
+          <a:p>
+            <a:pPr algn="ctr"/>
+            <a:endParaRPr lang="en-US"/>
+          </a:p>
+        </p:txBody>
+      </p:sp>
       <p:sp>
         <p:nvSpPr>
           <p:cNvPr id="2" name="Titre 1">
             <a:extLst>
               <a:ext uri="{FF2B5EF4-FFF2-40B4-BE49-F238E27FC236}">
-                <a16:creationId xmlns:a16="http://schemas.microsoft.com/office/drawing/2014/main" id="{3ECCC7AF-3F58-9C30-4374-0CCD49FD8552}"/>
+                <a16:creationId xmlns:a16="http://schemas.microsoft.com/office/drawing/2014/main" id="{AFAF11F6-CAA4-126A-FA1B-8363149B5C53}"/>
               </a:ext>
             </a:extLst>
           </p:cNvPr>
@@ -29383,358 +33865,385 @@
             <p:ph type="title"/>
           </p:nvPr>
         </p:nvSpPr>
-        <p:spPr/>
+        <p:spPr>
+          <a:xfrm>
+            <a:off x="793662" y="386930"/>
+            <a:ext cx="10066122" cy="1298448"/>
+          </a:xfrm>
+        </p:spPr>
         <p:txBody>
-          <a:bodyPr/>
+          <a:bodyPr anchor="b">
+            <a:normAutofit/>
+          </a:bodyPr>
           <a:lstStyle/>
           <a:p>
             <a:r>
-              <a:rPr lang="fr-FR" dirty="0"/>
-              <a:t>Programme</a:t>
+              <a:rPr lang="en-US" sz="4800" b="0" i="0" kern="1200" dirty="0">
+                <a:effectLst/>
+                <a:latin typeface="+mj-lt"/>
+                <a:ea typeface="+mj-ea"/>
+                <a:cs typeface="+mj-cs"/>
+              </a:rPr>
+              <a:t>Bien </a:t>
             </a:r>
+            <a:r>
+              <a:rPr lang="en-US" sz="4800" b="0" i="0" kern="1200" dirty="0" err="1">
+                <a:effectLst/>
+                <a:latin typeface="+mj-lt"/>
+                <a:ea typeface="+mj-ea"/>
+                <a:cs typeface="+mj-cs"/>
+              </a:rPr>
+              <a:t>démarrer</a:t>
+            </a:r>
+            <a:r>
+              <a:rPr lang="en-US" sz="4800" b="0" i="0" kern="1200" dirty="0">
+                <a:effectLst/>
+                <a:latin typeface="+mj-lt"/>
+                <a:ea typeface="+mj-ea"/>
+                <a:cs typeface="+mj-cs"/>
+              </a:rPr>
+              <a:t> avec MySQL</a:t>
+            </a:r>
+            <a:endParaRPr lang="fr-FR" sz="4800" dirty="0"/>
           </a:p>
         </p:txBody>
       </p:sp>
-      <mc:AlternateContent xmlns:mc="http://schemas.openxmlformats.org/markup-compatibility/2006">
-        <mc:Choice xmlns:psuz="http://schemas.microsoft.com/office/powerpoint/2016/summaryzoom" Requires="psuz">
-          <p:graphicFrame>
-            <p:nvGraphicFramePr>
-              <p:cNvPr id="5" name="Zoom de résumé 4">
-                <a:extLst>
-                  <a:ext uri="{FF2B5EF4-FFF2-40B4-BE49-F238E27FC236}">
-                    <a16:creationId xmlns:a16="http://schemas.microsoft.com/office/drawing/2014/main" id="{513F9519-B500-D59D-EDE9-FF999AEBF2C5}"/>
-                  </a:ext>
-                </a:extLst>
-              </p:cNvPr>
-              <p:cNvGraphicFramePr>
-                <a:graphicFrameLocks noChangeAspect="1"/>
-              </p:cNvGraphicFramePr>
-              <p:nvPr>
-                <p:extLst>
-                  <p:ext uri="{D42A27DB-BD31-4B8C-83A1-F6EECF244321}">
-                    <p14:modId xmlns:p14="http://schemas.microsoft.com/office/powerpoint/2010/main" val="3048522686"/>
-                  </p:ext>
-                </p:extLst>
-              </p:nvPr>
-            </p:nvGraphicFramePr>
-            <p:xfrm>
-              <a:off x="838200" y="1825625"/>
-              <a:ext cx="10515600" cy="4351338"/>
-            </p:xfrm>
-            <a:graphic>
-              <a:graphicData uri="http://schemas.microsoft.com/office/powerpoint/2016/summaryzoom">
-                <psuz:summaryZm>
-                  <psuz:summaryZmObj sectionId="{04B1B485-791F-F247-A347-ED68BFD88122}">
-                    <psuz:zmPr id="{14A8A481-89C4-4144-AD1F-B4F17AEA89DE}" transitionDur="1000">
-                      <p166:blipFill xmlns:p166="http://schemas.microsoft.com/office/powerpoint/2016/6/main">
-                        <a:blip r:embed="rId2"/>
-                        <a:stretch>
-                          <a:fillRect/>
-                        </a:stretch>
-                      </p166:blipFill>
-                      <p166:spPr xmlns:p166="http://schemas.microsoft.com/office/powerpoint/2016/6/main">
-                        <a:xfrm>
-                          <a:off x="407479" y="342010"/>
-                          <a:ext cx="3154680" cy="1774508"/>
-                        </a:xfrm>
-                        <a:prstGeom prst="rect">
-                          <a:avLst/>
-                        </a:prstGeom>
-                        <a:ln w="3175">
-                          <a:solidFill>
-                            <a:prstClr val="ltGray"/>
-                          </a:solidFill>
-                        </a:ln>
-                      </p166:spPr>
-                    </psuz:zmPr>
-                  </psuz:summaryZmObj>
-                  <psuz:summaryZmObj sectionId="{B4A9E860-358C-6A4C-9230-39704FEC007E}">
-                    <psuz:zmPr id="{476CDB59-92B3-014A-A54D-A71AF9F0E81A}" transitionDur="1000">
-                      <p166:blipFill xmlns:p166="http://schemas.microsoft.com/office/powerpoint/2016/6/main">
-                        <a:blip r:embed="rId3"/>
-                        <a:stretch>
-                          <a:fillRect/>
-                        </a:stretch>
-                      </p166:blipFill>
-                      <p166:spPr xmlns:p166="http://schemas.microsoft.com/office/powerpoint/2016/6/main">
-                        <a:xfrm>
-                          <a:off x="3680460" y="342010"/>
-                          <a:ext cx="3154680" cy="1774508"/>
-                        </a:xfrm>
-                        <a:prstGeom prst="rect">
-                          <a:avLst/>
-                        </a:prstGeom>
-                        <a:ln w="3175">
-                          <a:solidFill>
-                            <a:prstClr val="ltGray"/>
-                          </a:solidFill>
-                        </a:ln>
-                      </p166:spPr>
-                    </psuz:zmPr>
-                  </psuz:summaryZmObj>
-                  <psuz:summaryZmObj sectionId="{93B99A2C-9A23-E34F-94FE-BAAE0AF48E37}">
-                    <psuz:zmPr id="{7045BFC1-2A64-624C-B0AF-3B3F48485F56}" transitionDur="1000">
-                      <p166:blipFill xmlns:p166="http://schemas.microsoft.com/office/powerpoint/2016/6/main">
-                        <a:blip r:embed="rId4"/>
-                        <a:stretch>
-                          <a:fillRect/>
-                        </a:stretch>
-                      </p166:blipFill>
-                      <p166:spPr xmlns:p166="http://schemas.microsoft.com/office/powerpoint/2016/6/main">
-                        <a:xfrm>
-                          <a:off x="6953441" y="342010"/>
-                          <a:ext cx="3154680" cy="1774508"/>
-                        </a:xfrm>
-                        <a:prstGeom prst="rect">
-                          <a:avLst/>
-                        </a:prstGeom>
-                        <a:ln w="3175">
-                          <a:solidFill>
-                            <a:prstClr val="ltGray"/>
-                          </a:solidFill>
-                        </a:ln>
-                      </p166:spPr>
-                    </psuz:zmPr>
-                  </psuz:summaryZmObj>
-                  <psuz:summaryZmObj sectionId="{46D0137B-2D2C-4A47-87EF-1D9D4C4E051B}">
-                    <psuz:zmPr id="{620E1FB9-B8E0-3645-88B1-B8D60EA119D8}" transitionDur="1000">
-                      <p166:blipFill xmlns:p166="http://schemas.microsoft.com/office/powerpoint/2016/6/main">
-                        <a:blip r:embed="rId5"/>
-                        <a:stretch>
-                          <a:fillRect/>
-                        </a:stretch>
-                      </p166:blipFill>
-                      <p166:spPr xmlns:p166="http://schemas.microsoft.com/office/powerpoint/2016/6/main">
-                        <a:xfrm>
-                          <a:off x="407479" y="2234819"/>
-                          <a:ext cx="3154680" cy="1774508"/>
-                        </a:xfrm>
-                        <a:prstGeom prst="rect">
-                          <a:avLst/>
-                        </a:prstGeom>
-                        <a:ln w="3175">
-                          <a:solidFill>
-                            <a:prstClr val="ltGray"/>
-                          </a:solidFill>
-                        </a:ln>
-                      </p166:spPr>
-                    </psuz:zmPr>
-                  </psuz:summaryZmObj>
-                  <psuz:summaryZmObj sectionId="{6682E266-2E7E-784F-8715-DA920308305F}">
-                    <psuz:zmPr id="{F7C797C1-969D-A041-B65B-B417F590FEE8}" transitionDur="1000">
-                      <p166:blipFill xmlns:p166="http://schemas.microsoft.com/office/powerpoint/2016/6/main">
-                        <a:blip r:embed="rId6"/>
-                        <a:stretch>
-                          <a:fillRect/>
-                        </a:stretch>
-                      </p166:blipFill>
-                      <p166:spPr xmlns:p166="http://schemas.microsoft.com/office/powerpoint/2016/6/main">
-                        <a:xfrm>
-                          <a:off x="3680460" y="2234819"/>
-                          <a:ext cx="3154680" cy="1774508"/>
-                        </a:xfrm>
-                        <a:prstGeom prst="rect">
-                          <a:avLst/>
-                        </a:prstGeom>
-                        <a:ln w="3175">
-                          <a:solidFill>
-                            <a:prstClr val="ltGray"/>
-                          </a:solidFill>
-                        </a:ln>
-                      </p166:spPr>
-                    </psuz:zmPr>
-                  </psuz:summaryZmObj>
-                  <psuz:gridLayout/>
-                </psuz:summaryZm>
-              </a:graphicData>
-            </a:graphic>
-          </p:graphicFrame>
-        </mc:Choice>
-        <mc:Fallback>
-          <p:grpSp>
-            <p:nvGrpSpPr>
-              <p:cNvPr id="5" name="Zoom de résumé 4">
-                <a:extLst>
-                  <a:ext uri="{FF2B5EF4-FFF2-40B4-BE49-F238E27FC236}">
-                    <a16:creationId xmlns:a16="http://schemas.microsoft.com/office/drawing/2014/main" id="{513F9519-B500-D59D-EDE9-FF999AEBF2C5}"/>
-                  </a:ext>
-                </a:extLst>
-              </p:cNvPr>
-              <p:cNvGrpSpPr>
-                <a:grpSpLocks noGrp="1" noUngrp="1" noRot="1" noChangeAspect="1" noMove="1" noResize="1"/>
-              </p:cNvGrpSpPr>
-              <p:nvPr/>
-            </p:nvGrpSpPr>
-            <p:grpSpPr>
-              <a:xfrm>
-                <a:off x="838200" y="1825625"/>
-                <a:ext cx="10515600" cy="4351338"/>
-                <a:chOff x="838200" y="1825625"/>
-                <a:chExt cx="10515600" cy="4351338"/>
-              </a:xfrm>
-            </p:grpSpPr>
-            <p:pic>
-              <p:nvPicPr>
-                <p:cNvPr id="6" name="Image 6">
-                  <a:hlinkClick r:id="rId7" action="ppaction://hlinksldjump"/>
-                </p:cNvPr>
-                <p:cNvPicPr>
-                  <a:picLocks noSelect="1" noRot="1" noChangeAspect="1" noMove="1" noResize="1" noEditPoints="1" noAdjustHandles="1" noChangeArrowheads="1" noChangeShapeType="1"/>
-                </p:cNvPicPr>
-                <p:nvPr/>
-              </p:nvPicPr>
-              <p:blipFill>
-                <a:blip r:embed="rId2"/>
-                <a:stretch>
-                  <a:fillRect/>
-                </a:stretch>
-              </p:blipFill>
-              <p:spPr>
-                <a:xfrm>
-                  <a:off x="1245679" y="2167635"/>
-                  <a:ext cx="3154680" cy="1774508"/>
-                </a:xfrm>
-                <a:prstGeom prst="rect">
-                  <a:avLst/>
-                </a:prstGeom>
-                <a:ln w="3175">
-                  <a:solidFill>
-                    <a:prstClr val="ltGray"/>
-                  </a:solidFill>
-                </a:ln>
-              </p:spPr>
-            </p:pic>
-            <p:pic>
-              <p:nvPicPr>
-                <p:cNvPr id="7" name="Image 7">
-                  <a:hlinkClick r:id="rId8" action="ppaction://hlinksldjump"/>
-                </p:cNvPr>
-                <p:cNvPicPr>
-                  <a:picLocks noSelect="1" noRot="1" noChangeAspect="1" noMove="1" noResize="1" noEditPoints="1" noAdjustHandles="1" noChangeArrowheads="1" noChangeShapeType="1"/>
-                </p:cNvPicPr>
-                <p:nvPr/>
-              </p:nvPicPr>
-              <p:blipFill>
-                <a:blip r:embed="rId3"/>
-                <a:stretch>
-                  <a:fillRect/>
-                </a:stretch>
-              </p:blipFill>
-              <p:spPr>
-                <a:xfrm>
-                  <a:off x="4518660" y="2167635"/>
-                  <a:ext cx="3154680" cy="1774508"/>
-                </a:xfrm>
-                <a:prstGeom prst="rect">
-                  <a:avLst/>
-                </a:prstGeom>
-                <a:ln w="3175">
-                  <a:solidFill>
-                    <a:prstClr val="ltGray"/>
-                  </a:solidFill>
-                </a:ln>
-              </p:spPr>
-            </p:pic>
-            <p:pic>
-              <p:nvPicPr>
-                <p:cNvPr id="8" name="Image 8">
-                  <a:hlinkClick r:id="rId9" action="ppaction://hlinksldjump"/>
-                </p:cNvPr>
-                <p:cNvPicPr>
-                  <a:picLocks noSelect="1" noRot="1" noChangeAspect="1" noMove="1" noResize="1" noEditPoints="1" noAdjustHandles="1" noChangeArrowheads="1" noChangeShapeType="1"/>
-                </p:cNvPicPr>
-                <p:nvPr/>
-              </p:nvPicPr>
-              <p:blipFill>
-                <a:blip r:embed="rId4"/>
-                <a:stretch>
-                  <a:fillRect/>
-                </a:stretch>
-              </p:blipFill>
-              <p:spPr>
-                <a:xfrm>
-                  <a:off x="7791641" y="2167635"/>
-                  <a:ext cx="3154680" cy="1774508"/>
-                </a:xfrm>
-                <a:prstGeom prst="rect">
-                  <a:avLst/>
-                </a:prstGeom>
-                <a:ln w="3175">
-                  <a:solidFill>
-                    <a:prstClr val="ltGray"/>
-                  </a:solidFill>
-                </a:ln>
-              </p:spPr>
-            </p:pic>
-            <p:pic>
-              <p:nvPicPr>
-                <p:cNvPr id="9" name="Image 9">
-                  <a:hlinkClick r:id="rId10" action="ppaction://hlinksldjump"/>
-                </p:cNvPr>
-                <p:cNvPicPr>
-                  <a:picLocks noSelect="1" noRot="1" noChangeAspect="1" noMove="1" noResize="1" noEditPoints="1" noAdjustHandles="1" noChangeArrowheads="1" noChangeShapeType="1"/>
-                </p:cNvPicPr>
-                <p:nvPr/>
-              </p:nvPicPr>
-              <p:blipFill>
-                <a:blip r:embed="rId5"/>
-                <a:stretch>
-                  <a:fillRect/>
-                </a:stretch>
-              </p:blipFill>
-              <p:spPr>
-                <a:xfrm>
-                  <a:off x="1245679" y="4060444"/>
-                  <a:ext cx="3154680" cy="1774508"/>
-                </a:xfrm>
-                <a:prstGeom prst="rect">
-                  <a:avLst/>
-                </a:prstGeom>
-                <a:ln w="3175">
-                  <a:solidFill>
-                    <a:prstClr val="ltGray"/>
-                  </a:solidFill>
-                </a:ln>
-              </p:spPr>
-            </p:pic>
-            <p:pic>
-              <p:nvPicPr>
-                <p:cNvPr id="10" name="Image 10">
-                  <a:hlinkClick r:id="rId11" action="ppaction://hlinksldjump"/>
-                </p:cNvPr>
-                <p:cNvPicPr>
-                  <a:picLocks noSelect="1" noRot="1" noChangeAspect="1" noMove="1" noResize="1" noEditPoints="1" noAdjustHandles="1" noChangeArrowheads="1" noChangeShapeType="1"/>
-                </p:cNvPicPr>
-                <p:nvPr/>
-              </p:nvPicPr>
-              <p:blipFill>
-                <a:blip r:embed="rId6"/>
-                <a:stretch>
-                  <a:fillRect/>
-                </a:stretch>
-              </p:blipFill>
-              <p:spPr>
-                <a:xfrm>
-                  <a:off x="4518660" y="4060444"/>
-                  <a:ext cx="3154680" cy="1774508"/>
-                </a:xfrm>
-                <a:prstGeom prst="rect">
-                  <a:avLst/>
-                </a:prstGeom>
-                <a:ln w="3175">
-                  <a:solidFill>
-                    <a:prstClr val="ltGray"/>
-                  </a:solidFill>
-                </a:ln>
-              </p:spPr>
-            </p:pic>
-          </p:grpSp>
-        </mc:Fallback>
-      </mc:AlternateContent>
+      <p:sp>
+        <p:nvSpPr>
+          <p:cNvPr id="17" name="Rectangle 16">
+            <a:extLst>
+              <a:ext uri="{FF2B5EF4-FFF2-40B4-BE49-F238E27FC236}">
+                <a16:creationId xmlns:a16="http://schemas.microsoft.com/office/drawing/2014/main" id="{3A9A4357-BD1D-4622-A4FE-766E6AB8DE84}"/>
+              </a:ext>
+              <a:ext uri="{C183D7F6-B498-43B3-948B-1728B52AA6E4}">
+                <adec:decorative xmlns:adec="http://schemas.microsoft.com/office/drawing/2017/decorative" val="1"/>
+              </a:ext>
+            </a:extLst>
+          </p:cNvPr>
+          <p:cNvSpPr>
+            <a:spLocks noGrp="1" noRot="1" noChangeAspect="1" noMove="1" noResize="1" noEditPoints="1" noAdjustHandles="1" noChangeArrowheads="1" noChangeShapeType="1" noTextEdit="1"/>
+          </p:cNvSpPr>
+          <p:nvPr>
+            <p:extLst>
+              <p:ext uri="{386F3935-93C4-4BCD-93E2-E3B085C9AB24}">
+                <p16:designElem xmlns:p16="http://schemas.microsoft.com/office/powerpoint/2015/main" val="1"/>
+              </p:ext>
+            </p:extLst>
+          </p:nvPr>
+        </p:nvSpPr>
+        <p:spPr>
+          <a:xfrm flipH="1" flipV="1">
+            <a:off x="-2" y="1998845"/>
+            <a:ext cx="11454595" cy="781699"/>
+          </a:xfrm>
+          <a:prstGeom prst="rect">
+            <a:avLst/>
+          </a:prstGeom>
+          <a:solidFill>
+            <a:schemeClr val="accent4"/>
+          </a:solidFill>
+          <a:ln>
+            <a:noFill/>
+          </a:ln>
+        </p:spPr>
+        <p:style>
+          <a:lnRef idx="2">
+            <a:schemeClr val="accent1">
+              <a:shade val="50000"/>
+            </a:schemeClr>
+          </a:lnRef>
+          <a:fillRef idx="1">
+            <a:schemeClr val="accent1"/>
+          </a:fillRef>
+          <a:effectRef idx="0">
+            <a:schemeClr val="accent1"/>
+          </a:effectRef>
+          <a:fontRef idx="minor">
+            <a:schemeClr val="lt1"/>
+          </a:fontRef>
+        </p:style>
+        <p:txBody>
+          <a:bodyPr rtlCol="0" anchor="ctr"/>
+          <a:lstStyle/>
+          <a:p>
+            <a:pPr algn="ctr"/>
+            <a:endParaRPr lang="en-US"/>
+          </a:p>
+        </p:txBody>
+      </p:sp>
+      <p:sp>
+        <p:nvSpPr>
+          <p:cNvPr id="14" name="Rectangle 13">
+            <a:extLst>
+              <a:ext uri="{FF2B5EF4-FFF2-40B4-BE49-F238E27FC236}">
+                <a16:creationId xmlns:a16="http://schemas.microsoft.com/office/drawing/2014/main" id="{E659831F-0D9A-4C63-9EBB-8435B85A440F}"/>
+              </a:ext>
+              <a:ext uri="{C183D7F6-B498-43B3-948B-1728B52AA6E4}">
+                <adec:decorative xmlns:adec="http://schemas.microsoft.com/office/drawing/2017/decorative" val="1"/>
+              </a:ext>
+            </a:extLst>
+          </p:cNvPr>
+          <p:cNvSpPr>
+            <a:spLocks noGrp="1" noRot="1" noChangeAspect="1" noMove="1" noResize="1" noEditPoints="1" noAdjustHandles="1" noChangeArrowheads="1" noChangeShapeType="1" noTextEdit="1"/>
+          </p:cNvSpPr>
+          <p:nvPr>
+            <p:extLst>
+              <p:ext uri="{386F3935-93C4-4BCD-93E2-E3B085C9AB24}">
+                <p16:designElem xmlns:p16="http://schemas.microsoft.com/office/powerpoint/2015/main" val="1"/>
+              </p:ext>
+            </p:extLst>
+          </p:nvPr>
+        </p:nvSpPr>
+        <p:spPr>
+          <a:xfrm>
+            <a:off x="0" y="2203079"/>
+            <a:ext cx="11383362" cy="4267991"/>
+          </a:xfrm>
+          <a:prstGeom prst="rect">
+            <a:avLst/>
+          </a:prstGeom>
+          <a:solidFill>
+            <a:schemeClr val="bg1"/>
+          </a:solidFill>
+          <a:ln>
+            <a:noFill/>
+          </a:ln>
+          <a:effectLst>
+            <a:outerShdw blurRad="139700" dist="127000" dir="5400000" algn="t" rotWithShape="0">
+              <a:prstClr val="black">
+                <a:alpha val="15000"/>
+              </a:prstClr>
+            </a:outerShdw>
+          </a:effectLst>
+        </p:spPr>
+        <p:style>
+          <a:lnRef idx="2">
+            <a:schemeClr val="accent1">
+              <a:shade val="50000"/>
+            </a:schemeClr>
+          </a:lnRef>
+          <a:fillRef idx="1">
+            <a:schemeClr val="accent1"/>
+          </a:fillRef>
+          <a:effectRef idx="0">
+            <a:schemeClr val="accent1"/>
+          </a:effectRef>
+          <a:fontRef idx="minor">
+            <a:schemeClr val="lt1"/>
+          </a:fontRef>
+        </p:style>
+        <p:txBody>
+          <a:bodyPr rtlCol="0" anchor="ctr"/>
+          <a:lstStyle/>
+          <a:p>
+            <a:pPr algn="ctr"/>
+            <a:endParaRPr lang="en-US"/>
+          </a:p>
+        </p:txBody>
+      </p:sp>
+      <p:sp>
+        <p:nvSpPr>
+          <p:cNvPr id="3" name="Espace réservé du contenu 2">
+            <a:extLst>
+              <a:ext uri="{FF2B5EF4-FFF2-40B4-BE49-F238E27FC236}">
+                <a16:creationId xmlns:a16="http://schemas.microsoft.com/office/drawing/2014/main" id="{57D207B2-8477-9FF2-89C4-752E5EBE6C5E}"/>
+              </a:ext>
+            </a:extLst>
+          </p:cNvPr>
+          <p:cNvSpPr>
+            <a:spLocks noGrp="1"/>
+          </p:cNvSpPr>
+          <p:nvPr>
+            <p:ph idx="1"/>
+          </p:nvPr>
+        </p:nvSpPr>
+        <p:spPr>
+          <a:xfrm>
+            <a:off x="793660" y="2599509"/>
+            <a:ext cx="5835887" cy="3639450"/>
+          </a:xfrm>
+        </p:spPr>
+        <p:txBody>
+          <a:bodyPr anchor="ctr">
+            <a:normAutofit/>
+          </a:bodyPr>
+          <a:lstStyle/>
+          <a:p>
+            <a:r>
+              <a:rPr lang="fr-FR" sz="2000" dirty="0"/>
+              <a:t>Etape 1: Installer MySQL Community Server disponible </a:t>
+            </a:r>
+          </a:p>
+          <a:p>
+            <a:pPr marL="0" indent="0">
+              <a:buNone/>
+            </a:pPr>
+            <a:r>
+              <a:rPr lang="fr-FR" sz="2000" dirty="0"/>
+              <a:t> </a:t>
+            </a:r>
+            <a:r>
+              <a:rPr lang="fr-FR" sz="2000" dirty="0">
+                <a:hlinkClick r:id="rId2"/>
+              </a:rPr>
+              <a:t>https://dev.mysql.com/downloads/mysql/</a:t>
+            </a:r>
+            <a:endParaRPr lang="fr-FR" sz="2000" dirty="0"/>
+          </a:p>
+          <a:p>
+            <a:pPr marL="0" indent="0">
+              <a:buNone/>
+            </a:pPr>
+            <a:endParaRPr lang="fr-FR" sz="2000" dirty="0"/>
+          </a:p>
+          <a:p>
+            <a:r>
+              <a:rPr lang="fr-FR" sz="2000" dirty="0"/>
+              <a:t>Etape 2: Installer </a:t>
+            </a:r>
+            <a:r>
+              <a:rPr lang="fr-FR" sz="2000" b="0" i="0" dirty="0">
+                <a:effectLst/>
+                <a:latin typeface="Söhne"/>
+              </a:rPr>
+              <a:t>MySQL Workbench</a:t>
+            </a:r>
+          </a:p>
+          <a:p>
+            <a:pPr marL="0" indent="0">
+              <a:buNone/>
+            </a:pPr>
+            <a:endParaRPr lang="fr-FR" sz="2000" b="0" i="0" dirty="0">
+              <a:effectLst/>
+              <a:latin typeface="Söhne"/>
+            </a:endParaRPr>
+          </a:p>
+          <a:p>
+            <a:pPr marL="0" indent="0">
+              <a:buNone/>
+            </a:pPr>
+            <a:r>
+              <a:rPr lang="fr-FR" sz="2000" dirty="0">
+                <a:hlinkClick r:id="rId3"/>
+              </a:rPr>
+              <a:t>https://dev.mysql.com/downloads/workbench/</a:t>
+            </a:r>
+            <a:endParaRPr lang="fr-FR" sz="2000" dirty="0"/>
+          </a:p>
+          <a:p>
+            <a:pPr marL="0" indent="0">
+              <a:buNone/>
+            </a:pPr>
+            <a:endParaRPr lang="fr-FR" sz="2000" dirty="0"/>
+          </a:p>
+        </p:txBody>
+      </p:sp>
+      <p:pic>
+        <p:nvPicPr>
+          <p:cNvPr id="18" name="Graphic 6" descr="Ordinateur portable sécurisé">
+            <a:extLst>
+              <a:ext uri="{FF2B5EF4-FFF2-40B4-BE49-F238E27FC236}">
+                <a16:creationId xmlns:a16="http://schemas.microsoft.com/office/drawing/2014/main" id="{0DE22AC7-0014-E411-00CB-DC88DFAA9B21}"/>
+              </a:ext>
+            </a:extLst>
+          </p:cNvPr>
+          <p:cNvPicPr>
+            <a:picLocks noChangeAspect="1"/>
+          </p:cNvPicPr>
+          <p:nvPr/>
+        </p:nvPicPr>
+        <p:blipFill>
+          <a:blip r:embed="rId4">
+            <a:extLst>
+              <a:ext uri="{28A0092B-C50C-407E-A947-70E740481C1C}">
+                <a14:useLocalDpi xmlns:a14="http://schemas.microsoft.com/office/drawing/2010/main" val="0"/>
+              </a:ext>
+              <a:ext uri="{96DAC541-7B7A-43D3-8B79-37D633B846F1}">
+                <asvg:svgBlip xmlns:asvg="http://schemas.microsoft.com/office/drawing/2016/SVG/main" r:embed="rId5"/>
+              </a:ext>
+            </a:extLst>
+          </a:blip>
+          <a:stretch>
+            <a:fillRect/>
+          </a:stretch>
+        </p:blipFill>
+        <p:spPr>
+          <a:xfrm>
+            <a:off x="6629548" y="2484255"/>
+            <a:ext cx="3714244" cy="3714244"/>
+          </a:xfrm>
+          <a:prstGeom prst="rect">
+            <a:avLst/>
+          </a:prstGeom>
+        </p:spPr>
+      </p:pic>
+      <p:sp>
+        <p:nvSpPr>
+          <p:cNvPr id="16" name="Rectangle 15">
+            <a:extLst>
+              <a:ext uri="{FF2B5EF4-FFF2-40B4-BE49-F238E27FC236}">
+                <a16:creationId xmlns:a16="http://schemas.microsoft.com/office/drawing/2014/main" id="{E6995CE5-F890-4ABA-82A2-26507CE8D2A3}"/>
+              </a:ext>
+              <a:ext uri="{C183D7F6-B498-43B3-948B-1728B52AA6E4}">
+                <adec:decorative xmlns:adec="http://schemas.microsoft.com/office/drawing/2017/decorative" val="1"/>
+              </a:ext>
+            </a:extLst>
+          </p:cNvPr>
+          <p:cNvSpPr>
+            <a:spLocks noGrp="1" noRot="1" noChangeAspect="1" noMove="1" noResize="1" noEditPoints="1" noAdjustHandles="1" noChangeArrowheads="1" noChangeShapeType="1" noTextEdit="1"/>
+          </p:cNvSpPr>
+          <p:nvPr>
+            <p:extLst>
+              <p:ext uri="{386F3935-93C4-4BCD-93E2-E3B085C9AB24}">
+                <p16:designElem xmlns:p16="http://schemas.microsoft.com/office/powerpoint/2015/main" val="1"/>
+              </p:ext>
+            </p:extLst>
+          </p:nvPr>
+        </p:nvSpPr>
+        <p:spPr>
+          <a:xfrm rot="5400000">
+            <a:off x="11228040" y="2313027"/>
+            <a:ext cx="781700" cy="152382"/>
+          </a:xfrm>
+          <a:prstGeom prst="rect">
+            <a:avLst/>
+          </a:prstGeom>
+          <a:solidFill>
+            <a:schemeClr val="accent4"/>
+          </a:solidFill>
+          <a:ln>
+            <a:noFill/>
+          </a:ln>
+        </p:spPr>
+        <p:style>
+          <a:lnRef idx="2">
+            <a:schemeClr val="accent1">
+              <a:shade val="50000"/>
+            </a:schemeClr>
+          </a:lnRef>
+          <a:fillRef idx="1">
+            <a:schemeClr val="accent1"/>
+          </a:fillRef>
+          <a:effectRef idx="0">
+            <a:schemeClr val="accent1"/>
+          </a:effectRef>
+          <a:fontRef idx="minor">
+            <a:schemeClr val="lt1"/>
+          </a:fontRef>
+        </p:style>
+        <p:txBody>
+          <a:bodyPr rtlCol="0" anchor="ctr"/>
+          <a:lstStyle/>
+          <a:p>
+            <a:pPr algn="ctr"/>
+            <a:endParaRPr lang="en-US"/>
+          </a:p>
+        </p:txBody>
+      </p:sp>
     </p:spTree>
     <p:extLst>
       <p:ext uri="{BB962C8B-B14F-4D97-AF65-F5344CB8AC3E}">
-        <p14:creationId xmlns:p14="http://schemas.microsoft.com/office/powerpoint/2010/main" val="1859836686"/>
+        <p14:creationId xmlns:p14="http://schemas.microsoft.com/office/powerpoint/2010/main" val="4133145957"/>
       </p:ext>
     </p:extLst>
   </p:cSld>
@@ -29744,7 +34253,7 @@
 </p:sld>
 </file>
 
-<file path=ppt/slides/slide4.xml><?xml version="1.0" encoding="utf-8"?>
+<file path=ppt/slides/slide3.xml><?xml version="1.0" encoding="utf-8"?>
 <p:sld xmlns:a="http://schemas.openxmlformats.org/drawingml/2006/main" xmlns:r="http://schemas.openxmlformats.org/officeDocument/2006/relationships" xmlns:p="http://schemas.openxmlformats.org/presentationml/2006/main">
   <p:cSld>
     <p:bg>
@@ -30288,7 +34797,7 @@
 </p:sld>
 </file>
 
-<file path=ppt/slides/slide5.xml><?xml version="1.0" encoding="utf-8"?>
+<file path=ppt/slides/slide4.xml><?xml version="1.0" encoding="utf-8"?>
 <p:sld xmlns:a="http://schemas.openxmlformats.org/drawingml/2006/main" xmlns:r="http://schemas.openxmlformats.org/officeDocument/2006/relationships" xmlns:p="http://schemas.openxmlformats.org/presentationml/2006/main">
   <p:cSld>
     <p:spTree>
@@ -30395,7 +34904,7 @@
 </p:sld>
 </file>
 
-<file path=ppt/slides/slide6.xml><?xml version="1.0" encoding="utf-8"?>
+<file path=ppt/slides/slide5.xml><?xml version="1.0" encoding="utf-8"?>
 <p:sld xmlns:a="http://schemas.openxmlformats.org/drawingml/2006/main" xmlns:r="http://schemas.openxmlformats.org/officeDocument/2006/relationships" xmlns:p="http://schemas.openxmlformats.org/presentationml/2006/main">
   <p:cSld>
     <p:bg>
@@ -30771,7 +35280,7 @@
 </p:sld>
 </file>
 
-<file path=ppt/slides/slide7.xml><?xml version="1.0" encoding="utf-8"?>
+<file path=ppt/slides/slide6.xml><?xml version="1.0" encoding="utf-8"?>
 <p:sld xmlns:a="http://schemas.openxmlformats.org/drawingml/2006/main" xmlns:r="http://schemas.openxmlformats.org/officeDocument/2006/relationships" xmlns:p="http://schemas.openxmlformats.org/presentationml/2006/main">
   <p:cSld>
     <p:bg>
@@ -30952,7 +35461,7 @@
 </p:sld>
 </file>
 
-<file path=ppt/slides/slide8.xml><?xml version="1.0" encoding="utf-8"?>
+<file path=ppt/slides/slide7.xml><?xml version="1.0" encoding="utf-8"?>
 <p:sld xmlns:a="http://schemas.openxmlformats.org/drawingml/2006/main" xmlns:r="http://schemas.openxmlformats.org/officeDocument/2006/relationships" xmlns:p="http://schemas.openxmlformats.org/presentationml/2006/main">
   <p:cSld>
     <p:bg>
@@ -31366,7 +35875,7 @@
 </p:sld>
 </file>
 
-<file path=ppt/slides/slide9.xml><?xml version="1.0" encoding="utf-8"?>
+<file path=ppt/slides/slide8.xml><?xml version="1.0" encoding="utf-8"?>
 <p:sld xmlns:a="http://schemas.openxmlformats.org/drawingml/2006/main" xmlns:r="http://schemas.openxmlformats.org/officeDocument/2006/relationships" xmlns:p="http://schemas.openxmlformats.org/presentationml/2006/main">
   <p:cSld>
     <p:bg>
@@ -31864,6 +36373,90 @@
 </p:sld>
 </file>
 
+<file path=ppt/slides/slide9.xml><?xml version="1.0" encoding="utf-8"?>
+<p:sld xmlns:a="http://schemas.openxmlformats.org/drawingml/2006/main" xmlns:r="http://schemas.openxmlformats.org/officeDocument/2006/relationships" xmlns:p="http://schemas.openxmlformats.org/presentationml/2006/main">
+  <p:cSld>
+    <p:spTree>
+      <p:nvGrpSpPr>
+        <p:cNvPr id="1" name=""/>
+        <p:cNvGrpSpPr/>
+        <p:nvPr/>
+      </p:nvGrpSpPr>
+      <p:grpSpPr>
+        <a:xfrm>
+          <a:off x="0" y="0"/>
+          <a:ext cx="0" cy="0"/>
+          <a:chOff x="0" y="0"/>
+          <a:chExt cx="0" cy="0"/>
+        </a:xfrm>
+      </p:grpSpPr>
+      <p:sp>
+        <p:nvSpPr>
+          <p:cNvPr id="2" name="Titre 1">
+            <a:extLst>
+              <a:ext uri="{FF2B5EF4-FFF2-40B4-BE49-F238E27FC236}">
+                <a16:creationId xmlns:a16="http://schemas.microsoft.com/office/drawing/2014/main" id="{9D5B1C60-6EFB-5FAB-475C-4E05B8BA120B}"/>
+              </a:ext>
+            </a:extLst>
+          </p:cNvPr>
+          <p:cNvSpPr>
+            <a:spLocks noGrp="1"/>
+          </p:cNvSpPr>
+          <p:nvPr>
+            <p:ph type="title"/>
+          </p:nvPr>
+        </p:nvSpPr>
+        <p:spPr/>
+        <p:txBody>
+          <a:bodyPr/>
+          <a:lstStyle/>
+          <a:p>
+            <a:r>
+              <a:rPr lang="fr-FR" dirty="0"/>
+              <a:t>Les types de SGBD</a:t>
+            </a:r>
+          </a:p>
+        </p:txBody>
+      </p:sp>
+      <p:graphicFrame>
+        <p:nvGraphicFramePr>
+          <p:cNvPr id="5" name="Espace réservé du contenu 2">
+            <a:extLst>
+              <a:ext uri="{FF2B5EF4-FFF2-40B4-BE49-F238E27FC236}">
+                <a16:creationId xmlns:a16="http://schemas.microsoft.com/office/drawing/2014/main" id="{4D454023-2281-301B-A674-62F1585B4BC6}"/>
+              </a:ext>
+            </a:extLst>
+          </p:cNvPr>
+          <p:cNvGraphicFramePr>
+            <a:graphicFrameLocks noGrp="1"/>
+          </p:cNvGraphicFramePr>
+          <p:nvPr>
+            <p:ph idx="1"/>
+          </p:nvPr>
+        </p:nvGraphicFramePr>
+        <p:xfrm>
+          <a:off x="838200" y="1825625"/>
+          <a:ext cx="10515600" cy="4351338"/>
+        </p:xfrm>
+        <a:graphic>
+          <a:graphicData uri="http://schemas.openxmlformats.org/drawingml/2006/diagram">
+            <dgm:relIds xmlns:dgm="http://schemas.openxmlformats.org/drawingml/2006/diagram" xmlns:r="http://schemas.openxmlformats.org/officeDocument/2006/relationships" r:dm="rId2" r:lo="rId3" r:qs="rId4" r:cs="rId5"/>
+          </a:graphicData>
+        </a:graphic>
+      </p:graphicFrame>
+    </p:spTree>
+    <p:extLst>
+      <p:ext uri="{BB962C8B-B14F-4D97-AF65-F5344CB8AC3E}">
+        <p14:creationId xmlns:p14="http://schemas.microsoft.com/office/powerpoint/2010/main" val="2377681386"/>
+      </p:ext>
+    </p:extLst>
+  </p:cSld>
+  <p:clrMapOvr>
+    <a:masterClrMapping/>
+  </p:clrMapOvr>
+</p:sld>
+</file>
+
 <file path=ppt/theme/theme1.xml><?xml version="1.0" encoding="utf-8"?>
 <a:theme xmlns:a="http://schemas.openxmlformats.org/drawingml/2006/main" name="Thème Office">
   <a:themeElements>
